--- a/PowerShell/00_Présentation/Formation Académique.pptx
+++ b/PowerShell/00_Présentation/Formation Académique.pptx
@@ -5,7 +5,7 @@
     <p:sldMasterId id="2147483660" r:id="rId13"/>
   </p:sldMasterIdLst>
   <p:notesMasterIdLst>
-    <p:notesMasterId r:id="rId37"/>
+    <p:notesMasterId r:id="rId38"/>
   </p:notesMasterIdLst>
   <p:sldIdLst>
     <p:sldId id="256" r:id="rId14"/>
@@ -28,37 +28,38 @@
     <p:sldId id="275" r:id="rId31"/>
     <p:sldId id="269" r:id="rId32"/>
     <p:sldId id="274" r:id="rId33"/>
-    <p:sldId id="276" r:id="rId34"/>
-    <p:sldId id="342" r:id="rId35"/>
-    <p:sldId id="343" r:id="rId36"/>
+    <p:sldId id="344" r:id="rId34"/>
+    <p:sldId id="276" r:id="rId35"/>
+    <p:sldId id="342" r:id="rId36"/>
+    <p:sldId id="343" r:id="rId37"/>
   </p:sldIdLst>
   <p:sldSz cx="9144000" cy="6858000" type="screen4x3"/>
   <p:notesSz cx="6858000" cy="9144000"/>
   <p:embeddedFontLst>
     <p:embeddedFont>
       <p:font typeface="Calibri" panose="020F0502020204030204" pitchFamily="34" charset="0"/>
-      <p:regular r:id="rId38"/>
-      <p:bold r:id="rId39"/>
-      <p:italic r:id="rId40"/>
-      <p:boldItalic r:id="rId41"/>
+      <p:regular r:id="rId39"/>
+      <p:bold r:id="rId40"/>
+      <p:italic r:id="rId41"/>
+      <p:boldItalic r:id="rId42"/>
     </p:embeddedFont>
     <p:embeddedFont>
       <p:font typeface="Lucida Console" panose="020B0609040504020204" pitchFamily="49" charset="0"/>
-      <p:regular r:id="rId42"/>
+      <p:regular r:id="rId43"/>
     </p:embeddedFont>
     <p:embeddedFont>
       <p:font typeface="Segoe UI" panose="020B0502040204020203" pitchFamily="34" charset="0"/>
-      <p:regular r:id="rId43"/>
-      <p:bold r:id="rId44"/>
-      <p:italic r:id="rId45"/>
-      <p:boldItalic r:id="rId46"/>
+      <p:regular r:id="rId44"/>
+      <p:bold r:id="rId45"/>
+      <p:italic r:id="rId46"/>
+      <p:boldItalic r:id="rId47"/>
     </p:embeddedFont>
     <p:embeddedFont>
       <p:font typeface="Verdana" panose="020B0604030504040204" pitchFamily="34" charset="0"/>
-      <p:regular r:id="rId47"/>
-      <p:bold r:id="rId48"/>
-      <p:italic r:id="rId49"/>
-      <p:boldItalic r:id="rId50"/>
+      <p:regular r:id="rId48"/>
+      <p:bold r:id="rId49"/>
+      <p:italic r:id="rId50"/>
+      <p:boldItalic r:id="rId51"/>
     </p:embeddedFont>
   </p:embeddedFontLst>
   <p:defaultTextStyle>
@@ -4308,7 +4309,7 @@
           <a:p>
             <a:fld id="{AACBC3A0-0632-4C67-914A-A65C15CF980E}" type="datetimeFigureOut">
               <a:rPr lang="en-US" smtClean="0"/>
-              <a:t>5/28/2018</a:t>
+              <a:t>6/19/2018</a:t>
             </a:fld>
             <a:endParaRPr lang="en-US" dirty="0"/>
           </a:p>
@@ -14605,6 +14606,422 @@
       </p:grpSpPr>
       <p:sp>
         <p:nvSpPr>
+          <p:cNvPr id="7" name="Espace réservé du texte 4">
+            <a:extLst>
+              <a:ext uri="{FF2B5EF4-FFF2-40B4-BE49-F238E27FC236}">
+                <a16:creationId xmlns:a16="http://schemas.microsoft.com/office/drawing/2014/main" id="{E9AA3234-8156-42BC-AB48-1D2AEF87447F}"/>
+              </a:ext>
+            </a:extLst>
+          </p:cNvPr>
+          <p:cNvSpPr txBox="1">
+            <a:spLocks/>
+          </p:cNvSpPr>
+          <p:nvPr/>
+        </p:nvSpPr>
+        <p:spPr bwMode="auto">
+          <a:xfrm>
+            <a:off x="179512" y="1052736"/>
+            <a:ext cx="3456384" cy="504056"/>
+          </a:xfrm>
+          <a:prstGeom prst="rect">
+            <a:avLst/>
+          </a:prstGeom>
+          <a:noFill/>
+          <a:ln w="9525">
+            <a:noFill/>
+            <a:miter lim="800000"/>
+            <a:headEnd/>
+            <a:tailEnd/>
+          </a:ln>
+        </p:spPr>
+        <p:txBody>
+          <a:bodyPr vert="horz" wrap="square" lIns="0" tIns="0" rIns="0" bIns="0" numCol="1" anchor="b" anchorCtr="0" compatLnSpc="1">
+            <a:prstTxWarp prst="textNoShape">
+              <a:avLst/>
+            </a:prstTxWarp>
+          </a:bodyPr>
+          <a:lstStyle>
+            <a:lvl1pPr marL="0" indent="0" algn="l" rtl="0" eaLnBrk="1" fontAlgn="base" hangingPunct="1">
+              <a:lnSpc>
+                <a:spcPct val="100000"/>
+              </a:lnSpc>
+              <a:spcBef>
+                <a:spcPts val="600"/>
+              </a:spcBef>
+              <a:spcAft>
+                <a:spcPct val="0"/>
+              </a:spcAft>
+              <a:buClr>
+                <a:srgbClr val="0070C0"/>
+              </a:buClr>
+              <a:buSzPct val="90000"/>
+              <a:buFont typeface="Arial" pitchFamily="34" charset="0"/>
+              <a:buNone/>
+              <a:defRPr sz="2000">
+                <a:solidFill>
+                  <a:schemeClr val="tx1"/>
+                </a:solidFill>
+                <a:latin typeface="Segoe UI" pitchFamily="34" charset="0"/>
+                <a:ea typeface="Segoe UI" pitchFamily="34" charset="0"/>
+                <a:cs typeface="Segoe UI" pitchFamily="34" charset="0"/>
+              </a:defRPr>
+            </a:lvl1pPr>
+            <a:lvl2pPr marL="457200" indent="0" algn="l" rtl="0" eaLnBrk="1" fontAlgn="base" hangingPunct="1">
+              <a:lnSpc>
+                <a:spcPct val="100000"/>
+              </a:lnSpc>
+              <a:spcBef>
+                <a:spcPts val="600"/>
+              </a:spcBef>
+              <a:spcAft>
+                <a:spcPct val="0"/>
+              </a:spcAft>
+              <a:buClr>
+                <a:srgbClr val="0070C0"/>
+              </a:buClr>
+              <a:buSzPct val="80000"/>
+              <a:buFont typeface="Arial" pitchFamily="34" charset="0"/>
+              <a:buNone/>
+              <a:defRPr sz="1800">
+                <a:solidFill>
+                  <a:schemeClr val="tx1"/>
+                </a:solidFill>
+                <a:latin typeface="Segoe UI" pitchFamily="34" charset="0"/>
+                <a:ea typeface="Segoe UI" pitchFamily="34" charset="0"/>
+                <a:cs typeface="Segoe UI" pitchFamily="34" charset="0"/>
+              </a:defRPr>
+            </a:lvl2pPr>
+            <a:lvl3pPr marL="914400" indent="0" algn="l" rtl="0" eaLnBrk="1" fontAlgn="base" hangingPunct="1">
+              <a:lnSpc>
+                <a:spcPct val="100000"/>
+              </a:lnSpc>
+              <a:spcBef>
+                <a:spcPts val="600"/>
+              </a:spcBef>
+              <a:spcAft>
+                <a:spcPct val="0"/>
+              </a:spcAft>
+              <a:buClr>
+                <a:srgbClr val="0070C0"/>
+              </a:buClr>
+              <a:buSzPct val="80000"/>
+              <a:buFont typeface="Arial" pitchFamily="34" charset="0"/>
+              <a:buNone/>
+              <a:defRPr sz="1600">
+                <a:solidFill>
+                  <a:schemeClr val="tx1"/>
+                </a:solidFill>
+                <a:latin typeface="Segoe UI" pitchFamily="34" charset="0"/>
+                <a:ea typeface="Segoe UI" pitchFamily="34" charset="0"/>
+                <a:cs typeface="Segoe UI" pitchFamily="34" charset="0"/>
+              </a:defRPr>
+            </a:lvl3pPr>
+            <a:lvl4pPr marL="1371600" indent="0" algn="l" rtl="0" eaLnBrk="1" fontAlgn="base" hangingPunct="1">
+              <a:lnSpc>
+                <a:spcPct val="100000"/>
+              </a:lnSpc>
+              <a:spcBef>
+                <a:spcPts val="600"/>
+              </a:spcBef>
+              <a:spcAft>
+                <a:spcPct val="0"/>
+              </a:spcAft>
+              <a:buClr>
+                <a:srgbClr val="0070C0"/>
+              </a:buClr>
+              <a:buSzPct val="90000"/>
+              <a:buFont typeface="Arial" pitchFamily="34" charset="0"/>
+              <a:buNone/>
+              <a:defRPr sz="1400">
+                <a:solidFill>
+                  <a:schemeClr val="tx1"/>
+                </a:solidFill>
+                <a:latin typeface="Segoe UI" pitchFamily="34" charset="0"/>
+                <a:ea typeface="Segoe UI" pitchFamily="34" charset="0"/>
+                <a:cs typeface="Segoe UI" pitchFamily="34" charset="0"/>
+              </a:defRPr>
+            </a:lvl4pPr>
+            <a:lvl5pPr marL="1828800" indent="0" algn="l" rtl="0" eaLnBrk="1" fontAlgn="base" hangingPunct="1">
+              <a:lnSpc>
+                <a:spcPct val="100000"/>
+              </a:lnSpc>
+              <a:spcBef>
+                <a:spcPts val="600"/>
+              </a:spcBef>
+              <a:spcAft>
+                <a:spcPct val="0"/>
+              </a:spcAft>
+              <a:buClr>
+                <a:srgbClr val="0070C0"/>
+              </a:buClr>
+              <a:buSzPct val="90000"/>
+              <a:buFont typeface="Arial" pitchFamily="34" charset="0"/>
+              <a:buNone/>
+              <a:defRPr sz="1400">
+                <a:solidFill>
+                  <a:schemeClr val="tx1"/>
+                </a:solidFill>
+                <a:latin typeface="Segoe UI" pitchFamily="34" charset="0"/>
+                <a:ea typeface="Segoe UI" pitchFamily="34" charset="0"/>
+                <a:cs typeface="Segoe UI" pitchFamily="34" charset="0"/>
+              </a:defRPr>
+            </a:lvl5pPr>
+            <a:lvl6pPr marL="2286000" indent="0" algn="l" rtl="0" eaLnBrk="1" fontAlgn="base" hangingPunct="1">
+              <a:lnSpc>
+                <a:spcPct val="90000"/>
+              </a:lnSpc>
+              <a:spcBef>
+                <a:spcPct val="70000"/>
+              </a:spcBef>
+              <a:spcAft>
+                <a:spcPct val="0"/>
+              </a:spcAft>
+              <a:buClr>
+                <a:srgbClr val="2D4A6D"/>
+              </a:buClr>
+              <a:buSzPct val="90000"/>
+              <a:buNone/>
+              <a:defRPr sz="1400">
+                <a:solidFill>
+                  <a:schemeClr val="tx1"/>
+                </a:solidFill>
+                <a:latin typeface="+mn-lt"/>
+              </a:defRPr>
+            </a:lvl6pPr>
+            <a:lvl7pPr marL="2743200" indent="0" algn="l" rtl="0" eaLnBrk="1" fontAlgn="base" hangingPunct="1">
+              <a:lnSpc>
+                <a:spcPct val="90000"/>
+              </a:lnSpc>
+              <a:spcBef>
+                <a:spcPct val="70000"/>
+              </a:spcBef>
+              <a:spcAft>
+                <a:spcPct val="0"/>
+              </a:spcAft>
+              <a:buClr>
+                <a:srgbClr val="2D4A6D"/>
+              </a:buClr>
+              <a:buSzPct val="90000"/>
+              <a:buNone/>
+              <a:defRPr sz="1400">
+                <a:solidFill>
+                  <a:schemeClr val="tx1"/>
+                </a:solidFill>
+                <a:latin typeface="+mn-lt"/>
+              </a:defRPr>
+            </a:lvl7pPr>
+            <a:lvl8pPr marL="3200400" indent="0" algn="l" rtl="0" eaLnBrk="1" fontAlgn="base" hangingPunct="1">
+              <a:lnSpc>
+                <a:spcPct val="90000"/>
+              </a:lnSpc>
+              <a:spcBef>
+                <a:spcPct val="70000"/>
+              </a:spcBef>
+              <a:spcAft>
+                <a:spcPct val="0"/>
+              </a:spcAft>
+              <a:buClr>
+                <a:srgbClr val="2D4A6D"/>
+              </a:buClr>
+              <a:buSzPct val="90000"/>
+              <a:buNone/>
+              <a:defRPr sz="1400">
+                <a:solidFill>
+                  <a:schemeClr val="tx1"/>
+                </a:solidFill>
+                <a:latin typeface="+mn-lt"/>
+              </a:defRPr>
+            </a:lvl8pPr>
+            <a:lvl9pPr marL="3657600" indent="0" algn="l" rtl="0" eaLnBrk="1" fontAlgn="base" hangingPunct="1">
+              <a:lnSpc>
+                <a:spcPct val="90000"/>
+              </a:lnSpc>
+              <a:spcBef>
+                <a:spcPct val="70000"/>
+              </a:spcBef>
+              <a:spcAft>
+                <a:spcPct val="0"/>
+              </a:spcAft>
+              <a:buClr>
+                <a:srgbClr val="2D4A6D"/>
+              </a:buClr>
+              <a:buSzPct val="90000"/>
+              <a:buNone/>
+              <a:defRPr sz="1400">
+                <a:solidFill>
+                  <a:schemeClr val="tx1"/>
+                </a:solidFill>
+                <a:latin typeface="+mn-lt"/>
+              </a:defRPr>
+            </a:lvl9pPr>
+          </a:lstStyle>
+          <a:p>
+            <a:pPr algn="ctr"/>
+            <a:r>
+              <a:rPr lang="fr-FR" sz="3200" b="1" kern="0" dirty="0">
+                <a:latin typeface="Lucida Console" panose="020B0609040504020204" pitchFamily="49" charset="0"/>
+              </a:rPr>
+              <a:t>Exercices N°3</a:t>
+            </a:r>
+            <a:endParaRPr lang="fr-FR" sz="1100" b="1" kern="0" dirty="0">
+              <a:latin typeface="Lucida Console" panose="020B0609040504020204" pitchFamily="49" charset="0"/>
+            </a:endParaRPr>
+          </a:p>
+        </p:txBody>
+      </p:sp>
+      <p:sp>
+        <p:nvSpPr>
+          <p:cNvPr id="9" name="ZoneTexte 8">
+            <a:extLst>
+              <a:ext uri="{FF2B5EF4-FFF2-40B4-BE49-F238E27FC236}">
+                <a16:creationId xmlns:a16="http://schemas.microsoft.com/office/drawing/2014/main" id="{7DD1B9C4-2379-4C83-A194-DC7267348A93}"/>
+              </a:ext>
+            </a:extLst>
+          </p:cNvPr>
+          <p:cNvSpPr txBox="1"/>
+          <p:nvPr/>
+        </p:nvSpPr>
+        <p:spPr>
+          <a:xfrm>
+            <a:off x="76446" y="1988840"/>
+            <a:ext cx="8991107" cy="1477328"/>
+          </a:xfrm>
+          <a:prstGeom prst="rect">
+            <a:avLst/>
+          </a:prstGeom>
+          <a:noFill/>
+        </p:spPr>
+        <p:txBody>
+          <a:bodyPr wrap="square" rtlCol="0">
+            <a:spAutoFit/>
+          </a:bodyPr>
+          <a:lstStyle/>
+          <a:p>
+            <a:pPr marL="285750" indent="-285750" algn="just">
+              <a:buFont typeface="Arial" panose="020B0604020202020204" pitchFamily="34" charset="0"/>
+              <a:buChar char="•"/>
+            </a:pPr>
+            <a:r>
+              <a:rPr lang="fr-FR" dirty="0"/>
+              <a:t>Création d’un Serveur DHCP sur le contrôleur de domaine. Et création d’une zone DNS pour le nom </a:t>
+            </a:r>
+            <a:r>
+              <a:rPr lang="fr-FR" dirty="0" err="1"/>
+              <a:t>Pwsh.loc</a:t>
+            </a:r>
+            <a:endParaRPr lang="fr-FR" dirty="0"/>
+          </a:p>
+          <a:p>
+            <a:pPr marL="285750" indent="-285750" algn="just">
+              <a:buFont typeface="Arial" panose="020B0604020202020204" pitchFamily="34" charset="0"/>
+              <a:buChar char="•"/>
+            </a:pPr>
+            <a:r>
+              <a:rPr lang="fr-FR" dirty="0"/>
+              <a:t>Test de résolution de nom ( </a:t>
+            </a:r>
+            <a:r>
+              <a:rPr lang="fr-FR" dirty="0">
+                <a:hlinkClick r:id="rId2"/>
+              </a:rPr>
+              <a:t>www.Pwsh.loc</a:t>
+            </a:r>
+            <a:r>
+              <a:rPr lang="fr-FR" dirty="0"/>
+              <a:t> =&gt; 10.0.0.90 IPv4)</a:t>
+            </a:r>
+          </a:p>
+          <a:p>
+            <a:pPr marL="285750" indent="-285750" algn="just">
+              <a:buFont typeface="Arial" panose="020B0604020202020204" pitchFamily="34" charset="0"/>
+              <a:buChar char="•"/>
+            </a:pPr>
+            <a:r>
+              <a:rPr lang="fr-FR" dirty="0"/>
+              <a:t>Créer un enregistrement DNS de type A </a:t>
+            </a:r>
+            <a:r>
+              <a:rPr lang="fr-FR" dirty="0" err="1"/>
+              <a:t>Proget</a:t>
+            </a:r>
+            <a:r>
+              <a:rPr lang="fr-FR" dirty="0"/>
+              <a:t> =&gt; 172.17.5.77 IPv4 </a:t>
+            </a:r>
+          </a:p>
+          <a:p>
+            <a:pPr algn="just"/>
+            <a:endParaRPr lang="fr-FR" dirty="0"/>
+          </a:p>
+        </p:txBody>
+      </p:sp>
+      <p:sp>
+        <p:nvSpPr>
+          <p:cNvPr id="12" name="Titre 1">
+            <a:extLst>
+              <a:ext uri="{FF2B5EF4-FFF2-40B4-BE49-F238E27FC236}">
+                <a16:creationId xmlns:a16="http://schemas.microsoft.com/office/drawing/2014/main" id="{E35B7532-6D0A-4DBE-A135-2E6875FCF1CA}"/>
+              </a:ext>
+            </a:extLst>
+          </p:cNvPr>
+          <p:cNvSpPr>
+            <a:spLocks noGrp="1"/>
+          </p:cNvSpPr>
+          <p:nvPr>
+            <p:ph type="title"/>
+          </p:nvPr>
+        </p:nvSpPr>
+        <p:spPr>
+          <a:xfrm>
+            <a:off x="418144" y="128569"/>
+            <a:ext cx="7773988" cy="740664"/>
+          </a:xfrm>
+        </p:spPr>
+        <p:txBody>
+          <a:bodyPr/>
+          <a:lstStyle/>
+          <a:p>
+            <a:r>
+              <a:rPr lang="fr-FR" sz="2800" dirty="0">
+                <a:latin typeface="Lucida Console" panose="020B0609040504020204" pitchFamily="49" charset="0"/>
+              </a:rPr>
+              <a:t>Atelier N°2 - Exercices</a:t>
+            </a:r>
+          </a:p>
+        </p:txBody>
+      </p:sp>
+    </p:spTree>
+    <p:extLst>
+      <p:ext uri="{BB962C8B-B14F-4D97-AF65-F5344CB8AC3E}">
+        <p14:creationId xmlns:p14="http://schemas.microsoft.com/office/powerpoint/2010/main" val="2223975806"/>
+      </p:ext>
+    </p:extLst>
+  </p:cSld>
+  <p:clrMapOvr>
+    <a:masterClrMapping/>
+  </p:clrMapOvr>
+</p:sld>
+</file>
+
+<file path=ppt/slides/slide22.xml><?xml version="1.0" encoding="utf-8"?>
+<p:sld xmlns:a="http://schemas.openxmlformats.org/drawingml/2006/main" xmlns:r="http://schemas.openxmlformats.org/officeDocument/2006/relationships" xmlns:p="http://schemas.openxmlformats.org/presentationml/2006/main">
+  <p:cSld>
+    <p:spTree>
+      <p:nvGrpSpPr>
+        <p:cNvPr id="1" name=""/>
+        <p:cNvGrpSpPr/>
+        <p:nvPr/>
+      </p:nvGrpSpPr>
+      <p:grpSpPr>
+        <a:xfrm>
+          <a:off x="0" y="0"/>
+          <a:ext cx="0" cy="0"/>
+          <a:chOff x="0" y="0"/>
+          <a:chExt cx="0" cy="0"/>
+        </a:xfrm>
+      </p:grpSpPr>
+      <p:sp>
+        <p:nvSpPr>
           <p:cNvPr id="5" name="Espace réservé du texte 4">
             <a:extLst>
               <a:ext uri="{FF2B5EF4-FFF2-40B4-BE49-F238E27FC236}">
@@ -14722,7 +15139,7 @@
 </p:sld>
 </file>
 
-<file path=ppt/slides/slide22.xml><?xml version="1.0" encoding="utf-8"?>
+<file path=ppt/slides/slide23.xml><?xml version="1.0" encoding="utf-8"?>
 <p:sld xmlns:a="http://schemas.openxmlformats.org/drawingml/2006/main" xmlns:r="http://schemas.openxmlformats.org/officeDocument/2006/relationships" xmlns:p="http://schemas.openxmlformats.org/presentationml/2006/main">
   <p:cSld>
     <p:spTree>
@@ -14845,7 +15262,7 @@
 </p:sld>
 </file>
 
-<file path=ppt/slides/slide23.xml><?xml version="1.0" encoding="utf-8"?>
+<file path=ppt/slides/slide24.xml><?xml version="1.0" encoding="utf-8"?>
 <p:sld xmlns:a="http://schemas.openxmlformats.org/drawingml/2006/main" xmlns:r="http://schemas.openxmlformats.org/officeDocument/2006/relationships" xmlns:p="http://schemas.openxmlformats.org/presentationml/2006/main">
   <p:cSld>
     <p:spTree>
@@ -18873,13 +19290,13 @@
 
 <file path=customXml/item11.xml><?xml version="1.0" encoding="utf-8"?>
 <Control xmlns="http://schemas.microsoft.com/VisualStudio/2011/storyboarding/control">
-  <Id Name="System.Storyboarding.Icons.Folder" Revision="1" Stencil="System.Storyboarding.Icons" StencilVersion="0.1"/>
+  <Id Name="System.Storyboarding.Common.Button" Revision="1" Stencil="System.Storyboarding.Common" StencilVersion="0.1"/>
 </Control>
 </file>
 
 <file path=customXml/item12.xml><?xml version="1.0" encoding="utf-8"?>
 <Control xmlns="http://schemas.microsoft.com/VisualStudio/2011/storyboarding/control">
-  <Id Name="System.Storyboarding.Common.Button" Revision="1" Stencil="System.Storyboarding.Common" StencilVersion="0.1"/>
+  <Id Name="System.Storyboarding.Icons.File" Revision="1" Stencil="System.Storyboarding.Icons" StencilVersion="0.1"/>
 </Control>
 </file>
 
@@ -18897,7 +19314,7 @@
 
 <file path=customXml/item4.xml><?xml version="1.0" encoding="utf-8"?>
 <Control xmlns="http://schemas.microsoft.com/VisualStudio/2011/storyboarding/control">
-  <Id Name="System.Storyboarding.Icons.File" Revision="1" Stencil="System.Storyboarding.Icons" StencilVersion="0.1"/>
+  <Id Name="System.Storyboarding.Common.Button" Revision="1" Stencil="System.Storyboarding.Common" StencilVersion="0.1"/>
 </Control>
 </file>
 
@@ -18915,7 +19332,7 @@
 
 <file path=customXml/item7.xml><?xml version="1.0" encoding="utf-8"?>
 <Control xmlns="http://schemas.microsoft.com/VisualStudio/2011/storyboarding/control">
-  <Id Name="System.Storyboarding.Common.Button" Revision="1" Stencil="System.Storyboarding.Common" StencilVersion="0.1"/>
+  <Id Name="System.Storyboarding.Icons.Folder" Revision="1" Stencil="System.Storyboarding.Icons" StencilVersion="0.1"/>
 </Control>
 </file>
 
@@ -18932,6 +19349,22 @@
 </file>
 
 <file path=customXml/itemProps1.xml><?xml version="1.0" encoding="utf-8"?>
+<ds:datastoreItem xmlns:ds="http://schemas.openxmlformats.org/officeDocument/2006/customXml" ds:itemID="{B53B40A1-188B-43A4-981F-6B03ED12B991}">
+  <ds:schemaRefs>
+    <ds:schemaRef ds:uri="http://schemas.microsoft.com/VisualStudio/2011/storyboarding/control"/>
+  </ds:schemaRefs>
+</ds:datastoreItem>
+</file>
+
+<file path=customXml/itemProps10.xml><?xml version="1.0" encoding="utf-8"?>
+<ds:datastoreItem xmlns:ds="http://schemas.openxmlformats.org/officeDocument/2006/customXml" ds:itemID="{5C25B755-F279-4F61-857A-2D8BBAEF9663}">
+  <ds:schemaRefs>
+    <ds:schemaRef ds:uri="http://schemas.microsoft.com/VisualStudio/2011/storyboarding/control"/>
+  </ds:schemaRefs>
+</ds:datastoreItem>
+</file>
+
+<file path=customXml/itemProps11.xml><?xml version="1.0" encoding="utf-8"?>
 <ds:datastoreItem xmlns:ds="http://schemas.openxmlformats.org/officeDocument/2006/customXml" ds:itemID="{048E7D49-12D0-44A3-A4B3-7754C9DFB936}">
   <ds:schemaRefs>
     <ds:schemaRef ds:uri="http://schemas.microsoft.com/VisualStudio/2011/storyboarding/control"/>
@@ -18939,24 +19372,8 @@
 </ds:datastoreItem>
 </file>
 
-<file path=customXml/itemProps10.xml><?xml version="1.0" encoding="utf-8"?>
-<ds:datastoreItem xmlns:ds="http://schemas.openxmlformats.org/officeDocument/2006/customXml" ds:itemID="{43BCEF88-3334-4395-8246-F295760187E0}">
-  <ds:schemaRefs>
-    <ds:schemaRef ds:uri="http://schemas.microsoft.com/VisualStudio/2011/storyboarding/control"/>
-  </ds:schemaRefs>
-</ds:datastoreItem>
-</file>
-
-<file path=customXml/itemProps11.xml><?xml version="1.0" encoding="utf-8"?>
-<ds:datastoreItem xmlns:ds="http://schemas.openxmlformats.org/officeDocument/2006/customXml" ds:itemID="{191399BD-30E0-43BE-9CE0-A0A2C0384676}">
-  <ds:schemaRefs>
-    <ds:schemaRef ds:uri="http://schemas.microsoft.com/VisualStudio/2011/storyboarding/control"/>
-  </ds:schemaRefs>
-</ds:datastoreItem>
-</file>
-
 <file path=customXml/itemProps12.xml><?xml version="1.0" encoding="utf-8"?>
-<ds:datastoreItem xmlns:ds="http://schemas.openxmlformats.org/officeDocument/2006/customXml" ds:itemID="{5C25B755-F279-4F61-857A-2D8BBAEF9663}">
+<ds:datastoreItem xmlns:ds="http://schemas.openxmlformats.org/officeDocument/2006/customXml" ds:itemID="{B0E13B96-4855-4969-B86E-EF811C4D74DB}">
   <ds:schemaRefs>
     <ds:schemaRef ds:uri="http://schemas.microsoft.com/VisualStudio/2011/storyboarding/control"/>
   </ds:schemaRefs>
@@ -18972,7 +19389,7 @@
 </file>
 
 <file path=customXml/itemProps3.xml><?xml version="1.0" encoding="utf-8"?>
-<ds:datastoreItem xmlns:ds="http://schemas.openxmlformats.org/officeDocument/2006/customXml" ds:itemID="{F7471D8B-D85A-4BDB-8329-A328F53AB1A8}">
+<ds:datastoreItem xmlns:ds="http://schemas.openxmlformats.org/officeDocument/2006/customXml" ds:itemID="{191399BD-30E0-43BE-9CE0-A0A2C0384676}">
   <ds:schemaRefs>
     <ds:schemaRef ds:uri="http://schemas.microsoft.com/VisualStudio/2011/storyboarding/control"/>
   </ds:schemaRefs>
@@ -18980,6 +19397,22 @@
 </file>
 
 <file path=customXml/itemProps4.xml><?xml version="1.0" encoding="utf-8"?>
+<ds:datastoreItem xmlns:ds="http://schemas.openxmlformats.org/officeDocument/2006/customXml" ds:itemID="{9B202378-5050-4277-B652-0150A1A8EDEA}">
+  <ds:schemaRefs>
+    <ds:schemaRef ds:uri="http://schemas.microsoft.com/VisualStudio/2011/storyboarding/control"/>
+  </ds:schemaRefs>
+</ds:datastoreItem>
+</file>
+
+<file path=customXml/itemProps5.xml><?xml version="1.0" encoding="utf-8"?>
+<ds:datastoreItem xmlns:ds="http://schemas.openxmlformats.org/officeDocument/2006/customXml" ds:itemID="{43BCEF88-3334-4395-8246-F295760187E0}">
+  <ds:schemaRefs>
+    <ds:schemaRef ds:uri="http://schemas.microsoft.com/VisualStudio/2011/storyboarding/control"/>
+  </ds:schemaRefs>
+</ds:datastoreItem>
+</file>
+
+<file path=customXml/itemProps6.xml><?xml version="1.0" encoding="utf-8"?>
 <ds:datastoreItem xmlns:ds="http://schemas.openxmlformats.org/officeDocument/2006/customXml" ds:itemID="{30D3EEA6-7777-4417-A0E8-5A168AD10FE7}">
   <ds:schemaRefs>
     <ds:schemaRef ds:uri="http://schemas.microsoft.com/VisualStudio/2011/storyboarding/control"/>
@@ -18987,24 +19420,8 @@
 </ds:datastoreItem>
 </file>
 
-<file path=customXml/itemProps5.xml><?xml version="1.0" encoding="utf-8"?>
-<ds:datastoreItem xmlns:ds="http://schemas.openxmlformats.org/officeDocument/2006/customXml" ds:itemID="{9B202378-5050-4277-B652-0150A1A8EDEA}">
-  <ds:schemaRefs>
-    <ds:schemaRef ds:uri="http://schemas.microsoft.com/VisualStudio/2011/storyboarding/control"/>
-  </ds:schemaRefs>
-</ds:datastoreItem>
-</file>
-
-<file path=customXml/itemProps6.xml><?xml version="1.0" encoding="utf-8"?>
-<ds:datastoreItem xmlns:ds="http://schemas.openxmlformats.org/officeDocument/2006/customXml" ds:itemID="{B0E13B96-4855-4969-B86E-EF811C4D74DB}">
-  <ds:schemaRefs>
-    <ds:schemaRef ds:uri="http://schemas.microsoft.com/VisualStudio/2011/storyboarding/control"/>
-  </ds:schemaRefs>
-</ds:datastoreItem>
-</file>
-
 <file path=customXml/itemProps7.xml><?xml version="1.0" encoding="utf-8"?>
-<ds:datastoreItem xmlns:ds="http://schemas.openxmlformats.org/officeDocument/2006/customXml" ds:itemID="{B53B40A1-188B-43A4-981F-6B03ED12B991}">
+<ds:datastoreItem xmlns:ds="http://schemas.openxmlformats.org/officeDocument/2006/customXml" ds:itemID="{2F1B5ED6-BEC6-4D0A-9D7F-9D8BD15EDECF}">
   <ds:schemaRefs>
     <ds:schemaRef ds:uri="http://schemas.microsoft.com/VisualStudio/2011/storyboarding/control"/>
   </ds:schemaRefs>
@@ -19020,7 +19437,7 @@
 </file>
 
 <file path=customXml/itemProps9.xml><?xml version="1.0" encoding="utf-8"?>
-<ds:datastoreItem xmlns:ds="http://schemas.openxmlformats.org/officeDocument/2006/customXml" ds:itemID="{2F1B5ED6-BEC6-4D0A-9D7F-9D8BD15EDECF}">
+<ds:datastoreItem xmlns:ds="http://schemas.openxmlformats.org/officeDocument/2006/customXml" ds:itemID="{F7471D8B-D85A-4BDB-8329-A328F53AB1A8}">
   <ds:schemaRefs>
     <ds:schemaRef ds:uri="http://schemas.microsoft.com/VisualStudio/2011/storyboarding/control"/>
   </ds:schemaRefs>

--- a/PowerShell/00_Présentation/Formation Académique.pptx
+++ b/PowerShell/00_Présentation/Formation Académique.pptx
@@ -5,61 +5,64 @@
     <p:sldMasterId id="2147483660" r:id="rId13"/>
   </p:sldMasterIdLst>
   <p:notesMasterIdLst>
-    <p:notesMasterId r:id="rId38"/>
+    <p:notesMasterId r:id="rId41"/>
   </p:notesMasterIdLst>
   <p:sldIdLst>
     <p:sldId id="256" r:id="rId14"/>
-    <p:sldId id="257" r:id="rId15"/>
-    <p:sldId id="258" r:id="rId16"/>
-    <p:sldId id="259" r:id="rId17"/>
-    <p:sldId id="260" r:id="rId18"/>
-    <p:sldId id="261" r:id="rId19"/>
-    <p:sldId id="262" r:id="rId20"/>
-    <p:sldId id="263" r:id="rId21"/>
-    <p:sldId id="264" r:id="rId22"/>
-    <p:sldId id="265" r:id="rId23"/>
-    <p:sldId id="271" r:id="rId24"/>
-    <p:sldId id="272" r:id="rId25"/>
-    <p:sldId id="266" r:id="rId26"/>
-    <p:sldId id="267" r:id="rId27"/>
-    <p:sldId id="268" r:id="rId28"/>
-    <p:sldId id="270" r:id="rId29"/>
-    <p:sldId id="273" r:id="rId30"/>
-    <p:sldId id="275" r:id="rId31"/>
-    <p:sldId id="269" r:id="rId32"/>
-    <p:sldId id="274" r:id="rId33"/>
-    <p:sldId id="344" r:id="rId34"/>
-    <p:sldId id="276" r:id="rId35"/>
-    <p:sldId id="342" r:id="rId36"/>
-    <p:sldId id="343" r:id="rId37"/>
+    <p:sldId id="347" r:id="rId15"/>
+    <p:sldId id="257" r:id="rId16"/>
+    <p:sldId id="258" r:id="rId17"/>
+    <p:sldId id="259" r:id="rId18"/>
+    <p:sldId id="260" r:id="rId19"/>
+    <p:sldId id="261" r:id="rId20"/>
+    <p:sldId id="262" r:id="rId21"/>
+    <p:sldId id="263" r:id="rId22"/>
+    <p:sldId id="264" r:id="rId23"/>
+    <p:sldId id="265" r:id="rId24"/>
+    <p:sldId id="271" r:id="rId25"/>
+    <p:sldId id="272" r:id="rId26"/>
+    <p:sldId id="266" r:id="rId27"/>
+    <p:sldId id="267" r:id="rId28"/>
+    <p:sldId id="268" r:id="rId29"/>
+    <p:sldId id="270" r:id="rId30"/>
+    <p:sldId id="273" r:id="rId31"/>
+    <p:sldId id="275" r:id="rId32"/>
+    <p:sldId id="269" r:id="rId33"/>
+    <p:sldId id="274" r:id="rId34"/>
+    <p:sldId id="344" r:id="rId35"/>
+    <p:sldId id="276" r:id="rId36"/>
+    <p:sldId id="345" r:id="rId37"/>
+    <p:sldId id="342" r:id="rId38"/>
+    <p:sldId id="343" r:id="rId39"/>
+    <p:sldId id="346" r:id="rId40"/>
   </p:sldIdLst>
   <p:sldSz cx="9144000" cy="6858000" type="screen4x3"/>
   <p:notesSz cx="6858000" cy="9144000"/>
   <p:embeddedFontLst>
     <p:embeddedFont>
       <p:font typeface="Calibri" panose="020F0502020204030204" pitchFamily="34" charset="0"/>
-      <p:regular r:id="rId39"/>
-      <p:bold r:id="rId40"/>
-      <p:italic r:id="rId41"/>
-      <p:boldItalic r:id="rId42"/>
+      <p:regular r:id="rId42"/>
+      <p:bold r:id="rId43"/>
+      <p:italic r:id="rId44"/>
+      <p:boldItalic r:id="rId45"/>
     </p:embeddedFont>
     <p:embeddedFont>
       <p:font typeface="Lucida Console" panose="020B0609040504020204" pitchFamily="49" charset="0"/>
-      <p:regular r:id="rId43"/>
+      <p:regular r:id="rId46"/>
     </p:embeddedFont>
     <p:embeddedFont>
       <p:font typeface="Segoe UI" panose="020B0502040204020203" pitchFamily="34" charset="0"/>
-      <p:regular r:id="rId44"/>
-      <p:bold r:id="rId45"/>
-      <p:italic r:id="rId46"/>
-      <p:boldItalic r:id="rId47"/>
+      <p:regular r:id="rId47"/>
+      <p:bold r:id="rId48"/>
+      <p:italic r:id="rId49"/>
+      <p:boldItalic r:id="rId50"/>
     </p:embeddedFont>
     <p:embeddedFont>
       <p:font typeface="Verdana" panose="020B0604030504040204" pitchFamily="34" charset="0"/>
-      <p:regular r:id="rId48"/>
-      <p:bold r:id="rId49"/>
-      <p:italic r:id="rId50"/>
-      <p:boldItalic r:id="rId51"/>
+      <p:regular r:id="rId51"/>
+      <p:bold r:id="rId52"/>
+      <p:italic r:id="rId53"/>
+      <p:boldItalic r:id="rId54"/>
     </p:embeddedFont>
   </p:embeddedFontLst>
   <p:defaultTextStyle>
@@ -4309,7 +4312,7 @@
           <a:p>
             <a:fld id="{AACBC3A0-0632-4C67-914A-A65C15CF980E}" type="datetimeFigureOut">
               <a:rPr lang="en-US" smtClean="0"/>
-              <a:t>6/19/2018</a:t>
+              <a:t>6/20/2018</a:t>
             </a:fld>
             <a:endParaRPr lang="en-US" dirty="0"/>
           </a:p>
@@ -5283,7 +5286,7 @@
           <a:p>
             <a:fld id="{EDEFBC84-516A-4D77-B234-B91A7B23F7BA}" type="slidenum">
               <a:rPr lang="en-US" smtClean="0"/>
-              <a:t>4</a:t>
+              <a:t>5</a:t>
             </a:fld>
             <a:endParaRPr lang="en-US" dirty="0"/>
           </a:p>
@@ -5595,7 +5598,7 @@
           <a:p>
             <a:fld id="{EDEFBC84-516A-4D77-B234-B91A7B23F7BA}" type="slidenum">
               <a:rPr lang="en-US" smtClean="0"/>
-              <a:t>5</a:t>
+              <a:t>6</a:t>
             </a:fld>
             <a:endParaRPr lang="en-US" dirty="0"/>
           </a:p>
@@ -5685,7 +5688,7 @@
           <a:p>
             <a:fld id="{EDEFBC84-516A-4D77-B234-B91A7B23F7BA}" type="slidenum">
               <a:rPr lang="en-US" smtClean="0"/>
-              <a:t>6</a:t>
+              <a:t>7</a:t>
             </a:fld>
             <a:endParaRPr lang="en-US" dirty="0"/>
           </a:p>
@@ -5775,7 +5778,7 @@
           <a:p>
             <a:fld id="{EDEFBC84-516A-4D77-B234-B91A7B23F7BA}" type="slidenum">
               <a:rPr lang="en-US" smtClean="0"/>
-              <a:t>7</a:t>
+              <a:t>8</a:t>
             </a:fld>
             <a:endParaRPr lang="en-US" dirty="0"/>
           </a:p>
@@ -5865,7 +5868,7 @@
           <a:p>
             <a:fld id="{EDEFBC84-516A-4D77-B234-B91A7B23F7BA}" type="slidenum">
               <a:rPr lang="en-US" smtClean="0"/>
-              <a:t>8</a:t>
+              <a:t>9</a:t>
             </a:fld>
             <a:endParaRPr lang="en-US" dirty="0"/>
           </a:p>
@@ -5955,7 +5958,7 @@
           <a:p>
             <a:fld id="{EDEFBC84-516A-4D77-B234-B91A7B23F7BA}" type="slidenum">
               <a:rPr lang="en-US" smtClean="0"/>
-              <a:t>9</a:t>
+              <a:t>10</a:t>
             </a:fld>
             <a:endParaRPr lang="en-US" dirty="0"/>
           </a:p>
@@ -8778,6 +8781,400 @@
           <p:cNvPr id="2" name="Titre 1">
             <a:extLst>
               <a:ext uri="{FF2B5EF4-FFF2-40B4-BE49-F238E27FC236}">
+                <a16:creationId xmlns:a16="http://schemas.microsoft.com/office/drawing/2014/main" id="{D8100903-D6B3-47F4-BE33-25071FB991FA}"/>
+              </a:ext>
+            </a:extLst>
+          </p:cNvPr>
+          <p:cNvSpPr>
+            <a:spLocks noGrp="1"/>
+          </p:cNvSpPr>
+          <p:nvPr>
+            <p:ph type="title"/>
+          </p:nvPr>
+        </p:nvSpPr>
+        <p:spPr/>
+        <p:txBody>
+          <a:bodyPr/>
+          <a:lstStyle/>
+          <a:p>
+            <a:r>
+              <a:rPr lang="fr-FR" dirty="0"/>
+              <a:t>Introduction</a:t>
+            </a:r>
+          </a:p>
+        </p:txBody>
+      </p:sp>
+      <p:pic>
+        <p:nvPicPr>
+          <p:cNvPr id="8" name="Image 7">
+            <a:extLst>
+              <a:ext uri="{FF2B5EF4-FFF2-40B4-BE49-F238E27FC236}">
+                <a16:creationId xmlns:a16="http://schemas.microsoft.com/office/drawing/2014/main" id="{BCFFB347-9888-44E3-8A09-6EEF5DBF3A41}"/>
+              </a:ext>
+            </a:extLst>
+          </p:cNvPr>
+          <p:cNvPicPr>
+            <a:picLocks noChangeAspect="1"/>
+          </p:cNvPicPr>
+          <p:nvPr/>
+        </p:nvPicPr>
+        <p:blipFill>
+          <a:blip r:embed="rId3">
+            <a:clrChange>
+              <a:clrFrom>
+                <a:srgbClr val="FFFFFF"/>
+              </a:clrFrom>
+              <a:clrTo>
+                <a:srgbClr val="FFFFFF">
+                  <a:alpha val="0"/>
+                </a:srgbClr>
+              </a:clrTo>
+            </a:clrChange>
+            <a:extLst>
+              <a:ext uri="{28A0092B-C50C-407E-A947-70E740481C1C}">
+                <a14:useLocalDpi xmlns:a14="http://schemas.microsoft.com/office/drawing/2010/main" val="0"/>
+              </a:ext>
+            </a:extLst>
+          </a:blip>
+          <a:stretch>
+            <a:fillRect/>
+          </a:stretch>
+        </p:blipFill>
+        <p:spPr>
+          <a:xfrm>
+            <a:off x="7000875" y="4402204"/>
+            <a:ext cx="2143125" cy="2143125"/>
+          </a:xfrm>
+          <a:prstGeom prst="rect">
+            <a:avLst/>
+          </a:prstGeom>
+        </p:spPr>
+      </p:pic>
+      <p:sp>
+        <p:nvSpPr>
+          <p:cNvPr id="10" name="Rectangle 9">
+            <a:extLst>
+              <a:ext uri="{FF2B5EF4-FFF2-40B4-BE49-F238E27FC236}">
+                <a16:creationId xmlns:a16="http://schemas.microsoft.com/office/drawing/2014/main" id="{64C0DDB2-FCCF-4C23-B450-4B1FC4688375}"/>
+              </a:ext>
+            </a:extLst>
+          </p:cNvPr>
+          <p:cNvSpPr/>
+          <p:nvPr/>
+        </p:nvSpPr>
+        <p:spPr>
+          <a:xfrm>
+            <a:off x="444959" y="980728"/>
+            <a:ext cx="6983288" cy="5324535"/>
+          </a:xfrm>
+          <a:prstGeom prst="rect">
+            <a:avLst/>
+          </a:prstGeom>
+        </p:spPr>
+        <p:txBody>
+          <a:bodyPr wrap="square">
+            <a:spAutoFit/>
+          </a:bodyPr>
+          <a:lstStyle/>
+          <a:p>
+            <a:pPr algn="just"/>
+            <a:r>
+              <a:rPr lang="fr-FR" sz="1700" b="1" dirty="0">
+                <a:latin typeface="Verdana" panose="020B0604030504040204" pitchFamily="34" charset="0"/>
+              </a:rPr>
+              <a:t>Visual Studio Code</a:t>
+            </a:r>
+            <a:r>
+              <a:rPr lang="fr-FR" sz="1700" dirty="0">
+                <a:latin typeface="Verdana" panose="020B0604030504040204" pitchFamily="34" charset="0"/>
+              </a:rPr>
+              <a:t>, développé par Microsoft, est l’éditeur qui a le vent en poupe en ce moment dans la communauté des scripteurs et développeurs de tous horizons. En effet, celui-ci, en plus d’être gratuit et d’être multiplateforme (excusez du peu), a la particularité de supporter non seulement PowerShell, mais aussi de très nombreux autres langages. On peut compter parmi eux : </a:t>
+            </a:r>
+            <a:r>
+              <a:rPr lang="fr-FR" sz="1700" b="1" dirty="0">
+                <a:latin typeface="Verdana" panose="020B0604030504040204" pitchFamily="34" charset="0"/>
+              </a:rPr>
+              <a:t>C++</a:t>
+            </a:r>
+            <a:r>
+              <a:rPr lang="fr-FR" sz="1700" dirty="0">
+                <a:latin typeface="Verdana" panose="020B0604030504040204" pitchFamily="34" charset="0"/>
+              </a:rPr>
+              <a:t>, </a:t>
+            </a:r>
+            <a:r>
+              <a:rPr lang="fr-FR" sz="1700" b="1" dirty="0">
+                <a:latin typeface="Verdana" panose="020B0604030504040204" pitchFamily="34" charset="0"/>
+              </a:rPr>
+              <a:t>C#</a:t>
+            </a:r>
+            <a:r>
+              <a:rPr lang="fr-FR" sz="1700" dirty="0">
+                <a:latin typeface="Verdana" panose="020B0604030504040204" pitchFamily="34" charset="0"/>
+              </a:rPr>
+              <a:t>, </a:t>
+            </a:r>
+            <a:r>
+              <a:rPr lang="fr-FR" sz="1700" b="1" dirty="0">
+                <a:latin typeface="Verdana" panose="020B0604030504040204" pitchFamily="34" charset="0"/>
+              </a:rPr>
+              <a:t>CSS</a:t>
+            </a:r>
+            <a:r>
+              <a:rPr lang="fr-FR" sz="1700" dirty="0">
+                <a:latin typeface="Verdana" panose="020B0604030504040204" pitchFamily="34" charset="0"/>
+              </a:rPr>
+              <a:t>, </a:t>
+            </a:r>
+            <a:r>
+              <a:rPr lang="fr-FR" sz="1700" b="1" dirty="0" err="1">
+                <a:latin typeface="Verdana" panose="020B0604030504040204" pitchFamily="34" charset="0"/>
+              </a:rPr>
+              <a:t>DockerFile</a:t>
+            </a:r>
+            <a:r>
+              <a:rPr lang="fr-FR" sz="1700" dirty="0">
+                <a:latin typeface="Verdana" panose="020B0604030504040204" pitchFamily="34" charset="0"/>
+              </a:rPr>
+              <a:t>, </a:t>
+            </a:r>
+            <a:r>
+              <a:rPr lang="fr-FR" sz="1700" b="1" dirty="0">
+                <a:latin typeface="Verdana" panose="020B0604030504040204" pitchFamily="34" charset="0"/>
+              </a:rPr>
+              <a:t>Go</a:t>
+            </a:r>
+            <a:r>
+              <a:rPr lang="fr-FR" sz="1700" dirty="0">
+                <a:latin typeface="Verdana" panose="020B0604030504040204" pitchFamily="34" charset="0"/>
+              </a:rPr>
+              <a:t>, </a:t>
+            </a:r>
+            <a:r>
+              <a:rPr lang="fr-FR" sz="1700" b="1" dirty="0">
+                <a:latin typeface="Verdana" panose="020B0604030504040204" pitchFamily="34" charset="0"/>
+              </a:rPr>
+              <a:t>HTML</a:t>
+            </a:r>
+            <a:r>
+              <a:rPr lang="fr-FR" sz="1700" dirty="0">
+                <a:latin typeface="Verdana" panose="020B0604030504040204" pitchFamily="34" charset="0"/>
+              </a:rPr>
+              <a:t>, </a:t>
+            </a:r>
+            <a:r>
+              <a:rPr lang="fr-FR" sz="1700" b="1" dirty="0">
+                <a:latin typeface="Verdana" panose="020B0604030504040204" pitchFamily="34" charset="0"/>
+              </a:rPr>
+              <a:t>Java</a:t>
+            </a:r>
+            <a:r>
+              <a:rPr lang="fr-FR" sz="1700" dirty="0">
+                <a:latin typeface="Verdana" panose="020B0604030504040204" pitchFamily="34" charset="0"/>
+              </a:rPr>
+              <a:t>, </a:t>
+            </a:r>
+            <a:r>
+              <a:rPr lang="fr-FR" sz="1700" b="1" dirty="0">
+                <a:latin typeface="Verdana" panose="020B0604030504040204" pitchFamily="34" charset="0"/>
+              </a:rPr>
+              <a:t>JavaScript</a:t>
+            </a:r>
+            <a:r>
+              <a:rPr lang="fr-FR" sz="1700" dirty="0">
+                <a:latin typeface="Verdana" panose="020B0604030504040204" pitchFamily="34" charset="0"/>
+              </a:rPr>
+              <a:t>, </a:t>
+            </a:r>
+            <a:r>
+              <a:rPr lang="fr-FR" sz="1700" b="1" dirty="0">
+                <a:latin typeface="Verdana" panose="020B0604030504040204" pitchFamily="34" charset="0"/>
+              </a:rPr>
+              <a:t>JSON</a:t>
+            </a:r>
+            <a:r>
+              <a:rPr lang="fr-FR" sz="1700" dirty="0">
+                <a:latin typeface="Verdana" panose="020B0604030504040204" pitchFamily="34" charset="0"/>
+              </a:rPr>
+              <a:t>, </a:t>
+            </a:r>
+            <a:r>
+              <a:rPr lang="fr-FR" sz="1700" b="1" dirty="0" err="1">
+                <a:latin typeface="Verdana" panose="020B0604030504040204" pitchFamily="34" charset="0"/>
+              </a:rPr>
+              <a:t>Less</a:t>
+            </a:r>
+            <a:r>
+              <a:rPr lang="fr-FR" sz="1700" dirty="0">
+                <a:latin typeface="Verdana" panose="020B0604030504040204" pitchFamily="34" charset="0"/>
+              </a:rPr>
+              <a:t>, </a:t>
+            </a:r>
+            <a:r>
+              <a:rPr lang="fr-FR" sz="1700" b="1" dirty="0" err="1">
+                <a:latin typeface="Verdana" panose="020B0604030504040204" pitchFamily="34" charset="0"/>
+              </a:rPr>
+              <a:t>Markdown</a:t>
+            </a:r>
+            <a:r>
+              <a:rPr lang="fr-FR" sz="1700" dirty="0">
+                <a:latin typeface="Verdana" panose="020B0604030504040204" pitchFamily="34" charset="0"/>
+              </a:rPr>
+              <a:t>, </a:t>
+            </a:r>
+            <a:r>
+              <a:rPr lang="fr-FR" sz="1700" b="1" dirty="0">
+                <a:latin typeface="Verdana" panose="020B0604030504040204" pitchFamily="34" charset="0"/>
+              </a:rPr>
+              <a:t>PHP</a:t>
+            </a:r>
+            <a:r>
+              <a:rPr lang="fr-FR" sz="1700" dirty="0">
+                <a:latin typeface="Verdana" panose="020B0604030504040204" pitchFamily="34" charset="0"/>
+              </a:rPr>
+              <a:t>, </a:t>
+            </a:r>
+            <a:r>
+              <a:rPr lang="fr-FR" sz="1700" b="1" dirty="0">
+                <a:latin typeface="Verdana" panose="020B0604030504040204" pitchFamily="34" charset="0"/>
+              </a:rPr>
+              <a:t>Python</a:t>
+            </a:r>
+            <a:r>
+              <a:rPr lang="fr-FR" sz="1700" dirty="0">
+                <a:latin typeface="Verdana" panose="020B0604030504040204" pitchFamily="34" charset="0"/>
+              </a:rPr>
+              <a:t>, </a:t>
+            </a:r>
+            <a:r>
+              <a:rPr lang="fr-FR" sz="1700" b="1" dirty="0" err="1">
+                <a:latin typeface="Verdana" panose="020B0604030504040204" pitchFamily="34" charset="0"/>
+              </a:rPr>
+              <a:t>Sass</a:t>
+            </a:r>
+            <a:r>
+              <a:rPr lang="fr-FR" sz="1700" dirty="0">
+                <a:latin typeface="Verdana" panose="020B0604030504040204" pitchFamily="34" charset="0"/>
+              </a:rPr>
+              <a:t>, </a:t>
+            </a:r>
+            <a:r>
+              <a:rPr lang="fr-FR" sz="1700" b="1" dirty="0">
+                <a:latin typeface="Verdana" panose="020B0604030504040204" pitchFamily="34" charset="0"/>
+              </a:rPr>
+              <a:t>T-SQL</a:t>
+            </a:r>
+            <a:r>
+              <a:rPr lang="fr-FR" sz="1700" dirty="0">
+                <a:latin typeface="Verdana" panose="020B0604030504040204" pitchFamily="34" charset="0"/>
+              </a:rPr>
+              <a:t>, </a:t>
+            </a:r>
+            <a:r>
+              <a:rPr lang="fr-FR" sz="1700" b="1" dirty="0" err="1">
+                <a:latin typeface="Verdana" panose="020B0604030504040204" pitchFamily="34" charset="0"/>
+              </a:rPr>
+              <a:t>TypeScript</a:t>
+            </a:r>
+            <a:r>
+              <a:rPr lang="fr-FR" sz="1700" dirty="0">
+                <a:latin typeface="Verdana" panose="020B0604030504040204" pitchFamily="34" charset="0"/>
+              </a:rPr>
+              <a:t>, etc.</a:t>
+            </a:r>
+          </a:p>
+          <a:p>
+            <a:r>
+              <a:rPr lang="fr-FR" sz="1700" dirty="0">
+                <a:latin typeface="Verdana" panose="020B0604030504040204" pitchFamily="34" charset="0"/>
+              </a:rPr>
+              <a:t>De plus, sa forte intégration avec le gestionnaire de codes sources </a:t>
+            </a:r>
+            <a:r>
+              <a:rPr lang="fr-FR" sz="1700" b="1" dirty="0">
+                <a:latin typeface="Verdana" panose="020B0604030504040204" pitchFamily="34" charset="0"/>
+              </a:rPr>
+              <a:t>Git </a:t>
+            </a:r>
+            <a:r>
+              <a:rPr lang="fr-FR" sz="1700" dirty="0">
+                <a:latin typeface="Verdana" panose="020B0604030504040204" pitchFamily="34" charset="0"/>
+              </a:rPr>
+              <a:t>fait de lui un incontournable. Il est loin d’être aussi puissant qu’un </a:t>
+            </a:r>
+            <a:r>
+              <a:rPr lang="fr-FR" sz="1700" b="1" dirty="0">
+                <a:latin typeface="Verdana" panose="020B0604030504040204" pitchFamily="34" charset="0"/>
+              </a:rPr>
+              <a:t>Visual Studio </a:t>
+            </a:r>
+            <a:r>
+              <a:rPr lang="fr-FR" sz="1700" dirty="0">
+                <a:latin typeface="Verdana" panose="020B0604030504040204" pitchFamily="34" charset="0"/>
+              </a:rPr>
+              <a:t>classique, mais pour des besoins modestes, il suffit amplement. En tout cas, pour nous, scripteurs PowerShell, il sera parfait. Et ce, d’autant plus qu’il reprend l’ensemble des fonctionnalités de</a:t>
+            </a:r>
+          </a:p>
+          <a:p>
+            <a:r>
+              <a:rPr lang="fr-FR" sz="1700" b="1" dirty="0">
+                <a:latin typeface="Verdana" panose="020B0604030504040204" pitchFamily="34" charset="0"/>
+              </a:rPr>
+              <a:t>PowerShell ISE</a:t>
+            </a:r>
+            <a:r>
+              <a:rPr lang="fr-FR" sz="1700" dirty="0">
+                <a:latin typeface="Verdana" panose="020B0604030504040204" pitchFamily="34" charset="0"/>
+              </a:rPr>
+              <a:t>. Nous ne pouvons donc que vous encourager à utiliser Visual Studio Code au profit d’ISE. Surtout</a:t>
+            </a:r>
+          </a:p>
+          <a:p>
+            <a:r>
+              <a:rPr lang="fr-FR" sz="1700" dirty="0">
+                <a:latin typeface="Verdana" panose="020B0604030504040204" pitchFamily="34" charset="0"/>
+              </a:rPr>
+              <a:t>que, comme nous vous le disions lors de la présentation d’ISE, celui-ci n’évoluera plus.</a:t>
+            </a:r>
+            <a:endParaRPr lang="fr-FR" sz="1700" dirty="0"/>
+          </a:p>
+        </p:txBody>
+      </p:sp>
+    </p:spTree>
+    <p:extLst>
+      <p:ext uri="{BB962C8B-B14F-4D97-AF65-F5344CB8AC3E}">
+        <p14:creationId xmlns:p14="http://schemas.microsoft.com/office/powerpoint/2010/main" val="1140467304"/>
+      </p:ext>
+    </p:extLst>
+  </p:cSld>
+  <p:clrMapOvr>
+    <a:masterClrMapping/>
+  </p:clrMapOvr>
+</p:sld>
+</file>
+
+<file path=ppt/slides/slide11.xml><?xml version="1.0" encoding="utf-8"?>
+<p:sld xmlns:a="http://schemas.openxmlformats.org/drawingml/2006/main" xmlns:r="http://schemas.openxmlformats.org/officeDocument/2006/relationships" xmlns:p="http://schemas.openxmlformats.org/presentationml/2006/main">
+  <p:cSld>
+    <p:spTree>
+      <p:nvGrpSpPr>
+        <p:cNvPr id="1" name=""/>
+        <p:cNvGrpSpPr/>
+        <p:nvPr/>
+      </p:nvGrpSpPr>
+      <p:grpSpPr>
+        <a:xfrm>
+          <a:off x="0" y="0"/>
+          <a:ext cx="0" cy="0"/>
+          <a:chOff x="0" y="0"/>
+          <a:chExt cx="0" cy="0"/>
+        </a:xfrm>
+      </p:grpSpPr>
+      <p:sp>
+        <p:nvSpPr>
+          <p:cNvPr id="2" name="Titre 1">
+            <a:extLst>
+              <a:ext uri="{FF2B5EF4-FFF2-40B4-BE49-F238E27FC236}">
                 <a16:creationId xmlns:a16="http://schemas.microsoft.com/office/drawing/2014/main" id="{8C2919E7-E6AA-49EF-A4F2-AFA9D6FAB03E}"/>
               </a:ext>
             </a:extLst>
@@ -8844,7 +9241,7 @@
 </p:sld>
 </file>
 
-<file path=ppt/slides/slide11.xml><?xml version="1.0" encoding="utf-8"?>
+<file path=ppt/slides/slide12.xml><?xml version="1.0" encoding="utf-8"?>
 <p:sld xmlns:a="http://schemas.openxmlformats.org/drawingml/2006/main" xmlns:r="http://schemas.openxmlformats.org/officeDocument/2006/relationships" xmlns:p="http://schemas.openxmlformats.org/presentationml/2006/main">
   <p:cSld>
     <p:spTree>
@@ -8959,7 +9356,7 @@
 </p:sld>
 </file>
 
-<file path=ppt/slides/slide12.xml><?xml version="1.0" encoding="utf-8"?>
+<file path=ppt/slides/slide13.xml><?xml version="1.0" encoding="utf-8"?>
 <p:sld xmlns:a="http://schemas.openxmlformats.org/drawingml/2006/main" xmlns:r="http://schemas.openxmlformats.org/officeDocument/2006/relationships" xmlns:p="http://schemas.openxmlformats.org/presentationml/2006/main">
   <p:cSld>
     <p:spTree>
@@ -11232,7 +11629,7 @@
 </p:sld>
 </file>
 
-<file path=ppt/slides/slide13.xml><?xml version="1.0" encoding="utf-8"?>
+<file path=ppt/slides/slide14.xml><?xml version="1.0" encoding="utf-8"?>
 <p:sld xmlns:a="http://schemas.openxmlformats.org/drawingml/2006/main" xmlns:r="http://schemas.openxmlformats.org/officeDocument/2006/relationships" xmlns:p="http://schemas.openxmlformats.org/presentationml/2006/main">
   <p:cSld>
     <p:spTree>
@@ -11301,7 +11698,7 @@
 </p:sld>
 </file>
 
-<file path=ppt/slides/slide14.xml><?xml version="1.0" encoding="utf-8"?>
+<file path=ppt/slides/slide15.xml><?xml version="1.0" encoding="utf-8"?>
 <p:sld xmlns:a="http://schemas.openxmlformats.org/drawingml/2006/main" xmlns:r="http://schemas.openxmlformats.org/officeDocument/2006/relationships" xmlns:p="http://schemas.openxmlformats.org/presentationml/2006/main">
   <p:cSld>
     <p:spTree>
@@ -11934,7 +12331,7 @@
 </p:sld>
 </file>
 
-<file path=ppt/slides/slide15.xml><?xml version="1.0" encoding="utf-8"?>
+<file path=ppt/slides/slide16.xml><?xml version="1.0" encoding="utf-8"?>
 <p:sld xmlns:a="http://schemas.openxmlformats.org/drawingml/2006/main" xmlns:r="http://schemas.openxmlformats.org/officeDocument/2006/relationships" xmlns:p="http://schemas.openxmlformats.org/presentationml/2006/main">
   <p:cSld>
     <p:spTree>
@@ -12135,297 +12532,6 @@
     <p:extLst>
       <p:ext uri="{BB962C8B-B14F-4D97-AF65-F5344CB8AC3E}">
         <p14:creationId xmlns:p14="http://schemas.microsoft.com/office/powerpoint/2010/main" val="3471618932"/>
-      </p:ext>
-    </p:extLst>
-  </p:cSld>
-  <p:clrMapOvr>
-    <a:masterClrMapping/>
-  </p:clrMapOvr>
-</p:sld>
-</file>
-
-<file path=ppt/slides/slide16.xml><?xml version="1.0" encoding="utf-8"?>
-<p:sld xmlns:a="http://schemas.openxmlformats.org/drawingml/2006/main" xmlns:r="http://schemas.openxmlformats.org/officeDocument/2006/relationships" xmlns:p="http://schemas.openxmlformats.org/presentationml/2006/main">
-  <p:cSld>
-    <p:spTree>
-      <p:nvGrpSpPr>
-        <p:cNvPr id="1" name=""/>
-        <p:cNvGrpSpPr/>
-        <p:nvPr/>
-      </p:nvGrpSpPr>
-      <p:grpSpPr>
-        <a:xfrm>
-          <a:off x="0" y="0"/>
-          <a:ext cx="0" cy="0"/>
-          <a:chOff x="0" y="0"/>
-          <a:chExt cx="0" cy="0"/>
-        </a:xfrm>
-      </p:grpSpPr>
-      <p:sp>
-        <p:nvSpPr>
-          <p:cNvPr id="5" name="Espace réservé du texte 4">
-            <a:extLst>
-              <a:ext uri="{FF2B5EF4-FFF2-40B4-BE49-F238E27FC236}">
-                <a16:creationId xmlns:a16="http://schemas.microsoft.com/office/drawing/2014/main" id="{B04B57D7-6C5B-437B-950E-CAB0AFD2EF72}"/>
-              </a:ext>
-            </a:extLst>
-          </p:cNvPr>
-          <p:cNvSpPr>
-            <a:spLocks noGrp="1"/>
-          </p:cNvSpPr>
-          <p:nvPr>
-            <p:ph type="body" idx="1"/>
-          </p:nvPr>
-        </p:nvSpPr>
-        <p:spPr>
-          <a:xfrm>
-            <a:off x="685800" y="1628800"/>
-            <a:ext cx="7772400" cy="894109"/>
-          </a:xfrm>
-        </p:spPr>
-        <p:txBody>
-          <a:bodyPr/>
-          <a:lstStyle/>
-          <a:p>
-            <a:pPr algn="ctr"/>
-            <a:r>
-              <a:rPr lang="fr-FR" sz="5400" b="1" dirty="0">
-                <a:solidFill>
-                  <a:srgbClr val="FF9900"/>
-                </a:solidFill>
-                <a:latin typeface="Lucida Console" panose="020B0609040504020204" pitchFamily="49" charset="0"/>
-              </a:rPr>
-              <a:t>Atelier N°1</a:t>
-            </a:r>
-          </a:p>
-          <a:p>
-            <a:pPr algn="ctr"/>
-            <a:r>
-              <a:rPr lang="fr-FR" sz="4000" b="1" dirty="0">
-                <a:solidFill>
-                  <a:srgbClr val="FF9900"/>
-                </a:solidFill>
-                <a:latin typeface="Lucida Console" panose="020B0609040504020204" pitchFamily="49" charset="0"/>
-              </a:rPr>
-              <a:t>Configuration de Base </a:t>
-            </a:r>
-            <a:endParaRPr lang="fr-FR" sz="1400" b="1" dirty="0">
-              <a:solidFill>
-                <a:srgbClr val="FF9900"/>
-              </a:solidFill>
-              <a:latin typeface="Lucida Console" panose="020B0609040504020204" pitchFamily="49" charset="0"/>
-            </a:endParaRPr>
-          </a:p>
-        </p:txBody>
-      </p:sp>
-      <p:sp>
-        <p:nvSpPr>
-          <p:cNvPr id="3" name="ZoneTexte 2">
-            <a:extLst>
-              <a:ext uri="{FF2B5EF4-FFF2-40B4-BE49-F238E27FC236}">
-                <a16:creationId xmlns:a16="http://schemas.microsoft.com/office/drawing/2014/main" id="{55C9CF1A-AB3C-4651-8BA7-1F62786411A2}"/>
-              </a:ext>
-            </a:extLst>
-          </p:cNvPr>
-          <p:cNvSpPr txBox="1"/>
-          <p:nvPr/>
-        </p:nvSpPr>
-        <p:spPr>
-          <a:xfrm>
-            <a:off x="1115616" y="2780928"/>
-            <a:ext cx="5971507" cy="3693319"/>
-          </a:xfrm>
-          <a:prstGeom prst="rect">
-            <a:avLst/>
-          </a:prstGeom>
-          <a:noFill/>
-        </p:spPr>
-        <p:txBody>
-          <a:bodyPr wrap="none" rtlCol="0">
-            <a:spAutoFit/>
-          </a:bodyPr>
-          <a:lstStyle/>
-          <a:p>
-            <a:pPr marL="285750" indent="-285750">
-              <a:buFont typeface="Arial" panose="020B0604020202020204" pitchFamily="34" charset="0"/>
-              <a:buChar char="•"/>
-            </a:pPr>
-            <a:r>
-              <a:rPr lang="fr-FR" dirty="0"/>
-              <a:t>Configuration des </a:t>
-            </a:r>
-            <a:r>
-              <a:rPr lang="fr-FR" dirty="0" err="1"/>
-              <a:t>VMs</a:t>
-            </a:r>
-            <a:r>
-              <a:rPr lang="fr-FR" dirty="0"/>
-              <a:t> :</a:t>
-            </a:r>
-          </a:p>
-          <a:p>
-            <a:pPr marL="1257300" lvl="2" indent="-342900">
-              <a:buFont typeface="+mj-lt"/>
-              <a:buAutoNum type="arabicPeriod"/>
-            </a:pPr>
-            <a:r>
-              <a:rPr lang="fr-FR" b="1" dirty="0"/>
-              <a:t>Server Core :</a:t>
-            </a:r>
-          </a:p>
-          <a:p>
-            <a:pPr marL="1657350" lvl="3" indent="-285750">
-              <a:buFont typeface="Arial" panose="020B0604020202020204" pitchFamily="34" charset="0"/>
-              <a:buChar char="•"/>
-            </a:pPr>
-            <a:r>
-              <a:rPr lang="fr-FR" i="1" dirty="0"/>
-              <a:t>Nom</a:t>
-            </a:r>
-            <a:r>
-              <a:rPr lang="fr-FR" dirty="0"/>
-              <a:t> : ADDS</a:t>
-            </a:r>
-          </a:p>
-          <a:p>
-            <a:pPr marL="1657350" lvl="3" indent="-285750">
-              <a:buFont typeface="Arial" panose="020B0604020202020204" pitchFamily="34" charset="0"/>
-              <a:buChar char="•"/>
-            </a:pPr>
-            <a:r>
-              <a:rPr lang="fr-FR" i="1" dirty="0"/>
-              <a:t>@IP </a:t>
-            </a:r>
-            <a:r>
-              <a:rPr lang="fr-FR" dirty="0"/>
-              <a:t>: 10.0.10.1</a:t>
-            </a:r>
-          </a:p>
-          <a:p>
-            <a:pPr marL="1657350" lvl="3" indent="-285750">
-              <a:buFont typeface="Arial" panose="020B0604020202020204" pitchFamily="34" charset="0"/>
-              <a:buChar char="•"/>
-            </a:pPr>
-            <a:r>
-              <a:rPr lang="fr-FR" i="1" dirty="0"/>
-              <a:t>Masque de sous réseau </a:t>
-            </a:r>
-            <a:r>
-              <a:rPr lang="fr-FR" dirty="0"/>
-              <a:t>: 255.0.0.0</a:t>
-            </a:r>
-          </a:p>
-          <a:p>
-            <a:pPr marL="1657350" lvl="3" indent="-285750">
-              <a:buFont typeface="Arial" panose="020B0604020202020204" pitchFamily="34" charset="0"/>
-              <a:buChar char="•"/>
-            </a:pPr>
-            <a:r>
-              <a:rPr lang="fr-FR" i="1" dirty="0"/>
-              <a:t>Passerelle</a:t>
-            </a:r>
-            <a:r>
-              <a:rPr lang="fr-FR" b="1" i="1" dirty="0"/>
-              <a:t> </a:t>
-            </a:r>
-            <a:r>
-              <a:rPr lang="fr-FR" dirty="0"/>
-              <a:t>: 10.255.255.254</a:t>
-            </a:r>
-          </a:p>
-          <a:p>
-            <a:pPr marL="1257300" lvl="2" indent="-342900">
-              <a:buFont typeface="+mj-lt"/>
-              <a:buAutoNum type="arabicPeriod"/>
-            </a:pPr>
-            <a:r>
-              <a:rPr lang="fr-FR" b="1" dirty="0"/>
-              <a:t>Windows 10</a:t>
-            </a:r>
-          </a:p>
-          <a:p>
-            <a:pPr marL="1657350" lvl="3" indent="-285750">
-              <a:buFont typeface="Arial" panose="020B0604020202020204" pitchFamily="34" charset="0"/>
-              <a:buChar char="•"/>
-            </a:pPr>
-            <a:r>
-              <a:rPr lang="fr-FR" i="1" dirty="0"/>
-              <a:t>Nom</a:t>
-            </a:r>
-            <a:r>
-              <a:rPr lang="fr-FR" dirty="0"/>
-              <a:t> : CLI</a:t>
-            </a:r>
-          </a:p>
-          <a:p>
-            <a:pPr marL="1657350" lvl="3" indent="-285750">
-              <a:buFont typeface="Arial" panose="020B0604020202020204" pitchFamily="34" charset="0"/>
-              <a:buChar char="•"/>
-            </a:pPr>
-            <a:r>
-              <a:rPr lang="fr-FR" i="1" dirty="0"/>
-              <a:t>@IP </a:t>
-            </a:r>
-            <a:r>
-              <a:rPr lang="fr-FR" dirty="0"/>
-              <a:t>: 10.0.10.2</a:t>
-            </a:r>
-          </a:p>
-          <a:p>
-            <a:pPr marL="1657350" lvl="3" indent="-285750">
-              <a:buFont typeface="Arial" panose="020B0604020202020204" pitchFamily="34" charset="0"/>
-              <a:buChar char="•"/>
-            </a:pPr>
-            <a:r>
-              <a:rPr lang="fr-FR" i="1" dirty="0"/>
-              <a:t>Masque de sous réseau </a:t>
-            </a:r>
-            <a:r>
-              <a:rPr lang="fr-FR" dirty="0"/>
-              <a:t>: 255.0.0.0</a:t>
-            </a:r>
-          </a:p>
-          <a:p>
-            <a:pPr marL="1657350" lvl="3" indent="-285750">
-              <a:buFont typeface="Arial" panose="020B0604020202020204" pitchFamily="34" charset="0"/>
-              <a:buChar char="•"/>
-            </a:pPr>
-            <a:r>
-              <a:rPr lang="fr-FR" i="1" dirty="0"/>
-              <a:t>Passerelle</a:t>
-            </a:r>
-            <a:r>
-              <a:rPr lang="fr-FR" dirty="0"/>
-              <a:t> : 10.255.255.254</a:t>
-            </a:r>
-          </a:p>
-          <a:p>
-            <a:pPr marL="1657350" lvl="3" indent="-285750">
-              <a:buFont typeface="Arial" panose="020B0604020202020204" pitchFamily="34" charset="0"/>
-              <a:buChar char="•"/>
-            </a:pPr>
-            <a:r>
-              <a:rPr lang="fr-FR" i="1" dirty="0"/>
-              <a:t>Serveur DNS </a:t>
-            </a:r>
-            <a:r>
-              <a:rPr lang="fr-FR" dirty="0"/>
-              <a:t>: 10.0.10.1</a:t>
-            </a:r>
-          </a:p>
-          <a:p>
-            <a:pPr marL="1714500" lvl="3" indent="-342900">
-              <a:buFont typeface="Arial" panose="020B0604020202020204" pitchFamily="34" charset="0"/>
-              <a:buChar char="•"/>
-            </a:pPr>
-            <a:endParaRPr lang="fr-FR" dirty="0"/>
-          </a:p>
-        </p:txBody>
-      </p:sp>
-    </p:spTree>
-    <p:extLst>
-      <p:ext uri="{BB962C8B-B14F-4D97-AF65-F5344CB8AC3E}">
-        <p14:creationId xmlns:p14="http://schemas.microsoft.com/office/powerpoint/2010/main" val="2351170785"/>
       </p:ext>
     </p:extLst>
   </p:cSld>
@@ -12470,7 +12576,7 @@
         </p:nvSpPr>
         <p:spPr>
           <a:xfrm>
-            <a:off x="685800" y="1484784"/>
+            <a:off x="685800" y="1628800"/>
             <a:ext cx="7772400" cy="894109"/>
           </a:xfrm>
         </p:spPr>
@@ -12488,7 +12594,22 @@
               </a:rPr>
               <a:t>Atelier N°1</a:t>
             </a:r>
-            <a:endParaRPr lang="fr-FR" b="1" dirty="0">
+          </a:p>
+          <a:p>
+            <a:pPr algn="ctr"/>
+            <a:r>
+              <a:rPr lang="fr-FR" sz="4000" b="1" dirty="0">
+                <a:solidFill>
+                  <a:srgbClr val="FF9900"/>
+                </a:solidFill>
+                <a:latin typeface="Lucida Console" panose="020B0609040504020204" pitchFamily="49" charset="0"/>
+              </a:rPr>
+              <a:t>Configuration de Base </a:t>
+            </a:r>
+            <a:endParaRPr lang="fr-FR" sz="1400" b="1" dirty="0">
+              <a:solidFill>
+                <a:srgbClr val="FF9900"/>
+              </a:solidFill>
               <a:latin typeface="Lucida Console" panose="020B0609040504020204" pitchFamily="49" charset="0"/>
             </a:endParaRPr>
           </a:p>
@@ -12508,8 +12629,8 @@
         </p:nvSpPr>
         <p:spPr>
           <a:xfrm>
-            <a:off x="1115616" y="2636912"/>
-            <a:ext cx="7723012" cy="3970318"/>
+            <a:off x="1115616" y="2780928"/>
+            <a:ext cx="5971507" cy="3693319"/>
           </a:xfrm>
           <a:prstGeom prst="rect">
             <a:avLst/>
@@ -12528,7 +12649,15 @@
             </a:pPr>
             <a:r>
               <a:rPr lang="fr-FR" dirty="0"/>
-              <a:t>Installation d’ADDS et promotion du contrôleur de domaine</a:t>
+              <a:t>Configuration des </a:t>
+            </a:r>
+            <a:r>
+              <a:rPr lang="fr-FR" dirty="0" err="1"/>
+              <a:t>VMs</a:t>
+            </a:r>
+            <a:r>
+              <a:rPr lang="fr-FR" dirty="0"/>
+              <a:t> :</a:t>
             </a:r>
           </a:p>
           <a:p>
@@ -12536,7 +12665,70 @@
               <a:buFont typeface="+mj-lt"/>
               <a:buAutoNum type="arabicPeriod"/>
             </a:pPr>
-            <a:endParaRPr lang="fr-FR" b="1" dirty="0"/>
+            <a:r>
+              <a:rPr lang="fr-FR" b="1" dirty="0"/>
+              <a:t>Server Core :</a:t>
+            </a:r>
+          </a:p>
+          <a:p>
+            <a:pPr marL="1657350" lvl="3" indent="-285750">
+              <a:buFont typeface="Arial" panose="020B0604020202020204" pitchFamily="34" charset="0"/>
+              <a:buChar char="•"/>
+            </a:pPr>
+            <a:r>
+              <a:rPr lang="fr-FR" i="1" dirty="0"/>
+              <a:t>Nom</a:t>
+            </a:r>
+            <a:r>
+              <a:rPr lang="fr-FR" dirty="0"/>
+              <a:t> : ADDS</a:t>
+            </a:r>
+          </a:p>
+          <a:p>
+            <a:pPr marL="1657350" lvl="3" indent="-285750">
+              <a:buFont typeface="Arial" panose="020B0604020202020204" pitchFamily="34" charset="0"/>
+              <a:buChar char="•"/>
+            </a:pPr>
+            <a:r>
+              <a:rPr lang="fr-FR" i="1" dirty="0"/>
+              <a:t>@IP </a:t>
+            </a:r>
+            <a:r>
+              <a:rPr lang="fr-FR" dirty="0"/>
+              <a:t>: 10.0.10.1</a:t>
+            </a:r>
+          </a:p>
+          <a:p>
+            <a:pPr marL="1657350" lvl="3" indent="-285750">
+              <a:buFont typeface="Arial" panose="020B0604020202020204" pitchFamily="34" charset="0"/>
+              <a:buChar char="•"/>
+            </a:pPr>
+            <a:r>
+              <a:rPr lang="fr-FR" i="1" dirty="0"/>
+              <a:t>Masque de sous réseau </a:t>
+            </a:r>
+            <a:r>
+              <a:rPr lang="fr-FR" dirty="0"/>
+              <a:t>: 255.0.0.0</a:t>
+            </a:r>
+          </a:p>
+          <a:p>
+            <a:pPr marL="1657350" lvl="3" indent="-285750">
+              <a:buFont typeface="Arial" panose="020B0604020202020204" pitchFamily="34" charset="0"/>
+              <a:buChar char="•"/>
+            </a:pPr>
+            <a:r>
+              <a:rPr lang="fr-FR" i="1" dirty="0"/>
+              <a:t>Passerelle</a:t>
+            </a:r>
+            <a:r>
+              <a:rPr lang="fr-FR" b="1" i="1" dirty="0"/>
+              <a:t> </a:t>
+            </a:r>
+            <a:r>
+              <a:rPr lang="fr-FR" dirty="0"/>
+              <a:t>: 10.255.255.254</a:t>
+            </a:r>
           </a:p>
           <a:p>
             <a:pPr marL="1257300" lvl="2" indent="-342900">
@@ -12545,120 +12737,83 @@
             </a:pPr>
             <a:r>
               <a:rPr lang="fr-FR" b="1" dirty="0"/>
-              <a:t>Server Core :</a:t>
+              <a:t>Windows 10</a:t>
+            </a:r>
+          </a:p>
+          <a:p>
+            <a:pPr marL="1657350" lvl="3" indent="-285750">
+              <a:buFont typeface="Arial" panose="020B0604020202020204" pitchFamily="34" charset="0"/>
+              <a:buChar char="•"/>
+            </a:pPr>
+            <a:r>
+              <a:rPr lang="fr-FR" i="1" dirty="0"/>
+              <a:t>Nom</a:t>
+            </a:r>
+            <a:r>
+              <a:rPr lang="fr-FR" dirty="0"/>
+              <a:t> : CLI</a:t>
+            </a:r>
+          </a:p>
+          <a:p>
+            <a:pPr marL="1657350" lvl="3" indent="-285750">
+              <a:buFont typeface="Arial" panose="020B0604020202020204" pitchFamily="34" charset="0"/>
+              <a:buChar char="•"/>
+            </a:pPr>
+            <a:r>
+              <a:rPr lang="fr-FR" i="1" dirty="0"/>
+              <a:t>@IP </a:t>
+            </a:r>
+            <a:r>
+              <a:rPr lang="fr-FR" dirty="0"/>
+              <a:t>: 10.0.10.2</a:t>
+            </a:r>
+          </a:p>
+          <a:p>
+            <a:pPr marL="1657350" lvl="3" indent="-285750">
+              <a:buFont typeface="Arial" panose="020B0604020202020204" pitchFamily="34" charset="0"/>
+              <a:buChar char="•"/>
+            </a:pPr>
+            <a:r>
+              <a:rPr lang="fr-FR" i="1" dirty="0"/>
+              <a:t>Masque de sous réseau </a:t>
+            </a:r>
+            <a:r>
+              <a:rPr lang="fr-FR" dirty="0"/>
+              <a:t>: 255.0.0.0</a:t>
+            </a:r>
+          </a:p>
+          <a:p>
+            <a:pPr marL="1657350" lvl="3" indent="-285750">
+              <a:buFont typeface="Arial" panose="020B0604020202020204" pitchFamily="34" charset="0"/>
+              <a:buChar char="•"/>
+            </a:pPr>
+            <a:r>
+              <a:rPr lang="fr-FR" i="1" dirty="0"/>
+              <a:t>Passerelle</a:t>
+            </a:r>
+            <a:r>
+              <a:rPr lang="fr-FR" dirty="0"/>
+              <a:t> : 10.255.255.254</a:t>
+            </a:r>
+          </a:p>
+          <a:p>
+            <a:pPr marL="1657350" lvl="3" indent="-285750">
+              <a:buFont typeface="Arial" panose="020B0604020202020204" pitchFamily="34" charset="0"/>
+              <a:buChar char="•"/>
+            </a:pPr>
+            <a:r>
+              <a:rPr lang="fr-FR" i="1" dirty="0"/>
+              <a:t>Serveur DNS </a:t>
+            </a:r>
+            <a:r>
+              <a:rPr lang="fr-FR" dirty="0"/>
+              <a:t>: 10.0.10.1</a:t>
             </a:r>
           </a:p>
           <a:p>
             <a:pPr marL="1714500" lvl="3" indent="-342900">
-              <a:buFont typeface="+mj-lt"/>
-              <a:buAutoNum type="alphaLcParenR"/>
-            </a:pPr>
-            <a:r>
-              <a:rPr lang="fr-FR" dirty="0"/>
-              <a:t>Installer les rôles nécessaires</a:t>
-            </a:r>
-          </a:p>
-          <a:p>
-            <a:pPr marL="1714500" lvl="3" indent="-342900">
-              <a:buFont typeface="+mj-lt"/>
-              <a:buAutoNum type="alphaLcParenR"/>
-            </a:pPr>
-            <a:r>
-              <a:rPr lang="fr-FR" dirty="0"/>
-              <a:t>Promotion en tant que DC</a:t>
-            </a:r>
-          </a:p>
-          <a:p>
-            <a:pPr marL="2171700" lvl="4" indent="-342900">
-              <a:buFont typeface="+mj-lt"/>
-              <a:buAutoNum type="alphaLcParenR"/>
-            </a:pPr>
-            <a:r>
-              <a:rPr lang="fr-FR" dirty="0"/>
-              <a:t>Nom de domaine : </a:t>
-            </a:r>
-            <a:r>
-              <a:rPr lang="fr-FR" dirty="0" err="1"/>
-              <a:t>Pwsh.loc</a:t>
-            </a:r>
-            <a:endParaRPr lang="fr-FR" dirty="0"/>
-          </a:p>
-          <a:p>
-            <a:pPr marL="2171700" lvl="4" indent="-342900">
-              <a:buFont typeface="+mj-lt"/>
-              <a:buAutoNum type="alphaLcParenR"/>
-            </a:pPr>
-            <a:r>
-              <a:rPr lang="fr-FR" dirty="0"/>
-              <a:t>Mot de passe de restauration ADDS: 123+aze</a:t>
-            </a:r>
-          </a:p>
-          <a:p>
-            <a:pPr marL="1257300" lvl="2" indent="-342900">
-              <a:buFont typeface="+mj-lt"/>
-              <a:buAutoNum type="arabicPeriod"/>
-            </a:pPr>
-            <a:endParaRPr lang="fr-FR" b="1" dirty="0"/>
-          </a:p>
-          <a:p>
-            <a:pPr marL="1257300" lvl="2" indent="-342900">
-              <a:buFont typeface="+mj-lt"/>
-              <a:buAutoNum type="arabicPeriod"/>
-            </a:pPr>
-            <a:r>
-              <a:rPr lang="fr-FR" b="1" dirty="0"/>
-              <a:t>Windows 10</a:t>
-            </a:r>
-          </a:p>
-          <a:p>
-            <a:pPr marL="1714500" lvl="3" indent="-342900">
-              <a:buFont typeface="+mj-lt"/>
-              <a:buAutoNum type="alphaLcParenR"/>
-            </a:pPr>
-            <a:r>
-              <a:rPr lang="fr-FR" dirty="0"/>
-              <a:t>Jonction de la machine au domaine </a:t>
-            </a:r>
-            <a:r>
-              <a:rPr lang="fr-FR" dirty="0" err="1"/>
-              <a:t>Pwsh</a:t>
-            </a:r>
-            <a:endParaRPr lang="fr-FR" dirty="0"/>
-          </a:p>
-          <a:p>
-            <a:pPr marL="1714500" lvl="3" indent="-342900">
-              <a:buFont typeface="+mj-lt"/>
-              <a:buAutoNum type="alphaLcParenR"/>
-            </a:pPr>
-            <a:r>
-              <a:rPr lang="fr-FR" dirty="0"/>
-              <a:t>Vérification que tous fonctionne normalement</a:t>
-            </a:r>
-          </a:p>
-          <a:p>
-            <a:pPr marL="2171700" lvl="4" indent="-342900">
-              <a:buFont typeface="+mj-lt"/>
-              <a:buAutoNum type="alphaLcParenR"/>
-            </a:pPr>
-            <a:r>
-              <a:rPr lang="fr-FR" dirty="0"/>
-              <a:t>Teste des port DNS, LDAP</a:t>
-            </a:r>
-          </a:p>
-          <a:p>
-            <a:pPr marL="2171700" lvl="4" indent="-342900">
-              <a:buFont typeface="+mj-lt"/>
-              <a:buAutoNum type="alphaLcParenR"/>
-            </a:pPr>
-            <a:r>
-              <a:rPr lang="fr-FR" dirty="0"/>
-              <a:t>Teste de résolution de noms</a:t>
-            </a:r>
-          </a:p>
-          <a:p>
-            <a:pPr marL="2171700" lvl="4" indent="-342900">
-              <a:buFont typeface="+mj-lt"/>
-              <a:buAutoNum type="alphaLcParenR"/>
+              <a:buFont typeface="Arial" panose="020B0604020202020204" pitchFamily="34" charset="0"/>
+              <a:buChar char="•"/>
             </a:pPr>
             <a:endParaRPr lang="fr-FR" dirty="0"/>
           </a:p>
@@ -12667,7 +12822,7 @@
     </p:spTree>
     <p:extLst>
       <p:ext uri="{BB962C8B-B14F-4D97-AF65-F5344CB8AC3E}">
-        <p14:creationId xmlns:p14="http://schemas.microsoft.com/office/powerpoint/2010/main" val="3252029311"/>
+        <p14:creationId xmlns:p14="http://schemas.microsoft.com/office/powerpoint/2010/main" val="2351170785"/>
       </p:ext>
     </p:extLst>
   </p:cSld>
@@ -12712,6 +12867,248 @@
         </p:nvSpPr>
         <p:spPr>
           <a:xfrm>
+            <a:off x="685800" y="1484784"/>
+            <a:ext cx="7772400" cy="894109"/>
+          </a:xfrm>
+        </p:spPr>
+        <p:txBody>
+          <a:bodyPr/>
+          <a:lstStyle/>
+          <a:p>
+            <a:pPr algn="ctr"/>
+            <a:r>
+              <a:rPr lang="fr-FR" sz="5400" b="1" dirty="0">
+                <a:solidFill>
+                  <a:srgbClr val="FF9900"/>
+                </a:solidFill>
+                <a:latin typeface="Lucida Console" panose="020B0609040504020204" pitchFamily="49" charset="0"/>
+              </a:rPr>
+              <a:t>Atelier N°1</a:t>
+            </a:r>
+            <a:endParaRPr lang="fr-FR" b="1" dirty="0">
+              <a:latin typeface="Lucida Console" panose="020B0609040504020204" pitchFamily="49" charset="0"/>
+            </a:endParaRPr>
+          </a:p>
+        </p:txBody>
+      </p:sp>
+      <p:sp>
+        <p:nvSpPr>
+          <p:cNvPr id="3" name="ZoneTexte 2">
+            <a:extLst>
+              <a:ext uri="{FF2B5EF4-FFF2-40B4-BE49-F238E27FC236}">
+                <a16:creationId xmlns:a16="http://schemas.microsoft.com/office/drawing/2014/main" id="{55C9CF1A-AB3C-4651-8BA7-1F62786411A2}"/>
+              </a:ext>
+            </a:extLst>
+          </p:cNvPr>
+          <p:cNvSpPr txBox="1"/>
+          <p:nvPr/>
+        </p:nvSpPr>
+        <p:spPr>
+          <a:xfrm>
+            <a:off x="1115616" y="2636912"/>
+            <a:ext cx="7723012" cy="3970318"/>
+          </a:xfrm>
+          <a:prstGeom prst="rect">
+            <a:avLst/>
+          </a:prstGeom>
+          <a:noFill/>
+        </p:spPr>
+        <p:txBody>
+          <a:bodyPr wrap="none" rtlCol="0">
+            <a:spAutoFit/>
+          </a:bodyPr>
+          <a:lstStyle/>
+          <a:p>
+            <a:pPr marL="285750" indent="-285750">
+              <a:buFont typeface="Arial" panose="020B0604020202020204" pitchFamily="34" charset="0"/>
+              <a:buChar char="•"/>
+            </a:pPr>
+            <a:r>
+              <a:rPr lang="fr-FR" dirty="0"/>
+              <a:t>Installation d’ADDS et promotion du contrôleur de domaine</a:t>
+            </a:r>
+          </a:p>
+          <a:p>
+            <a:pPr marL="1257300" lvl="2" indent="-342900">
+              <a:buFont typeface="+mj-lt"/>
+              <a:buAutoNum type="arabicPeriod"/>
+            </a:pPr>
+            <a:endParaRPr lang="fr-FR" b="1" dirty="0"/>
+          </a:p>
+          <a:p>
+            <a:pPr marL="1257300" lvl="2" indent="-342900">
+              <a:buFont typeface="+mj-lt"/>
+              <a:buAutoNum type="arabicPeriod"/>
+            </a:pPr>
+            <a:r>
+              <a:rPr lang="fr-FR" b="1" dirty="0"/>
+              <a:t>Server Core :</a:t>
+            </a:r>
+          </a:p>
+          <a:p>
+            <a:pPr marL="1714500" lvl="3" indent="-342900">
+              <a:buFont typeface="+mj-lt"/>
+              <a:buAutoNum type="alphaLcParenR"/>
+            </a:pPr>
+            <a:r>
+              <a:rPr lang="fr-FR" dirty="0"/>
+              <a:t>Installer les rôles nécessaires</a:t>
+            </a:r>
+          </a:p>
+          <a:p>
+            <a:pPr marL="1714500" lvl="3" indent="-342900">
+              <a:buFont typeface="+mj-lt"/>
+              <a:buAutoNum type="alphaLcParenR"/>
+            </a:pPr>
+            <a:r>
+              <a:rPr lang="fr-FR" dirty="0"/>
+              <a:t>Promotion en tant que DC</a:t>
+            </a:r>
+          </a:p>
+          <a:p>
+            <a:pPr marL="2171700" lvl="4" indent="-342900">
+              <a:buFont typeface="+mj-lt"/>
+              <a:buAutoNum type="alphaLcParenR"/>
+            </a:pPr>
+            <a:r>
+              <a:rPr lang="fr-FR" dirty="0"/>
+              <a:t>Nom de domaine : </a:t>
+            </a:r>
+            <a:r>
+              <a:rPr lang="fr-FR" dirty="0" err="1"/>
+              <a:t>Pwsh.loc</a:t>
+            </a:r>
+            <a:endParaRPr lang="fr-FR" dirty="0"/>
+          </a:p>
+          <a:p>
+            <a:pPr marL="2171700" lvl="4" indent="-342900">
+              <a:buFont typeface="+mj-lt"/>
+              <a:buAutoNum type="alphaLcParenR"/>
+            </a:pPr>
+            <a:r>
+              <a:rPr lang="fr-FR" dirty="0"/>
+              <a:t>Mot de passe de restauration ADDS: 123+aze</a:t>
+            </a:r>
+          </a:p>
+          <a:p>
+            <a:pPr marL="1257300" lvl="2" indent="-342900">
+              <a:buFont typeface="+mj-lt"/>
+              <a:buAutoNum type="arabicPeriod"/>
+            </a:pPr>
+            <a:endParaRPr lang="fr-FR" b="1" dirty="0"/>
+          </a:p>
+          <a:p>
+            <a:pPr marL="1257300" lvl="2" indent="-342900">
+              <a:buFont typeface="+mj-lt"/>
+              <a:buAutoNum type="arabicPeriod"/>
+            </a:pPr>
+            <a:r>
+              <a:rPr lang="fr-FR" b="1" dirty="0"/>
+              <a:t>Windows 10</a:t>
+            </a:r>
+          </a:p>
+          <a:p>
+            <a:pPr marL="1714500" lvl="3" indent="-342900">
+              <a:buFont typeface="+mj-lt"/>
+              <a:buAutoNum type="alphaLcParenR"/>
+            </a:pPr>
+            <a:r>
+              <a:rPr lang="fr-FR" dirty="0"/>
+              <a:t>Jonction de la machine au domaine </a:t>
+            </a:r>
+            <a:r>
+              <a:rPr lang="fr-FR" dirty="0" err="1"/>
+              <a:t>Pwsh</a:t>
+            </a:r>
+            <a:endParaRPr lang="fr-FR" dirty="0"/>
+          </a:p>
+          <a:p>
+            <a:pPr marL="1714500" lvl="3" indent="-342900">
+              <a:buFont typeface="+mj-lt"/>
+              <a:buAutoNum type="alphaLcParenR"/>
+            </a:pPr>
+            <a:r>
+              <a:rPr lang="fr-FR" dirty="0"/>
+              <a:t>Vérification que tous fonctionne normalement</a:t>
+            </a:r>
+          </a:p>
+          <a:p>
+            <a:pPr marL="2171700" lvl="4" indent="-342900">
+              <a:buFont typeface="+mj-lt"/>
+              <a:buAutoNum type="alphaLcParenR"/>
+            </a:pPr>
+            <a:r>
+              <a:rPr lang="fr-FR" dirty="0"/>
+              <a:t>Teste des port DNS, LDAP</a:t>
+            </a:r>
+          </a:p>
+          <a:p>
+            <a:pPr marL="2171700" lvl="4" indent="-342900">
+              <a:buFont typeface="+mj-lt"/>
+              <a:buAutoNum type="alphaLcParenR"/>
+            </a:pPr>
+            <a:r>
+              <a:rPr lang="fr-FR" dirty="0"/>
+              <a:t>Teste de résolution de noms</a:t>
+            </a:r>
+          </a:p>
+          <a:p>
+            <a:pPr marL="2171700" lvl="4" indent="-342900">
+              <a:buFont typeface="+mj-lt"/>
+              <a:buAutoNum type="alphaLcParenR"/>
+            </a:pPr>
+            <a:endParaRPr lang="fr-FR" dirty="0"/>
+          </a:p>
+        </p:txBody>
+      </p:sp>
+    </p:spTree>
+    <p:extLst>
+      <p:ext uri="{BB962C8B-B14F-4D97-AF65-F5344CB8AC3E}">
+        <p14:creationId xmlns:p14="http://schemas.microsoft.com/office/powerpoint/2010/main" val="3252029311"/>
+      </p:ext>
+    </p:extLst>
+  </p:cSld>
+  <p:clrMapOvr>
+    <a:masterClrMapping/>
+  </p:clrMapOvr>
+</p:sld>
+</file>
+
+<file path=ppt/slides/slide19.xml><?xml version="1.0" encoding="utf-8"?>
+<p:sld xmlns:a="http://schemas.openxmlformats.org/drawingml/2006/main" xmlns:r="http://schemas.openxmlformats.org/officeDocument/2006/relationships" xmlns:p="http://schemas.openxmlformats.org/presentationml/2006/main">
+  <p:cSld>
+    <p:spTree>
+      <p:nvGrpSpPr>
+        <p:cNvPr id="1" name=""/>
+        <p:cNvGrpSpPr/>
+        <p:nvPr/>
+      </p:nvGrpSpPr>
+      <p:grpSpPr>
+        <a:xfrm>
+          <a:off x="0" y="0"/>
+          <a:ext cx="0" cy="0"/>
+          <a:chOff x="0" y="0"/>
+          <a:chExt cx="0" cy="0"/>
+        </a:xfrm>
+      </p:grpSpPr>
+      <p:sp>
+        <p:nvSpPr>
+          <p:cNvPr id="5" name="Espace réservé du texte 4">
+            <a:extLst>
+              <a:ext uri="{FF2B5EF4-FFF2-40B4-BE49-F238E27FC236}">
+                <a16:creationId xmlns:a16="http://schemas.microsoft.com/office/drawing/2014/main" id="{B04B57D7-6C5B-437B-950E-CAB0AFD2EF72}"/>
+              </a:ext>
+            </a:extLst>
+          </p:cNvPr>
+          <p:cNvSpPr>
+            <a:spLocks noGrp="1"/>
+          </p:cNvSpPr>
+          <p:nvPr>
+            <p:ph type="body" idx="1"/>
+          </p:nvPr>
+        </p:nvSpPr>
+        <p:spPr>
+          <a:xfrm>
             <a:off x="685800" y="1700808"/>
             <a:ext cx="7772400" cy="894109"/>
           </a:xfrm>
@@ -12962,1031 +13359,6 @@
     <p:extLst>
       <p:ext uri="{BB962C8B-B14F-4D97-AF65-F5344CB8AC3E}">
         <p14:creationId xmlns:p14="http://schemas.microsoft.com/office/powerpoint/2010/main" val="1998539374"/>
-      </p:ext>
-    </p:extLst>
-  </p:cSld>
-  <p:clrMapOvr>
-    <a:masterClrMapping/>
-  </p:clrMapOvr>
-</p:sld>
-</file>
-
-<file path=ppt/slides/slide19.xml><?xml version="1.0" encoding="utf-8"?>
-<p:sld xmlns:a="http://schemas.openxmlformats.org/drawingml/2006/main" xmlns:r="http://schemas.openxmlformats.org/officeDocument/2006/relationships" xmlns:p="http://schemas.openxmlformats.org/presentationml/2006/main">
-  <p:cSld>
-    <p:spTree>
-      <p:nvGrpSpPr>
-        <p:cNvPr id="1" name=""/>
-        <p:cNvGrpSpPr/>
-        <p:nvPr/>
-      </p:nvGrpSpPr>
-      <p:grpSpPr>
-        <a:xfrm>
-          <a:off x="0" y="0"/>
-          <a:ext cx="0" cy="0"/>
-          <a:chOff x="0" y="0"/>
-          <a:chExt cx="0" cy="0"/>
-        </a:xfrm>
-      </p:grpSpPr>
-      <p:sp>
-        <p:nvSpPr>
-          <p:cNvPr id="7" name="Espace réservé du texte 4">
-            <a:extLst>
-              <a:ext uri="{FF2B5EF4-FFF2-40B4-BE49-F238E27FC236}">
-                <a16:creationId xmlns:a16="http://schemas.microsoft.com/office/drawing/2014/main" id="{E9AA3234-8156-42BC-AB48-1D2AEF87447F}"/>
-              </a:ext>
-            </a:extLst>
-          </p:cNvPr>
-          <p:cNvSpPr txBox="1">
-            <a:spLocks/>
-          </p:cNvSpPr>
-          <p:nvPr/>
-        </p:nvSpPr>
-        <p:spPr bwMode="auto">
-          <a:xfrm>
-            <a:off x="179512" y="1052736"/>
-            <a:ext cx="3456384" cy="504056"/>
-          </a:xfrm>
-          <a:prstGeom prst="rect">
-            <a:avLst/>
-          </a:prstGeom>
-          <a:noFill/>
-          <a:ln w="9525">
-            <a:noFill/>
-            <a:miter lim="800000"/>
-            <a:headEnd/>
-            <a:tailEnd/>
-          </a:ln>
-        </p:spPr>
-        <p:txBody>
-          <a:bodyPr vert="horz" wrap="square" lIns="0" tIns="0" rIns="0" bIns="0" numCol="1" anchor="b" anchorCtr="0" compatLnSpc="1">
-            <a:prstTxWarp prst="textNoShape">
-              <a:avLst/>
-            </a:prstTxWarp>
-          </a:bodyPr>
-          <a:lstStyle>
-            <a:lvl1pPr marL="0" indent="0" algn="l" rtl="0" eaLnBrk="1" fontAlgn="base" hangingPunct="1">
-              <a:lnSpc>
-                <a:spcPct val="100000"/>
-              </a:lnSpc>
-              <a:spcBef>
-                <a:spcPts val="600"/>
-              </a:spcBef>
-              <a:spcAft>
-                <a:spcPct val="0"/>
-              </a:spcAft>
-              <a:buClr>
-                <a:srgbClr val="0070C0"/>
-              </a:buClr>
-              <a:buSzPct val="90000"/>
-              <a:buFont typeface="Arial" pitchFamily="34" charset="0"/>
-              <a:buNone/>
-              <a:defRPr sz="2000">
-                <a:solidFill>
-                  <a:schemeClr val="tx1"/>
-                </a:solidFill>
-                <a:latin typeface="Segoe UI" pitchFamily="34" charset="0"/>
-                <a:ea typeface="Segoe UI" pitchFamily="34" charset="0"/>
-                <a:cs typeface="Segoe UI" pitchFamily="34" charset="0"/>
-              </a:defRPr>
-            </a:lvl1pPr>
-            <a:lvl2pPr marL="457200" indent="0" algn="l" rtl="0" eaLnBrk="1" fontAlgn="base" hangingPunct="1">
-              <a:lnSpc>
-                <a:spcPct val="100000"/>
-              </a:lnSpc>
-              <a:spcBef>
-                <a:spcPts val="600"/>
-              </a:spcBef>
-              <a:spcAft>
-                <a:spcPct val="0"/>
-              </a:spcAft>
-              <a:buClr>
-                <a:srgbClr val="0070C0"/>
-              </a:buClr>
-              <a:buSzPct val="80000"/>
-              <a:buFont typeface="Arial" pitchFamily="34" charset="0"/>
-              <a:buNone/>
-              <a:defRPr sz="1800">
-                <a:solidFill>
-                  <a:schemeClr val="tx1"/>
-                </a:solidFill>
-                <a:latin typeface="Segoe UI" pitchFamily="34" charset="0"/>
-                <a:ea typeface="Segoe UI" pitchFamily="34" charset="0"/>
-                <a:cs typeface="Segoe UI" pitchFamily="34" charset="0"/>
-              </a:defRPr>
-            </a:lvl2pPr>
-            <a:lvl3pPr marL="914400" indent="0" algn="l" rtl="0" eaLnBrk="1" fontAlgn="base" hangingPunct="1">
-              <a:lnSpc>
-                <a:spcPct val="100000"/>
-              </a:lnSpc>
-              <a:spcBef>
-                <a:spcPts val="600"/>
-              </a:spcBef>
-              <a:spcAft>
-                <a:spcPct val="0"/>
-              </a:spcAft>
-              <a:buClr>
-                <a:srgbClr val="0070C0"/>
-              </a:buClr>
-              <a:buSzPct val="80000"/>
-              <a:buFont typeface="Arial" pitchFamily="34" charset="0"/>
-              <a:buNone/>
-              <a:defRPr sz="1600">
-                <a:solidFill>
-                  <a:schemeClr val="tx1"/>
-                </a:solidFill>
-                <a:latin typeface="Segoe UI" pitchFamily="34" charset="0"/>
-                <a:ea typeface="Segoe UI" pitchFamily="34" charset="0"/>
-                <a:cs typeface="Segoe UI" pitchFamily="34" charset="0"/>
-              </a:defRPr>
-            </a:lvl3pPr>
-            <a:lvl4pPr marL="1371600" indent="0" algn="l" rtl="0" eaLnBrk="1" fontAlgn="base" hangingPunct="1">
-              <a:lnSpc>
-                <a:spcPct val="100000"/>
-              </a:lnSpc>
-              <a:spcBef>
-                <a:spcPts val="600"/>
-              </a:spcBef>
-              <a:spcAft>
-                <a:spcPct val="0"/>
-              </a:spcAft>
-              <a:buClr>
-                <a:srgbClr val="0070C0"/>
-              </a:buClr>
-              <a:buSzPct val="90000"/>
-              <a:buFont typeface="Arial" pitchFamily="34" charset="0"/>
-              <a:buNone/>
-              <a:defRPr sz="1400">
-                <a:solidFill>
-                  <a:schemeClr val="tx1"/>
-                </a:solidFill>
-                <a:latin typeface="Segoe UI" pitchFamily="34" charset="0"/>
-                <a:ea typeface="Segoe UI" pitchFamily="34" charset="0"/>
-                <a:cs typeface="Segoe UI" pitchFamily="34" charset="0"/>
-              </a:defRPr>
-            </a:lvl4pPr>
-            <a:lvl5pPr marL="1828800" indent="0" algn="l" rtl="0" eaLnBrk="1" fontAlgn="base" hangingPunct="1">
-              <a:lnSpc>
-                <a:spcPct val="100000"/>
-              </a:lnSpc>
-              <a:spcBef>
-                <a:spcPts val="600"/>
-              </a:spcBef>
-              <a:spcAft>
-                <a:spcPct val="0"/>
-              </a:spcAft>
-              <a:buClr>
-                <a:srgbClr val="0070C0"/>
-              </a:buClr>
-              <a:buSzPct val="90000"/>
-              <a:buFont typeface="Arial" pitchFamily="34" charset="0"/>
-              <a:buNone/>
-              <a:defRPr sz="1400">
-                <a:solidFill>
-                  <a:schemeClr val="tx1"/>
-                </a:solidFill>
-                <a:latin typeface="Segoe UI" pitchFamily="34" charset="0"/>
-                <a:ea typeface="Segoe UI" pitchFamily="34" charset="0"/>
-                <a:cs typeface="Segoe UI" pitchFamily="34" charset="0"/>
-              </a:defRPr>
-            </a:lvl5pPr>
-            <a:lvl6pPr marL="2286000" indent="0" algn="l" rtl="0" eaLnBrk="1" fontAlgn="base" hangingPunct="1">
-              <a:lnSpc>
-                <a:spcPct val="90000"/>
-              </a:lnSpc>
-              <a:spcBef>
-                <a:spcPct val="70000"/>
-              </a:spcBef>
-              <a:spcAft>
-                <a:spcPct val="0"/>
-              </a:spcAft>
-              <a:buClr>
-                <a:srgbClr val="2D4A6D"/>
-              </a:buClr>
-              <a:buSzPct val="90000"/>
-              <a:buNone/>
-              <a:defRPr sz="1400">
-                <a:solidFill>
-                  <a:schemeClr val="tx1"/>
-                </a:solidFill>
-                <a:latin typeface="+mn-lt"/>
-              </a:defRPr>
-            </a:lvl6pPr>
-            <a:lvl7pPr marL="2743200" indent="0" algn="l" rtl="0" eaLnBrk="1" fontAlgn="base" hangingPunct="1">
-              <a:lnSpc>
-                <a:spcPct val="90000"/>
-              </a:lnSpc>
-              <a:spcBef>
-                <a:spcPct val="70000"/>
-              </a:spcBef>
-              <a:spcAft>
-                <a:spcPct val="0"/>
-              </a:spcAft>
-              <a:buClr>
-                <a:srgbClr val="2D4A6D"/>
-              </a:buClr>
-              <a:buSzPct val="90000"/>
-              <a:buNone/>
-              <a:defRPr sz="1400">
-                <a:solidFill>
-                  <a:schemeClr val="tx1"/>
-                </a:solidFill>
-                <a:latin typeface="+mn-lt"/>
-              </a:defRPr>
-            </a:lvl7pPr>
-            <a:lvl8pPr marL="3200400" indent="0" algn="l" rtl="0" eaLnBrk="1" fontAlgn="base" hangingPunct="1">
-              <a:lnSpc>
-                <a:spcPct val="90000"/>
-              </a:lnSpc>
-              <a:spcBef>
-                <a:spcPct val="70000"/>
-              </a:spcBef>
-              <a:spcAft>
-                <a:spcPct val="0"/>
-              </a:spcAft>
-              <a:buClr>
-                <a:srgbClr val="2D4A6D"/>
-              </a:buClr>
-              <a:buSzPct val="90000"/>
-              <a:buNone/>
-              <a:defRPr sz="1400">
-                <a:solidFill>
-                  <a:schemeClr val="tx1"/>
-                </a:solidFill>
-                <a:latin typeface="+mn-lt"/>
-              </a:defRPr>
-            </a:lvl8pPr>
-            <a:lvl9pPr marL="3657600" indent="0" algn="l" rtl="0" eaLnBrk="1" fontAlgn="base" hangingPunct="1">
-              <a:lnSpc>
-                <a:spcPct val="90000"/>
-              </a:lnSpc>
-              <a:spcBef>
-                <a:spcPct val="70000"/>
-              </a:spcBef>
-              <a:spcAft>
-                <a:spcPct val="0"/>
-              </a:spcAft>
-              <a:buClr>
-                <a:srgbClr val="2D4A6D"/>
-              </a:buClr>
-              <a:buSzPct val="90000"/>
-              <a:buNone/>
-              <a:defRPr sz="1400">
-                <a:solidFill>
-                  <a:schemeClr val="tx1"/>
-                </a:solidFill>
-                <a:latin typeface="+mn-lt"/>
-              </a:defRPr>
-            </a:lvl9pPr>
-          </a:lstStyle>
-          <a:p>
-            <a:pPr algn="ctr"/>
-            <a:r>
-              <a:rPr lang="fr-FR" sz="3200" b="1" kern="0" dirty="0">
-                <a:latin typeface="Lucida Console" panose="020B0609040504020204" pitchFamily="49" charset="0"/>
-              </a:rPr>
-              <a:t>Exercices N°1</a:t>
-            </a:r>
-            <a:endParaRPr lang="fr-FR" sz="1100" b="1" kern="0" dirty="0">
-              <a:latin typeface="Lucida Console" panose="020B0609040504020204" pitchFamily="49" charset="0"/>
-            </a:endParaRPr>
-          </a:p>
-        </p:txBody>
-      </p:sp>
-      <p:sp>
-        <p:nvSpPr>
-          <p:cNvPr id="9" name="ZoneTexte 8">
-            <a:extLst>
-              <a:ext uri="{FF2B5EF4-FFF2-40B4-BE49-F238E27FC236}">
-                <a16:creationId xmlns:a16="http://schemas.microsoft.com/office/drawing/2014/main" id="{7DD1B9C4-2379-4C83-A194-DC7267348A93}"/>
-              </a:ext>
-            </a:extLst>
-          </p:cNvPr>
-          <p:cNvSpPr txBox="1"/>
-          <p:nvPr/>
-        </p:nvSpPr>
-        <p:spPr>
-          <a:xfrm>
-            <a:off x="781646" y="1744481"/>
-            <a:ext cx="8153963" cy="923330"/>
-          </a:xfrm>
-          <a:prstGeom prst="rect">
-            <a:avLst/>
-          </a:prstGeom>
-          <a:noFill/>
-        </p:spPr>
-        <p:txBody>
-          <a:bodyPr wrap="none" rtlCol="0">
-            <a:spAutoFit/>
-          </a:bodyPr>
-          <a:lstStyle/>
-          <a:p>
-            <a:pPr marL="285750" indent="-285750">
-              <a:buFont typeface="Arial" panose="020B0604020202020204" pitchFamily="34" charset="0"/>
-              <a:buChar char="•"/>
-            </a:pPr>
-            <a:r>
-              <a:rPr lang="fr-FR" dirty="0"/>
-              <a:t>Créer un script qui permette de lister tous les modules </a:t>
-            </a:r>
-            <a:r>
-              <a:rPr lang="fr-FR" dirty="0" err="1"/>
-              <a:t>Powershell</a:t>
-            </a:r>
-            <a:endParaRPr lang="fr-FR" dirty="0"/>
-          </a:p>
-          <a:p>
-            <a:r>
-              <a:rPr lang="fr-FR" dirty="0"/>
-              <a:t>Ainsi que les commandes de chaque modules. Le script doit créer </a:t>
-            </a:r>
-          </a:p>
-          <a:p>
-            <a:r>
-              <a:rPr lang="fr-FR" dirty="0"/>
-              <a:t>une arborescence de dossier.</a:t>
-            </a:r>
-          </a:p>
-        </p:txBody>
-      </p:sp>
-      <p:pic>
-        <p:nvPicPr>
-          <p:cNvPr id="14" name="Picture 2" descr="C:\Users\t-dantay\Documents\First24\folder1.png">
-            <a:extLst>
-              <a:ext uri="{FF2B5EF4-FFF2-40B4-BE49-F238E27FC236}">
-                <a16:creationId xmlns:a16="http://schemas.microsoft.com/office/drawing/2014/main" id="{03009FDB-B1D7-4585-8226-14DC2BC20BA6}"/>
-              </a:ext>
-            </a:extLst>
-          </p:cNvPr>
-          <p:cNvPicPr>
-            <a:picLocks noChangeAspect="1" noChangeArrowheads="1"/>
-          </p:cNvPicPr>
-          <p:nvPr>
-            <p:custDataLst>
-              <p:custData r:id="rId1"/>
-            </p:custDataLst>
-          </p:nvPr>
-        </p:nvPicPr>
-        <p:blipFill rotWithShape="1">
-          <a:blip r:embed="rId7" cstate="print">
-            <a:extLst>
-              <a:ext uri="{28A0092B-C50C-407E-A947-70E740481C1C}">
-                <a14:useLocalDpi xmlns:a14="http://schemas.microsoft.com/office/drawing/2010/main" val="0"/>
-              </a:ext>
-            </a:extLst>
-          </a:blip>
-          <a:srcRect l="1" t="31579" r="35741"/>
-          <a:stretch/>
-        </p:blipFill>
-        <p:spPr bwMode="auto">
-          <a:xfrm>
-            <a:off x="1187623" y="2765171"/>
-            <a:ext cx="397989" cy="314521"/>
-          </a:xfrm>
-          <a:prstGeom prst="rect">
-            <a:avLst/>
-          </a:prstGeom>
-          <a:noFill/>
-          <a:extLst>
-            <a:ext uri="{909E8E84-426E-40DD-AFC4-6F175D3DCCD1}">
-              <a14:hiddenFill xmlns:a14="http://schemas.microsoft.com/office/drawing/2010/main">
-                <a:solidFill>
-                  <a:srgbClr val="FFFFFF"/>
-                </a:solidFill>
-              </a14:hiddenFill>
-            </a:ext>
-          </a:extLst>
-        </p:spPr>
-      </p:pic>
-      <p:pic>
-        <p:nvPicPr>
-          <p:cNvPr id="11" name="Picture 2" descr="C:\Users\t-dantay\Documents\First24\folder1.png">
-            <a:extLst>
-              <a:ext uri="{FF2B5EF4-FFF2-40B4-BE49-F238E27FC236}">
-                <a16:creationId xmlns:a16="http://schemas.microsoft.com/office/drawing/2014/main" id="{857A5A83-55AE-4750-ACB4-1A51D700D532}"/>
-              </a:ext>
-            </a:extLst>
-          </p:cNvPr>
-          <p:cNvPicPr>
-            <a:picLocks noChangeAspect="1" noChangeArrowheads="1"/>
-          </p:cNvPicPr>
-          <p:nvPr>
-            <p:custDataLst>
-              <p:custData r:id="rId2"/>
-            </p:custDataLst>
-          </p:nvPr>
-        </p:nvPicPr>
-        <p:blipFill rotWithShape="1">
-          <a:blip r:embed="rId7" cstate="print">
-            <a:extLst>
-              <a:ext uri="{28A0092B-C50C-407E-A947-70E740481C1C}">
-                <a14:useLocalDpi xmlns:a14="http://schemas.microsoft.com/office/drawing/2010/main" val="0"/>
-              </a:ext>
-            </a:extLst>
-          </a:blip>
-          <a:srcRect l="1" t="31579" r="35741"/>
-          <a:stretch/>
-        </p:blipFill>
-        <p:spPr bwMode="auto">
-          <a:xfrm>
-            <a:off x="1585612" y="3271739"/>
-            <a:ext cx="397989" cy="314521"/>
-          </a:xfrm>
-          <a:prstGeom prst="rect">
-            <a:avLst/>
-          </a:prstGeom>
-          <a:noFill/>
-          <a:extLst>
-            <a:ext uri="{909E8E84-426E-40DD-AFC4-6F175D3DCCD1}">
-              <a14:hiddenFill xmlns:a14="http://schemas.microsoft.com/office/drawing/2010/main">
-                <a:solidFill>
-                  <a:srgbClr val="FFFFFF"/>
-                </a:solidFill>
-              </a14:hiddenFill>
-            </a:ext>
-          </a:extLst>
-        </p:spPr>
-      </p:pic>
-      <p:pic>
-        <p:nvPicPr>
-          <p:cNvPr id="13" name="Picture 2" descr="C:\Users\t-dantay\Documents\Placeholders\file.png">
-            <a:extLst>
-              <a:ext uri="{FF2B5EF4-FFF2-40B4-BE49-F238E27FC236}">
-                <a16:creationId xmlns:a16="http://schemas.microsoft.com/office/drawing/2014/main" id="{7E30B474-E308-4942-9AB5-0418C1A65BF5}"/>
-              </a:ext>
-            </a:extLst>
-          </p:cNvPr>
-          <p:cNvPicPr>
-            <a:picLocks noChangeAspect="1" noChangeArrowheads="1"/>
-          </p:cNvPicPr>
-          <p:nvPr>
-            <p:custDataLst>
-              <p:custData r:id="rId3"/>
-            </p:custDataLst>
-          </p:nvPr>
-        </p:nvPicPr>
-        <p:blipFill>
-          <a:blip r:embed="rId8" cstate="print">
-            <a:extLst>
-              <a:ext uri="{28A0092B-C50C-407E-A947-70E740481C1C}">
-                <a14:useLocalDpi xmlns:a14="http://schemas.microsoft.com/office/drawing/2010/main" val="0"/>
-              </a:ext>
-            </a:extLst>
-          </a:blip>
-          <a:srcRect/>
-          <a:stretch>
-            <a:fillRect/>
-          </a:stretch>
-        </p:blipFill>
-        <p:spPr bwMode="auto">
-          <a:xfrm>
-            <a:off x="1835732" y="3738984"/>
-            <a:ext cx="295738" cy="404328"/>
-          </a:xfrm>
-          <a:prstGeom prst="rect">
-            <a:avLst/>
-          </a:prstGeom>
-          <a:noFill/>
-          <a:extLst>
-            <a:ext uri="{909E8E84-426E-40DD-AFC4-6F175D3DCCD1}">
-              <a14:hiddenFill xmlns:a14="http://schemas.microsoft.com/office/drawing/2010/main">
-                <a:solidFill>
-                  <a:srgbClr val="FFFFFF"/>
-                </a:solidFill>
-              </a14:hiddenFill>
-            </a:ext>
-          </a:extLst>
-        </p:spPr>
-      </p:pic>
-      <p:sp>
-        <p:nvSpPr>
-          <p:cNvPr id="4" name="ZoneTexte 3">
-            <a:extLst>
-              <a:ext uri="{FF2B5EF4-FFF2-40B4-BE49-F238E27FC236}">
-                <a16:creationId xmlns:a16="http://schemas.microsoft.com/office/drawing/2014/main" id="{933DF5FB-92FB-431C-A4AC-70FED2FE7229}"/>
-              </a:ext>
-            </a:extLst>
-          </p:cNvPr>
-          <p:cNvSpPr txBox="1"/>
-          <p:nvPr/>
-        </p:nvSpPr>
-        <p:spPr>
-          <a:xfrm>
-            <a:off x="1585612" y="2749683"/>
-            <a:ext cx="2479333" cy="369332"/>
-          </a:xfrm>
-          <a:prstGeom prst="rect">
-            <a:avLst/>
-          </a:prstGeom>
-          <a:noFill/>
-        </p:spPr>
-        <p:txBody>
-          <a:bodyPr wrap="none" rtlCol="0">
-            <a:spAutoFit/>
-          </a:bodyPr>
-          <a:lstStyle/>
-          <a:p>
-            <a:r>
-              <a:rPr lang="fr-FR" dirty="0"/>
-              <a:t>Modules PowerShell</a:t>
-            </a:r>
-          </a:p>
-        </p:txBody>
-      </p:sp>
-      <p:sp>
-        <p:nvSpPr>
-          <p:cNvPr id="15" name="ZoneTexte 14">
-            <a:extLst>
-              <a:ext uri="{FF2B5EF4-FFF2-40B4-BE49-F238E27FC236}">
-                <a16:creationId xmlns:a16="http://schemas.microsoft.com/office/drawing/2014/main" id="{F2C03782-566C-4BF8-8A99-53DA6AEF3163}"/>
-              </a:ext>
-            </a:extLst>
-          </p:cNvPr>
-          <p:cNvSpPr txBox="1"/>
-          <p:nvPr/>
-        </p:nvSpPr>
-        <p:spPr>
-          <a:xfrm>
-            <a:off x="1995735" y="3238896"/>
-            <a:ext cx="2185214" cy="369332"/>
-          </a:xfrm>
-          <a:prstGeom prst="rect">
-            <a:avLst/>
-          </a:prstGeom>
-          <a:noFill/>
-        </p:spPr>
-        <p:txBody>
-          <a:bodyPr wrap="none" rtlCol="0">
-            <a:spAutoFit/>
-          </a:bodyPr>
-          <a:lstStyle/>
-          <a:p>
-            <a:r>
-              <a:rPr lang="fr-FR" dirty="0"/>
-              <a:t>Modules Module1</a:t>
-            </a:r>
-          </a:p>
-        </p:txBody>
-      </p:sp>
-      <p:sp>
-        <p:nvSpPr>
-          <p:cNvPr id="16" name="ZoneTexte 15">
-            <a:extLst>
-              <a:ext uri="{FF2B5EF4-FFF2-40B4-BE49-F238E27FC236}">
-                <a16:creationId xmlns:a16="http://schemas.microsoft.com/office/drawing/2014/main" id="{A7150CEA-5201-40C0-BFBF-5CF6A07E76C7}"/>
-              </a:ext>
-            </a:extLst>
-          </p:cNvPr>
-          <p:cNvSpPr txBox="1"/>
-          <p:nvPr/>
-        </p:nvSpPr>
-        <p:spPr>
-          <a:xfrm>
-            <a:off x="2131470" y="3789765"/>
-            <a:ext cx="2465740" cy="369332"/>
-          </a:xfrm>
-          <a:prstGeom prst="rect">
-            <a:avLst/>
-          </a:prstGeom>
-          <a:noFill/>
-        </p:spPr>
-        <p:txBody>
-          <a:bodyPr wrap="none" rtlCol="0">
-            <a:spAutoFit/>
-          </a:bodyPr>
-          <a:lstStyle/>
-          <a:p>
-            <a:r>
-              <a:rPr lang="fr-FR" dirty="0" err="1"/>
-              <a:t>Cmdlet</a:t>
-            </a:r>
-            <a:r>
-              <a:rPr lang="fr-FR" dirty="0"/>
-              <a:t> Module1.txt</a:t>
-            </a:r>
-          </a:p>
-        </p:txBody>
-      </p:sp>
-      <p:pic>
-        <p:nvPicPr>
-          <p:cNvPr id="17" name="Picture 2" descr="C:\Users\t-dantay\Documents\First24\folder1.png">
-            <a:extLst>
-              <a:ext uri="{FF2B5EF4-FFF2-40B4-BE49-F238E27FC236}">
-                <a16:creationId xmlns:a16="http://schemas.microsoft.com/office/drawing/2014/main" id="{EE54F76B-F7FD-4C80-B3A0-AC3ADA06CA2D}"/>
-              </a:ext>
-            </a:extLst>
-          </p:cNvPr>
-          <p:cNvPicPr>
-            <a:picLocks noChangeAspect="1" noChangeArrowheads="1"/>
-          </p:cNvPicPr>
-          <p:nvPr>
-            <p:custDataLst>
-              <p:custData r:id="rId4"/>
-            </p:custDataLst>
-          </p:nvPr>
-        </p:nvPicPr>
-        <p:blipFill rotWithShape="1">
-          <a:blip r:embed="rId7" cstate="print">
-            <a:extLst>
-              <a:ext uri="{28A0092B-C50C-407E-A947-70E740481C1C}">
-                <a14:useLocalDpi xmlns:a14="http://schemas.microsoft.com/office/drawing/2010/main" val="0"/>
-              </a:ext>
-            </a:extLst>
-          </a:blip>
-          <a:srcRect l="1" t="31579" r="35741"/>
-          <a:stretch/>
-        </p:blipFill>
-        <p:spPr bwMode="auto">
-          <a:xfrm>
-            <a:off x="1585612" y="4302169"/>
-            <a:ext cx="397989" cy="314521"/>
-          </a:xfrm>
-          <a:prstGeom prst="rect">
-            <a:avLst/>
-          </a:prstGeom>
-          <a:noFill/>
-          <a:extLst>
-            <a:ext uri="{909E8E84-426E-40DD-AFC4-6F175D3DCCD1}">
-              <a14:hiddenFill xmlns:a14="http://schemas.microsoft.com/office/drawing/2010/main">
-                <a:solidFill>
-                  <a:srgbClr val="FFFFFF"/>
-                </a:solidFill>
-              </a14:hiddenFill>
-            </a:ext>
-          </a:extLst>
-        </p:spPr>
-      </p:pic>
-      <p:pic>
-        <p:nvPicPr>
-          <p:cNvPr id="18" name="Picture 2" descr="C:\Users\t-dantay\Documents\Placeholders\file.png">
-            <a:extLst>
-              <a:ext uri="{FF2B5EF4-FFF2-40B4-BE49-F238E27FC236}">
-                <a16:creationId xmlns:a16="http://schemas.microsoft.com/office/drawing/2014/main" id="{502044D4-37FF-49C6-A5C1-C1BD69F2D5E3}"/>
-              </a:ext>
-            </a:extLst>
-          </p:cNvPr>
-          <p:cNvPicPr>
-            <a:picLocks noChangeAspect="1" noChangeArrowheads="1"/>
-          </p:cNvPicPr>
-          <p:nvPr>
-            <p:custDataLst>
-              <p:custData r:id="rId5"/>
-            </p:custDataLst>
-          </p:nvPr>
-        </p:nvPicPr>
-        <p:blipFill>
-          <a:blip r:embed="rId8" cstate="print">
-            <a:extLst>
-              <a:ext uri="{28A0092B-C50C-407E-A947-70E740481C1C}">
-                <a14:useLocalDpi xmlns:a14="http://schemas.microsoft.com/office/drawing/2010/main" val="0"/>
-              </a:ext>
-            </a:extLst>
-          </a:blip>
-          <a:srcRect/>
-          <a:stretch>
-            <a:fillRect/>
-          </a:stretch>
-        </p:blipFill>
-        <p:spPr bwMode="auto">
-          <a:xfrm>
-            <a:off x="1835732" y="4769414"/>
-            <a:ext cx="295738" cy="404328"/>
-          </a:xfrm>
-          <a:prstGeom prst="rect">
-            <a:avLst/>
-          </a:prstGeom>
-          <a:noFill/>
-          <a:extLst>
-            <a:ext uri="{909E8E84-426E-40DD-AFC4-6F175D3DCCD1}">
-              <a14:hiddenFill xmlns:a14="http://schemas.microsoft.com/office/drawing/2010/main">
-                <a:solidFill>
-                  <a:srgbClr val="FFFFFF"/>
-                </a:solidFill>
-              </a14:hiddenFill>
-            </a:ext>
-          </a:extLst>
-        </p:spPr>
-      </p:pic>
-      <p:sp>
-        <p:nvSpPr>
-          <p:cNvPr id="19" name="ZoneTexte 18">
-            <a:extLst>
-              <a:ext uri="{FF2B5EF4-FFF2-40B4-BE49-F238E27FC236}">
-                <a16:creationId xmlns:a16="http://schemas.microsoft.com/office/drawing/2014/main" id="{0E8C5962-7D20-4ECA-887C-A81CD54A9EAC}"/>
-              </a:ext>
-            </a:extLst>
-          </p:cNvPr>
-          <p:cNvSpPr txBox="1"/>
-          <p:nvPr/>
-        </p:nvSpPr>
-        <p:spPr>
-          <a:xfrm>
-            <a:off x="1995735" y="4269326"/>
-            <a:ext cx="2185214" cy="369332"/>
-          </a:xfrm>
-          <a:prstGeom prst="rect">
-            <a:avLst/>
-          </a:prstGeom>
-          <a:noFill/>
-        </p:spPr>
-        <p:txBody>
-          <a:bodyPr wrap="none" rtlCol="0">
-            <a:spAutoFit/>
-          </a:bodyPr>
-          <a:lstStyle/>
-          <a:p>
-            <a:r>
-              <a:rPr lang="fr-FR" dirty="0"/>
-              <a:t>Modules Module2</a:t>
-            </a:r>
-          </a:p>
-        </p:txBody>
-      </p:sp>
-      <p:sp>
-        <p:nvSpPr>
-          <p:cNvPr id="20" name="ZoneTexte 19">
-            <a:extLst>
-              <a:ext uri="{FF2B5EF4-FFF2-40B4-BE49-F238E27FC236}">
-                <a16:creationId xmlns:a16="http://schemas.microsoft.com/office/drawing/2014/main" id="{AF0DF999-FCAD-4008-979F-68C4677C7B90}"/>
-              </a:ext>
-            </a:extLst>
-          </p:cNvPr>
-          <p:cNvSpPr txBox="1"/>
-          <p:nvPr/>
-        </p:nvSpPr>
-        <p:spPr>
-          <a:xfrm>
-            <a:off x="2131470" y="4820195"/>
-            <a:ext cx="2465740" cy="369332"/>
-          </a:xfrm>
-          <a:prstGeom prst="rect">
-            <a:avLst/>
-          </a:prstGeom>
-          <a:noFill/>
-        </p:spPr>
-        <p:txBody>
-          <a:bodyPr wrap="none" rtlCol="0">
-            <a:spAutoFit/>
-          </a:bodyPr>
-          <a:lstStyle/>
-          <a:p>
-            <a:r>
-              <a:rPr lang="fr-FR" dirty="0" err="1"/>
-              <a:t>Cmdlet</a:t>
-            </a:r>
-            <a:r>
-              <a:rPr lang="fr-FR" dirty="0"/>
-              <a:t> Module2.txt</a:t>
-            </a:r>
-          </a:p>
-        </p:txBody>
-      </p:sp>
-      <p:sp>
-        <p:nvSpPr>
-          <p:cNvPr id="22" name="Titre 1">
-            <a:extLst>
-              <a:ext uri="{FF2B5EF4-FFF2-40B4-BE49-F238E27FC236}">
-                <a16:creationId xmlns:a16="http://schemas.microsoft.com/office/drawing/2014/main" id="{19876216-AC32-47C4-9A40-B0442DC18532}"/>
-              </a:ext>
-            </a:extLst>
-          </p:cNvPr>
-          <p:cNvSpPr txBox="1">
-            <a:spLocks/>
-          </p:cNvSpPr>
-          <p:nvPr/>
-        </p:nvSpPr>
-        <p:spPr bwMode="auto">
-          <a:xfrm>
-            <a:off x="418144" y="128569"/>
-            <a:ext cx="7773988" cy="740664"/>
-          </a:xfrm>
-          <a:prstGeom prst="rect">
-            <a:avLst/>
-          </a:prstGeom>
-          <a:noFill/>
-          <a:ln w="9525">
-            <a:noFill/>
-            <a:miter lim="800000"/>
-            <a:headEnd/>
-            <a:tailEnd/>
-          </a:ln>
-        </p:spPr>
-        <p:txBody>
-          <a:bodyPr vert="horz" wrap="square" lIns="0" tIns="45720" rIns="91440" bIns="45720" numCol="1" anchor="t" anchorCtr="0" compatLnSpc="1">
-            <a:prstTxWarp prst="textNoShape">
-              <a:avLst/>
-            </a:prstTxWarp>
-          </a:bodyPr>
-          <a:lstStyle>
-            <a:lvl1pPr algn="l" rtl="0" eaLnBrk="1" fontAlgn="base" hangingPunct="1">
-              <a:lnSpc>
-                <a:spcPct val="85000"/>
-              </a:lnSpc>
-              <a:spcBef>
-                <a:spcPct val="0"/>
-              </a:spcBef>
-              <a:spcAft>
-                <a:spcPct val="0"/>
-              </a:spcAft>
-              <a:buClr>
-                <a:srgbClr val="DC0081"/>
-              </a:buClr>
-              <a:buFont typeface="Wingdings" pitchFamily="2" charset="2"/>
-              <a:defRPr sz="4000" b="1" cap="all">
-                <a:solidFill>
-                  <a:schemeClr val="bg1"/>
-                </a:solidFill>
-                <a:latin typeface="Segoe UI" pitchFamily="34" charset="0"/>
-                <a:ea typeface="Segoe UI" pitchFamily="34" charset="0"/>
-                <a:cs typeface="Segoe UI" pitchFamily="34" charset="0"/>
-              </a:defRPr>
-            </a:lvl1pPr>
-            <a:lvl2pPr algn="l" rtl="0" eaLnBrk="1" fontAlgn="base" hangingPunct="1">
-              <a:lnSpc>
-                <a:spcPct val="85000"/>
-              </a:lnSpc>
-              <a:spcBef>
-                <a:spcPct val="0"/>
-              </a:spcBef>
-              <a:spcAft>
-                <a:spcPct val="0"/>
-              </a:spcAft>
-              <a:buClr>
-                <a:srgbClr val="DC0081"/>
-              </a:buClr>
-              <a:buFont typeface="Wingdings" pitchFamily="2" charset="2"/>
-              <a:defRPr sz="2400">
-                <a:solidFill>
-                  <a:schemeClr val="tx1"/>
-                </a:solidFill>
-                <a:latin typeface="Verdana" pitchFamily="34" charset="0"/>
-              </a:defRPr>
-            </a:lvl2pPr>
-            <a:lvl3pPr algn="l" rtl="0" eaLnBrk="1" fontAlgn="base" hangingPunct="1">
-              <a:lnSpc>
-                <a:spcPct val="85000"/>
-              </a:lnSpc>
-              <a:spcBef>
-                <a:spcPct val="0"/>
-              </a:spcBef>
-              <a:spcAft>
-                <a:spcPct val="0"/>
-              </a:spcAft>
-              <a:buClr>
-                <a:srgbClr val="DC0081"/>
-              </a:buClr>
-              <a:buFont typeface="Wingdings" pitchFamily="2" charset="2"/>
-              <a:defRPr sz="2400">
-                <a:solidFill>
-                  <a:schemeClr val="tx1"/>
-                </a:solidFill>
-                <a:latin typeface="Verdana" pitchFamily="34" charset="0"/>
-              </a:defRPr>
-            </a:lvl3pPr>
-            <a:lvl4pPr algn="l" rtl="0" eaLnBrk="1" fontAlgn="base" hangingPunct="1">
-              <a:lnSpc>
-                <a:spcPct val="85000"/>
-              </a:lnSpc>
-              <a:spcBef>
-                <a:spcPct val="0"/>
-              </a:spcBef>
-              <a:spcAft>
-                <a:spcPct val="0"/>
-              </a:spcAft>
-              <a:buClr>
-                <a:srgbClr val="DC0081"/>
-              </a:buClr>
-              <a:buFont typeface="Wingdings" pitchFamily="2" charset="2"/>
-              <a:defRPr sz="2400">
-                <a:solidFill>
-                  <a:schemeClr val="tx1"/>
-                </a:solidFill>
-                <a:latin typeface="Verdana" pitchFamily="34" charset="0"/>
-              </a:defRPr>
-            </a:lvl4pPr>
-            <a:lvl5pPr algn="l" rtl="0" eaLnBrk="1" fontAlgn="base" hangingPunct="1">
-              <a:lnSpc>
-                <a:spcPct val="85000"/>
-              </a:lnSpc>
-              <a:spcBef>
-                <a:spcPct val="0"/>
-              </a:spcBef>
-              <a:spcAft>
-                <a:spcPct val="0"/>
-              </a:spcAft>
-              <a:buClr>
-                <a:srgbClr val="DC0081"/>
-              </a:buClr>
-              <a:buFont typeface="Wingdings" pitchFamily="2" charset="2"/>
-              <a:defRPr sz="2400">
-                <a:solidFill>
-                  <a:schemeClr val="tx1"/>
-                </a:solidFill>
-                <a:latin typeface="Verdana" pitchFamily="34" charset="0"/>
-              </a:defRPr>
-            </a:lvl5pPr>
-            <a:lvl6pPr marL="457200" algn="l" rtl="0" eaLnBrk="1" fontAlgn="base" hangingPunct="1">
-              <a:lnSpc>
-                <a:spcPct val="85000"/>
-              </a:lnSpc>
-              <a:spcBef>
-                <a:spcPct val="0"/>
-              </a:spcBef>
-              <a:spcAft>
-                <a:spcPct val="0"/>
-              </a:spcAft>
-              <a:buClr>
-                <a:srgbClr val="DC0081"/>
-              </a:buClr>
-              <a:buFont typeface="Wingdings" pitchFamily="2" charset="2"/>
-              <a:defRPr sz="2400">
-                <a:solidFill>
-                  <a:schemeClr val="tx1"/>
-                </a:solidFill>
-                <a:latin typeface="Verdana" pitchFamily="34" charset="0"/>
-              </a:defRPr>
-            </a:lvl6pPr>
-            <a:lvl7pPr marL="914400" algn="l" rtl="0" eaLnBrk="1" fontAlgn="base" hangingPunct="1">
-              <a:lnSpc>
-                <a:spcPct val="85000"/>
-              </a:lnSpc>
-              <a:spcBef>
-                <a:spcPct val="0"/>
-              </a:spcBef>
-              <a:spcAft>
-                <a:spcPct val="0"/>
-              </a:spcAft>
-              <a:buClr>
-                <a:srgbClr val="DC0081"/>
-              </a:buClr>
-              <a:buFont typeface="Wingdings" pitchFamily="2" charset="2"/>
-              <a:defRPr sz="2400">
-                <a:solidFill>
-                  <a:schemeClr val="tx1"/>
-                </a:solidFill>
-                <a:latin typeface="Verdana" pitchFamily="34" charset="0"/>
-              </a:defRPr>
-            </a:lvl7pPr>
-            <a:lvl8pPr marL="1371600" algn="l" rtl="0" eaLnBrk="1" fontAlgn="base" hangingPunct="1">
-              <a:lnSpc>
-                <a:spcPct val="85000"/>
-              </a:lnSpc>
-              <a:spcBef>
-                <a:spcPct val="0"/>
-              </a:spcBef>
-              <a:spcAft>
-                <a:spcPct val="0"/>
-              </a:spcAft>
-              <a:buClr>
-                <a:srgbClr val="DC0081"/>
-              </a:buClr>
-              <a:buFont typeface="Wingdings" pitchFamily="2" charset="2"/>
-              <a:defRPr sz="2400">
-                <a:solidFill>
-                  <a:schemeClr val="tx1"/>
-                </a:solidFill>
-                <a:latin typeface="Verdana" pitchFamily="34" charset="0"/>
-              </a:defRPr>
-            </a:lvl8pPr>
-            <a:lvl9pPr marL="1828800" algn="l" rtl="0" eaLnBrk="1" fontAlgn="base" hangingPunct="1">
-              <a:lnSpc>
-                <a:spcPct val="85000"/>
-              </a:lnSpc>
-              <a:spcBef>
-                <a:spcPct val="0"/>
-              </a:spcBef>
-              <a:spcAft>
-                <a:spcPct val="0"/>
-              </a:spcAft>
-              <a:buClr>
-                <a:srgbClr val="DC0081"/>
-              </a:buClr>
-              <a:buFont typeface="Wingdings" pitchFamily="2" charset="2"/>
-              <a:defRPr sz="2400">
-                <a:solidFill>
-                  <a:schemeClr val="tx1"/>
-                </a:solidFill>
-                <a:latin typeface="Verdana" pitchFamily="34" charset="0"/>
-              </a:defRPr>
-            </a:lvl9pPr>
-          </a:lstStyle>
-          <a:p>
-            <a:r>
-              <a:rPr lang="fr-FR" sz="2800" kern="0">
-                <a:latin typeface="Lucida Console" panose="020B0609040504020204" pitchFamily="49" charset="0"/>
-              </a:rPr>
-              <a:t>Atelier N°2 - Exercices</a:t>
-            </a:r>
-            <a:endParaRPr lang="fr-FR" sz="2800" kern="0" dirty="0">
-              <a:latin typeface="Lucida Console" panose="020B0609040504020204" pitchFamily="49" charset="0"/>
-            </a:endParaRPr>
-          </a:p>
-        </p:txBody>
-      </p:sp>
-    </p:spTree>
-    <p:extLst>
-      <p:ext uri="{BB962C8B-B14F-4D97-AF65-F5344CB8AC3E}">
-        <p14:creationId xmlns:p14="http://schemas.microsoft.com/office/powerpoint/2010/main" val="3345408410"/>
       </p:ext>
     </p:extLst>
   </p:cSld>
@@ -14036,7 +13408,7 @@
           <a:p>
             <a:r>
               <a:rPr lang="fr-FR" dirty="0"/>
-              <a:t>Sommaire</a:t>
+              <a:t>Informations</a:t>
             </a:r>
           </a:p>
         </p:txBody>
@@ -14064,51 +13436,639 @@
           <a:p>
             <a:r>
               <a:rPr lang="fr-FR" dirty="0"/>
-              <a:t>Introduction à PowerShell</a:t>
-            </a:r>
-          </a:p>
-          <a:p>
+              <a:t>Ensembles des fichiers à récupérer</a:t>
+            </a:r>
+          </a:p>
+          <a:p>
+            <a:pPr lvl="1"/>
             <a:r>
               <a:rPr lang="fr-FR" dirty="0"/>
-              <a:t>Atelier N°1 : Configuration de Base</a:t>
-            </a:r>
-          </a:p>
-          <a:p>
-            <a:r>
-              <a:rPr lang="fr-FR" dirty="0"/>
-              <a:t>Atelier N°2 : Active Directory – DNS –DHCP</a:t>
-            </a:r>
-          </a:p>
-          <a:p>
-            <a:r>
-              <a:rPr lang="fr-FR" dirty="0"/>
-              <a:t>Atelier N°3 : Windows PowerShell et VMware</a:t>
-            </a:r>
-          </a:p>
-          <a:p>
-            <a:r>
-              <a:rPr lang="fr-FR" dirty="0"/>
-              <a:t>Atelier N°4 : Introduction WPF XAML</a:t>
-            </a:r>
-          </a:p>
-          <a:p>
-            <a:r>
-              <a:rPr lang="fr-FR" dirty="0"/>
-              <a:t>Questions échanges</a:t>
-            </a:r>
+              <a:t>Git clone https://github.com/JM2K69/Formation.git</a:t>
+            </a:r>
+          </a:p>
+        </p:txBody>
+      </p:sp>
+      <p:pic>
+        <p:nvPicPr>
+          <p:cNvPr id="4" name="Image 3">
+            <a:extLst>
+              <a:ext uri="{FF2B5EF4-FFF2-40B4-BE49-F238E27FC236}">
+                <a16:creationId xmlns:a16="http://schemas.microsoft.com/office/drawing/2014/main" id="{136A49E8-1891-4384-A85B-E8D58C3046CE}"/>
+              </a:ext>
+            </a:extLst>
+          </p:cNvPr>
+          <p:cNvPicPr>
+            <a:picLocks noChangeAspect="1"/>
+          </p:cNvPicPr>
+          <p:nvPr/>
+        </p:nvPicPr>
+        <p:blipFill>
+          <a:blip r:embed="rId2"/>
+          <a:stretch>
+            <a:fillRect/>
+          </a:stretch>
+        </p:blipFill>
+        <p:spPr>
+          <a:xfrm>
+            <a:off x="1259632" y="1993443"/>
+            <a:ext cx="2952328" cy="4811727"/>
+          </a:xfrm>
+          <a:prstGeom prst="rect">
+            <a:avLst/>
+          </a:prstGeom>
+        </p:spPr>
+      </p:pic>
+      <p:sp>
+        <p:nvSpPr>
+          <p:cNvPr id="6" name="Flèche : droite 5">
+            <a:extLst>
+              <a:ext uri="{FF2B5EF4-FFF2-40B4-BE49-F238E27FC236}">
+                <a16:creationId xmlns:a16="http://schemas.microsoft.com/office/drawing/2014/main" id="{B76ACD05-37E6-41EB-B3D8-7C2FDAC79950}"/>
+              </a:ext>
+            </a:extLst>
+          </p:cNvPr>
+          <p:cNvSpPr/>
+          <p:nvPr/>
+        </p:nvSpPr>
+        <p:spPr bwMode="auto">
+          <a:xfrm rot="10800000">
+            <a:off x="3572644" y="2348880"/>
+            <a:ext cx="999356" cy="360040"/>
+          </a:xfrm>
+          <a:prstGeom prst="rightArrow">
+            <a:avLst/>
+          </a:prstGeom>
+          <a:solidFill>
+            <a:srgbClr val="0070C0">
+              <a:alpha val="79000"/>
+            </a:srgbClr>
+          </a:solidFill>
+          <a:ln w="9525" cap="flat" cmpd="sng" algn="ctr">
+            <a:noFill/>
+            <a:prstDash val="solid"/>
+            <a:round/>
+            <a:headEnd type="none" w="med" len="med"/>
+            <a:tailEnd type="none" w="med" len="med"/>
+          </a:ln>
+          <a:effectLst>
+            <a:outerShdw dist="35921" dir="2700000" algn="ctr" rotWithShape="0">
+              <a:srgbClr val="AFAFAF"/>
+            </a:outerShdw>
+          </a:effectLst>
+        </p:spPr>
+        <p:txBody>
+          <a:bodyPr vert="horz" wrap="square" lIns="182880" tIns="45720" rIns="182880" bIns="45720" numCol="1" rtlCol="0" anchor="ctr" anchorCtr="0" compatLnSpc="1">
+            <a:prstTxWarp prst="textNoShape">
+              <a:avLst/>
+            </a:prstTxWarp>
+          </a:bodyPr>
+          <a:lstStyle/>
+          <a:p>
+            <a:pPr marL="0" marR="0" indent="0" algn="ctr" defTabSz="914400" rtl="0" eaLnBrk="0" fontAlgn="base" latinLnBrk="0" hangingPunct="0">
+              <a:lnSpc>
+                <a:spcPct val="100000"/>
+              </a:lnSpc>
+              <a:spcBef>
+                <a:spcPct val="0"/>
+              </a:spcBef>
+              <a:spcAft>
+                <a:spcPct val="0"/>
+              </a:spcAft>
+              <a:buClrTx/>
+              <a:buSzTx/>
+              <a:buFontTx/>
+              <a:buNone/>
+              <a:tabLst/>
+            </a:pPr>
+            <a:endParaRPr kumimoji="0" lang="fr-FR" sz="1800" b="1" i="0" u="none" strike="noStrike" cap="none" normalizeH="0" baseline="0">
+              <a:ln>
+                <a:noFill/>
+              </a:ln>
+              <a:solidFill>
+                <a:schemeClr val="tx1"/>
+              </a:solidFill>
+              <a:effectLst/>
+              <a:latin typeface="Verdana" pitchFamily="34" charset="0"/>
+            </a:endParaRPr>
+          </a:p>
+        </p:txBody>
+      </p:sp>
+      <p:sp>
+        <p:nvSpPr>
+          <p:cNvPr id="7" name="Flèche : droite 6">
+            <a:extLst>
+              <a:ext uri="{FF2B5EF4-FFF2-40B4-BE49-F238E27FC236}">
+                <a16:creationId xmlns:a16="http://schemas.microsoft.com/office/drawing/2014/main" id="{48B0ABE4-5AF6-4A37-9213-33087F4A4073}"/>
+              </a:ext>
+            </a:extLst>
+          </p:cNvPr>
+          <p:cNvSpPr/>
+          <p:nvPr/>
+        </p:nvSpPr>
+        <p:spPr bwMode="auto">
+          <a:xfrm rot="10800000">
+            <a:off x="3572644" y="2708921"/>
+            <a:ext cx="999356" cy="360040"/>
+          </a:xfrm>
+          <a:prstGeom prst="rightArrow">
+            <a:avLst/>
+          </a:prstGeom>
+          <a:solidFill>
+            <a:srgbClr val="0070C0">
+              <a:alpha val="79000"/>
+            </a:srgbClr>
+          </a:solidFill>
+          <a:ln w="9525" cap="flat" cmpd="sng" algn="ctr">
+            <a:noFill/>
+            <a:prstDash val="solid"/>
+            <a:round/>
+            <a:headEnd type="none" w="med" len="med"/>
+            <a:tailEnd type="none" w="med" len="med"/>
+          </a:ln>
+          <a:effectLst>
+            <a:outerShdw dist="35921" dir="2700000" algn="ctr" rotWithShape="0">
+              <a:srgbClr val="AFAFAF"/>
+            </a:outerShdw>
+          </a:effectLst>
+        </p:spPr>
+        <p:txBody>
+          <a:bodyPr vert="horz" wrap="square" lIns="182880" tIns="45720" rIns="182880" bIns="45720" numCol="1" rtlCol="0" anchor="ctr" anchorCtr="0" compatLnSpc="1">
+            <a:prstTxWarp prst="textNoShape">
+              <a:avLst/>
+            </a:prstTxWarp>
+          </a:bodyPr>
+          <a:lstStyle/>
+          <a:p>
+            <a:pPr marL="0" marR="0" indent="0" algn="ctr" defTabSz="914400" rtl="0" eaLnBrk="0" fontAlgn="base" latinLnBrk="0" hangingPunct="0">
+              <a:lnSpc>
+                <a:spcPct val="100000"/>
+              </a:lnSpc>
+              <a:spcBef>
+                <a:spcPct val="0"/>
+              </a:spcBef>
+              <a:spcAft>
+                <a:spcPct val="0"/>
+              </a:spcAft>
+              <a:buClrTx/>
+              <a:buSzTx/>
+              <a:buFontTx/>
+              <a:buNone/>
+              <a:tabLst/>
+            </a:pPr>
+            <a:endParaRPr kumimoji="0" lang="fr-FR" sz="1800" b="1" i="0" u="none" strike="noStrike" cap="none" normalizeH="0" baseline="0">
+              <a:ln>
+                <a:noFill/>
+              </a:ln>
+              <a:solidFill>
+                <a:schemeClr val="tx1"/>
+              </a:solidFill>
+              <a:effectLst/>
+              <a:latin typeface="Verdana" pitchFamily="34" charset="0"/>
+            </a:endParaRPr>
+          </a:p>
+        </p:txBody>
+      </p:sp>
+      <p:sp>
+        <p:nvSpPr>
+          <p:cNvPr id="8" name="Flèche : droite 7">
+            <a:extLst>
+              <a:ext uri="{FF2B5EF4-FFF2-40B4-BE49-F238E27FC236}">
+                <a16:creationId xmlns:a16="http://schemas.microsoft.com/office/drawing/2014/main" id="{4AE21627-27D5-4BD1-9D0F-744FB27960AE}"/>
+              </a:ext>
+            </a:extLst>
+          </p:cNvPr>
+          <p:cNvSpPr/>
+          <p:nvPr/>
+        </p:nvSpPr>
+        <p:spPr bwMode="auto">
+          <a:xfrm rot="10800000">
+            <a:off x="3572644" y="4391851"/>
+            <a:ext cx="999356" cy="360040"/>
+          </a:xfrm>
+          <a:prstGeom prst="rightArrow">
+            <a:avLst/>
+          </a:prstGeom>
+          <a:solidFill>
+            <a:srgbClr val="0070C0">
+              <a:alpha val="79000"/>
+            </a:srgbClr>
+          </a:solidFill>
+          <a:ln w="9525" cap="flat" cmpd="sng" algn="ctr">
+            <a:noFill/>
+            <a:prstDash val="solid"/>
+            <a:round/>
+            <a:headEnd type="none" w="med" len="med"/>
+            <a:tailEnd type="none" w="med" len="med"/>
+          </a:ln>
+          <a:effectLst>
+            <a:outerShdw dist="35921" dir="2700000" algn="ctr" rotWithShape="0">
+              <a:srgbClr val="AFAFAF"/>
+            </a:outerShdw>
+          </a:effectLst>
+        </p:spPr>
+        <p:txBody>
+          <a:bodyPr vert="horz" wrap="square" lIns="182880" tIns="45720" rIns="182880" bIns="45720" numCol="1" rtlCol="0" anchor="ctr" anchorCtr="0" compatLnSpc="1">
+            <a:prstTxWarp prst="textNoShape">
+              <a:avLst/>
+            </a:prstTxWarp>
+          </a:bodyPr>
+          <a:lstStyle/>
+          <a:p>
+            <a:pPr marL="0" marR="0" indent="0" algn="ctr" defTabSz="914400" rtl="0" eaLnBrk="0" fontAlgn="base" latinLnBrk="0" hangingPunct="0">
+              <a:lnSpc>
+                <a:spcPct val="100000"/>
+              </a:lnSpc>
+              <a:spcBef>
+                <a:spcPct val="0"/>
+              </a:spcBef>
+              <a:spcAft>
+                <a:spcPct val="0"/>
+              </a:spcAft>
+              <a:buClrTx/>
+              <a:buSzTx/>
+              <a:buFontTx/>
+              <a:buNone/>
+              <a:tabLst/>
+            </a:pPr>
+            <a:endParaRPr kumimoji="0" lang="fr-FR" sz="1800" b="1" i="0" u="none" strike="noStrike" cap="none" normalizeH="0" baseline="0">
+              <a:ln>
+                <a:noFill/>
+              </a:ln>
+              <a:solidFill>
+                <a:schemeClr val="tx1"/>
+              </a:solidFill>
+              <a:effectLst/>
+              <a:latin typeface="Verdana" pitchFamily="34" charset="0"/>
+            </a:endParaRPr>
           </a:p>
         </p:txBody>
       </p:sp>
     </p:spTree>
     <p:extLst>
       <p:ext uri="{BB962C8B-B14F-4D97-AF65-F5344CB8AC3E}">
-        <p14:creationId xmlns:p14="http://schemas.microsoft.com/office/powerpoint/2010/main" val="2494271264"/>
+        <p14:creationId xmlns:p14="http://schemas.microsoft.com/office/powerpoint/2010/main" val="1015910965"/>
       </p:ext>
     </p:extLst>
   </p:cSld>
   <p:clrMapOvr>
     <a:masterClrMapping/>
   </p:clrMapOvr>
+  <p:timing>
+    <p:tnLst>
+      <p:par>
+        <p:cTn id="1" dur="indefinite" restart="never" nodeType="tmRoot">
+          <p:childTnLst>
+            <p:seq concurrent="1" nextAc="seek">
+              <p:cTn id="2" dur="indefinite" nodeType="mainSeq">
+                <p:childTnLst>
+                  <p:par>
+                    <p:cTn id="3" fill="hold">
+                      <p:stCondLst>
+                        <p:cond delay="indefinite"/>
+                      </p:stCondLst>
+                      <p:childTnLst>
+                        <p:par>
+                          <p:cTn id="4" fill="hold">
+                            <p:stCondLst>
+                              <p:cond delay="0"/>
+                            </p:stCondLst>
+                            <p:childTnLst>
+                              <p:par>
+                                <p:cTn id="5" presetID="10" presetClass="entr" presetSubtype="0" fill="hold" grpId="0" nodeType="clickEffect">
+                                  <p:stCondLst>
+                                    <p:cond delay="0"/>
+                                  </p:stCondLst>
+                                  <p:childTnLst>
+                                    <p:set>
+                                      <p:cBhvr>
+                                        <p:cTn id="6" dur="1" fill="hold">
+                                          <p:stCondLst>
+                                            <p:cond delay="0"/>
+                                          </p:stCondLst>
+                                        </p:cTn>
+                                        <p:tgtEl>
+                                          <p:spTgt spid="6"/>
+                                        </p:tgtEl>
+                                        <p:attrNameLst>
+                                          <p:attrName>style.visibility</p:attrName>
+                                        </p:attrNameLst>
+                                      </p:cBhvr>
+                                      <p:to>
+                                        <p:strVal val="visible"/>
+                                      </p:to>
+                                    </p:set>
+                                    <p:animEffect transition="in" filter="fade">
+                                      <p:cBhvr>
+                                        <p:cTn id="7" dur="500"/>
+                                        <p:tgtEl>
+                                          <p:spTgt spid="6"/>
+                                        </p:tgtEl>
+                                      </p:cBhvr>
+                                    </p:animEffect>
+                                  </p:childTnLst>
+                                </p:cTn>
+                              </p:par>
+                            </p:childTnLst>
+                          </p:cTn>
+                        </p:par>
+                      </p:childTnLst>
+                    </p:cTn>
+                  </p:par>
+                  <p:par>
+                    <p:cTn id="8" fill="hold">
+                      <p:stCondLst>
+                        <p:cond delay="indefinite"/>
+                      </p:stCondLst>
+                      <p:childTnLst>
+                        <p:par>
+                          <p:cTn id="9" fill="hold">
+                            <p:stCondLst>
+                              <p:cond delay="0"/>
+                            </p:stCondLst>
+                            <p:childTnLst>
+                              <p:par>
+                                <p:cTn id="10" presetID="10" presetClass="exit" presetSubtype="0" fill="hold" grpId="1" nodeType="clickEffect">
+                                  <p:stCondLst>
+                                    <p:cond delay="0"/>
+                                  </p:stCondLst>
+                                  <p:childTnLst>
+                                    <p:animEffect transition="out" filter="fade">
+                                      <p:cBhvr>
+                                        <p:cTn id="11" dur="500"/>
+                                        <p:tgtEl>
+                                          <p:spTgt spid="6"/>
+                                        </p:tgtEl>
+                                      </p:cBhvr>
+                                    </p:animEffect>
+                                    <p:set>
+                                      <p:cBhvr>
+                                        <p:cTn id="12" dur="1" fill="hold">
+                                          <p:stCondLst>
+                                            <p:cond delay="499"/>
+                                          </p:stCondLst>
+                                        </p:cTn>
+                                        <p:tgtEl>
+                                          <p:spTgt spid="6"/>
+                                        </p:tgtEl>
+                                        <p:attrNameLst>
+                                          <p:attrName>style.visibility</p:attrName>
+                                        </p:attrNameLst>
+                                      </p:cBhvr>
+                                      <p:to>
+                                        <p:strVal val="hidden"/>
+                                      </p:to>
+                                    </p:set>
+                                  </p:childTnLst>
+                                </p:cTn>
+                              </p:par>
+                            </p:childTnLst>
+                          </p:cTn>
+                        </p:par>
+                      </p:childTnLst>
+                    </p:cTn>
+                  </p:par>
+                  <p:par>
+                    <p:cTn id="13" fill="hold">
+                      <p:stCondLst>
+                        <p:cond delay="indefinite"/>
+                      </p:stCondLst>
+                      <p:childTnLst>
+                        <p:par>
+                          <p:cTn id="14" fill="hold">
+                            <p:stCondLst>
+                              <p:cond delay="0"/>
+                            </p:stCondLst>
+                            <p:childTnLst>
+                              <p:par>
+                                <p:cTn id="15" presetID="10" presetClass="entr" presetSubtype="0" fill="hold" grpId="0" nodeType="clickEffect">
+                                  <p:stCondLst>
+                                    <p:cond delay="0"/>
+                                  </p:stCondLst>
+                                  <p:childTnLst>
+                                    <p:set>
+                                      <p:cBhvr>
+                                        <p:cTn id="16" dur="1" fill="hold">
+                                          <p:stCondLst>
+                                            <p:cond delay="0"/>
+                                          </p:stCondLst>
+                                        </p:cTn>
+                                        <p:tgtEl>
+                                          <p:spTgt spid="7"/>
+                                        </p:tgtEl>
+                                        <p:attrNameLst>
+                                          <p:attrName>style.visibility</p:attrName>
+                                        </p:attrNameLst>
+                                      </p:cBhvr>
+                                      <p:to>
+                                        <p:strVal val="visible"/>
+                                      </p:to>
+                                    </p:set>
+                                    <p:animEffect transition="in" filter="fade">
+                                      <p:cBhvr>
+                                        <p:cTn id="17" dur="500"/>
+                                        <p:tgtEl>
+                                          <p:spTgt spid="7"/>
+                                        </p:tgtEl>
+                                      </p:cBhvr>
+                                    </p:animEffect>
+                                  </p:childTnLst>
+                                </p:cTn>
+                              </p:par>
+                            </p:childTnLst>
+                          </p:cTn>
+                        </p:par>
+                      </p:childTnLst>
+                    </p:cTn>
+                  </p:par>
+                  <p:par>
+                    <p:cTn id="18" fill="hold">
+                      <p:stCondLst>
+                        <p:cond delay="indefinite"/>
+                      </p:stCondLst>
+                      <p:childTnLst>
+                        <p:par>
+                          <p:cTn id="19" fill="hold">
+                            <p:stCondLst>
+                              <p:cond delay="0"/>
+                            </p:stCondLst>
+                            <p:childTnLst>
+                              <p:par>
+                                <p:cTn id="20" presetID="10" presetClass="exit" presetSubtype="0" fill="hold" grpId="1" nodeType="clickEffect">
+                                  <p:stCondLst>
+                                    <p:cond delay="0"/>
+                                  </p:stCondLst>
+                                  <p:childTnLst>
+                                    <p:animEffect transition="out" filter="fade">
+                                      <p:cBhvr>
+                                        <p:cTn id="21" dur="500"/>
+                                        <p:tgtEl>
+                                          <p:spTgt spid="7"/>
+                                        </p:tgtEl>
+                                      </p:cBhvr>
+                                    </p:animEffect>
+                                    <p:set>
+                                      <p:cBhvr>
+                                        <p:cTn id="22" dur="1" fill="hold">
+                                          <p:stCondLst>
+                                            <p:cond delay="499"/>
+                                          </p:stCondLst>
+                                        </p:cTn>
+                                        <p:tgtEl>
+                                          <p:spTgt spid="7"/>
+                                        </p:tgtEl>
+                                        <p:attrNameLst>
+                                          <p:attrName>style.visibility</p:attrName>
+                                        </p:attrNameLst>
+                                      </p:cBhvr>
+                                      <p:to>
+                                        <p:strVal val="hidden"/>
+                                      </p:to>
+                                    </p:set>
+                                  </p:childTnLst>
+                                </p:cTn>
+                              </p:par>
+                            </p:childTnLst>
+                          </p:cTn>
+                        </p:par>
+                      </p:childTnLst>
+                    </p:cTn>
+                  </p:par>
+                  <p:par>
+                    <p:cTn id="23" fill="hold">
+                      <p:stCondLst>
+                        <p:cond delay="indefinite"/>
+                      </p:stCondLst>
+                      <p:childTnLst>
+                        <p:par>
+                          <p:cTn id="24" fill="hold">
+                            <p:stCondLst>
+                              <p:cond delay="0"/>
+                            </p:stCondLst>
+                            <p:childTnLst>
+                              <p:par>
+                                <p:cTn id="25" presetID="10" presetClass="entr" presetSubtype="0" fill="hold" grpId="0" nodeType="clickEffect">
+                                  <p:stCondLst>
+                                    <p:cond delay="0"/>
+                                  </p:stCondLst>
+                                  <p:childTnLst>
+                                    <p:set>
+                                      <p:cBhvr>
+                                        <p:cTn id="26" dur="1" fill="hold">
+                                          <p:stCondLst>
+                                            <p:cond delay="0"/>
+                                          </p:stCondLst>
+                                        </p:cTn>
+                                        <p:tgtEl>
+                                          <p:spTgt spid="8"/>
+                                        </p:tgtEl>
+                                        <p:attrNameLst>
+                                          <p:attrName>style.visibility</p:attrName>
+                                        </p:attrNameLst>
+                                      </p:cBhvr>
+                                      <p:to>
+                                        <p:strVal val="visible"/>
+                                      </p:to>
+                                    </p:set>
+                                    <p:animEffect transition="in" filter="fade">
+                                      <p:cBhvr>
+                                        <p:cTn id="27" dur="500"/>
+                                        <p:tgtEl>
+                                          <p:spTgt spid="8"/>
+                                        </p:tgtEl>
+                                      </p:cBhvr>
+                                    </p:animEffect>
+                                  </p:childTnLst>
+                                </p:cTn>
+                              </p:par>
+                            </p:childTnLst>
+                          </p:cTn>
+                        </p:par>
+                      </p:childTnLst>
+                    </p:cTn>
+                  </p:par>
+                  <p:par>
+                    <p:cTn id="28" fill="hold">
+                      <p:stCondLst>
+                        <p:cond delay="indefinite"/>
+                      </p:stCondLst>
+                      <p:childTnLst>
+                        <p:par>
+                          <p:cTn id="29" fill="hold">
+                            <p:stCondLst>
+                              <p:cond delay="0"/>
+                            </p:stCondLst>
+                            <p:childTnLst>
+                              <p:par>
+                                <p:cTn id="30" presetID="10" presetClass="exit" presetSubtype="0" fill="hold" grpId="1" nodeType="clickEffect">
+                                  <p:stCondLst>
+                                    <p:cond delay="0"/>
+                                  </p:stCondLst>
+                                  <p:childTnLst>
+                                    <p:animEffect transition="out" filter="fade">
+                                      <p:cBhvr>
+                                        <p:cTn id="31" dur="500"/>
+                                        <p:tgtEl>
+                                          <p:spTgt spid="8"/>
+                                        </p:tgtEl>
+                                      </p:cBhvr>
+                                    </p:animEffect>
+                                    <p:set>
+                                      <p:cBhvr>
+                                        <p:cTn id="32" dur="1" fill="hold">
+                                          <p:stCondLst>
+                                            <p:cond delay="499"/>
+                                          </p:stCondLst>
+                                        </p:cTn>
+                                        <p:tgtEl>
+                                          <p:spTgt spid="8"/>
+                                        </p:tgtEl>
+                                        <p:attrNameLst>
+                                          <p:attrName>style.visibility</p:attrName>
+                                        </p:attrNameLst>
+                                      </p:cBhvr>
+                                      <p:to>
+                                        <p:strVal val="hidden"/>
+                                      </p:to>
+                                    </p:set>
+                                  </p:childTnLst>
+                                </p:cTn>
+                              </p:par>
+                            </p:childTnLst>
+                          </p:cTn>
+                        </p:par>
+                      </p:childTnLst>
+                    </p:cTn>
+                  </p:par>
+                </p:childTnLst>
+              </p:cTn>
+              <p:prevCondLst>
+                <p:cond evt="onPrev" delay="0">
+                  <p:tgtEl>
+                    <p:sldTgt/>
+                  </p:tgtEl>
+                </p:cond>
+              </p:prevCondLst>
+              <p:nextCondLst>
+                <p:cond evt="onNext" delay="0">
+                  <p:tgtEl>
+                    <p:sldTgt/>
+                  </p:tgtEl>
+                </p:cond>
+              </p:nextCondLst>
+            </p:seq>
+          </p:childTnLst>
+        </p:cTn>
+      </p:par>
+    </p:tnLst>
+    <p:bldLst>
+      <p:bldP spid="6" grpId="0" animBg="1"/>
+      <p:bldP spid="6" grpId="1" animBg="1"/>
+      <p:bldP spid="7" grpId="0" animBg="1"/>
+      <p:bldP spid="7" grpId="1" animBg="1"/>
+      <p:bldP spid="8" grpId="0" animBg="1"/>
+      <p:bldP spid="8" grpId="1" animBg="1"/>
+    </p:bldLst>
+  </p:timing>
 </p:sld>
 </file>
 
@@ -14386,7 +14346,7 @@
               <a:rPr lang="fr-FR" sz="3200" b="1" kern="0" dirty="0">
                 <a:latin typeface="Lucida Console" panose="020B0609040504020204" pitchFamily="49" charset="0"/>
               </a:rPr>
-              <a:t>Exercices N°2</a:t>
+              <a:t>Exercices N°1</a:t>
             </a:r>
             <a:endParaRPr lang="fr-FR" sz="1100" b="1" kern="0" dirty="0">
               <a:latin typeface="Lucida Console" panose="020B0609040504020204" pitchFamily="49" charset="0"/>
@@ -14408,8 +14368,8 @@
         </p:nvSpPr>
         <p:spPr>
           <a:xfrm>
-            <a:off x="76446" y="1740295"/>
-            <a:ext cx="8991107" cy="3139321"/>
+            <a:off x="781646" y="1744481"/>
+            <a:ext cx="8153963" cy="923330"/>
           </a:xfrm>
           <a:prstGeom prst="rect">
             <a:avLst/>
@@ -14417,167 +14377,717 @@
           <a:noFill/>
         </p:spPr>
         <p:txBody>
-          <a:bodyPr wrap="square" rtlCol="0">
+          <a:bodyPr wrap="none" rtlCol="0">
             <a:spAutoFit/>
           </a:bodyPr>
           <a:lstStyle/>
           <a:p>
-            <a:pPr marL="285750" indent="-285750" algn="just">
+            <a:pPr marL="285750" indent="-285750">
               <a:buFont typeface="Arial" panose="020B0604020202020204" pitchFamily="34" charset="0"/>
               <a:buChar char="•"/>
             </a:pPr>
             <a:r>
               <a:rPr lang="fr-FR" dirty="0"/>
-              <a:t>Création d’une arborescence Active Directory avec des utilisateurs</a:t>
-            </a:r>
-          </a:p>
-          <a:p>
-            <a:pPr algn="just"/>
+              <a:t>Créer un script qui permette de lister tous les modules </a:t>
+            </a:r>
+            <a:r>
+              <a:rPr lang="fr-FR" dirty="0" err="1"/>
+              <a:t>Powershell</a:t>
+            </a:r>
+            <a:endParaRPr lang="fr-FR" dirty="0"/>
+          </a:p>
+          <a:p>
             <a:r>
               <a:rPr lang="fr-FR" dirty="0"/>
-              <a:t>qui possèdent des noms génériques. </a:t>
-            </a:r>
-          </a:p>
-          <a:p>
-            <a:pPr algn="just"/>
-            <a:endParaRPr lang="fr-FR" dirty="0"/>
-          </a:p>
-          <a:p>
-            <a:pPr algn="just"/>
+              <a:t>Ainsi que les commandes de chaque modules. Le script doit créer </a:t>
+            </a:r>
+          </a:p>
+          <a:p>
             <a:r>
               <a:rPr lang="fr-FR" dirty="0"/>
-              <a:t>Une école est répartie sur trois sites </a:t>
-            </a:r>
-            <a:r>
-              <a:rPr lang="fr-FR" b="1" dirty="0" err="1"/>
-              <a:t>Debrousse</a:t>
-            </a:r>
+              <a:t>une arborescence de dossier.</a:t>
+            </a:r>
+          </a:p>
+        </p:txBody>
+      </p:sp>
+      <p:pic>
+        <p:nvPicPr>
+          <p:cNvPr id="14" name="Picture 2" descr="C:\Users\t-dantay\Documents\First24\folder1.png">
+            <a:extLst>
+              <a:ext uri="{FF2B5EF4-FFF2-40B4-BE49-F238E27FC236}">
+                <a16:creationId xmlns:a16="http://schemas.microsoft.com/office/drawing/2014/main" id="{03009FDB-B1D7-4585-8226-14DC2BC20BA6}"/>
+              </a:ext>
+            </a:extLst>
+          </p:cNvPr>
+          <p:cNvPicPr>
+            <a:picLocks noChangeAspect="1" noChangeArrowheads="1"/>
+          </p:cNvPicPr>
+          <p:nvPr>
+            <p:custDataLst>
+              <p:custData r:id="rId1"/>
+            </p:custDataLst>
+          </p:nvPr>
+        </p:nvPicPr>
+        <p:blipFill rotWithShape="1">
+          <a:blip r:embed="rId7" cstate="print">
+            <a:extLst>
+              <a:ext uri="{28A0092B-C50C-407E-A947-70E740481C1C}">
+                <a14:useLocalDpi xmlns:a14="http://schemas.microsoft.com/office/drawing/2010/main" val="0"/>
+              </a:ext>
+            </a:extLst>
+          </a:blip>
+          <a:srcRect l="1" t="31579" r="35741"/>
+          <a:stretch/>
+        </p:blipFill>
+        <p:spPr bwMode="auto">
+          <a:xfrm>
+            <a:off x="1187623" y="2765171"/>
+            <a:ext cx="397989" cy="314521"/>
+          </a:xfrm>
+          <a:prstGeom prst="rect">
+            <a:avLst/>
+          </a:prstGeom>
+          <a:noFill/>
+          <a:extLst>
+            <a:ext uri="{909E8E84-426E-40DD-AFC4-6F175D3DCCD1}">
+              <a14:hiddenFill xmlns:a14="http://schemas.microsoft.com/office/drawing/2010/main">
+                <a:solidFill>
+                  <a:srgbClr val="FFFFFF"/>
+                </a:solidFill>
+              </a14:hiddenFill>
+            </a:ext>
+          </a:extLst>
+        </p:spPr>
+      </p:pic>
+      <p:pic>
+        <p:nvPicPr>
+          <p:cNvPr id="11" name="Picture 2" descr="C:\Users\t-dantay\Documents\First24\folder1.png">
+            <a:extLst>
+              <a:ext uri="{FF2B5EF4-FFF2-40B4-BE49-F238E27FC236}">
+                <a16:creationId xmlns:a16="http://schemas.microsoft.com/office/drawing/2014/main" id="{857A5A83-55AE-4750-ACB4-1A51D700D532}"/>
+              </a:ext>
+            </a:extLst>
+          </p:cNvPr>
+          <p:cNvPicPr>
+            <a:picLocks noChangeAspect="1" noChangeArrowheads="1"/>
+          </p:cNvPicPr>
+          <p:nvPr>
+            <p:custDataLst>
+              <p:custData r:id="rId2"/>
+            </p:custDataLst>
+          </p:nvPr>
+        </p:nvPicPr>
+        <p:blipFill rotWithShape="1">
+          <a:blip r:embed="rId7" cstate="print">
+            <a:extLst>
+              <a:ext uri="{28A0092B-C50C-407E-A947-70E740481C1C}">
+                <a14:useLocalDpi xmlns:a14="http://schemas.microsoft.com/office/drawing/2010/main" val="0"/>
+              </a:ext>
+            </a:extLst>
+          </a:blip>
+          <a:srcRect l="1" t="31579" r="35741"/>
+          <a:stretch/>
+        </p:blipFill>
+        <p:spPr bwMode="auto">
+          <a:xfrm>
+            <a:off x="1585612" y="3271739"/>
+            <a:ext cx="397989" cy="314521"/>
+          </a:xfrm>
+          <a:prstGeom prst="rect">
+            <a:avLst/>
+          </a:prstGeom>
+          <a:noFill/>
+          <a:extLst>
+            <a:ext uri="{909E8E84-426E-40DD-AFC4-6F175D3DCCD1}">
+              <a14:hiddenFill xmlns:a14="http://schemas.microsoft.com/office/drawing/2010/main">
+                <a:solidFill>
+                  <a:srgbClr val="FFFFFF"/>
+                </a:solidFill>
+              </a14:hiddenFill>
+            </a:ext>
+          </a:extLst>
+        </p:spPr>
+      </p:pic>
+      <p:pic>
+        <p:nvPicPr>
+          <p:cNvPr id="13" name="Picture 2" descr="C:\Users\t-dantay\Documents\Placeholders\file.png">
+            <a:extLst>
+              <a:ext uri="{FF2B5EF4-FFF2-40B4-BE49-F238E27FC236}">
+                <a16:creationId xmlns:a16="http://schemas.microsoft.com/office/drawing/2014/main" id="{7E30B474-E308-4942-9AB5-0418C1A65BF5}"/>
+              </a:ext>
+            </a:extLst>
+          </p:cNvPr>
+          <p:cNvPicPr>
+            <a:picLocks noChangeAspect="1" noChangeArrowheads="1"/>
+          </p:cNvPicPr>
+          <p:nvPr>
+            <p:custDataLst>
+              <p:custData r:id="rId3"/>
+            </p:custDataLst>
+          </p:nvPr>
+        </p:nvPicPr>
+        <p:blipFill>
+          <a:blip r:embed="rId8" cstate="print">
+            <a:extLst>
+              <a:ext uri="{28A0092B-C50C-407E-A947-70E740481C1C}">
+                <a14:useLocalDpi xmlns:a14="http://schemas.microsoft.com/office/drawing/2010/main" val="0"/>
+              </a:ext>
+            </a:extLst>
+          </a:blip>
+          <a:srcRect/>
+          <a:stretch>
+            <a:fillRect/>
+          </a:stretch>
+        </p:blipFill>
+        <p:spPr bwMode="auto">
+          <a:xfrm>
+            <a:off x="1835732" y="3738984"/>
+            <a:ext cx="295738" cy="404328"/>
+          </a:xfrm>
+          <a:prstGeom prst="rect">
+            <a:avLst/>
+          </a:prstGeom>
+          <a:noFill/>
+          <a:extLst>
+            <a:ext uri="{909E8E84-426E-40DD-AFC4-6F175D3DCCD1}">
+              <a14:hiddenFill xmlns:a14="http://schemas.microsoft.com/office/drawing/2010/main">
+                <a:solidFill>
+                  <a:srgbClr val="FFFFFF"/>
+                </a:solidFill>
+              </a14:hiddenFill>
+            </a:ext>
+          </a:extLst>
+        </p:spPr>
+      </p:pic>
+      <p:sp>
+        <p:nvSpPr>
+          <p:cNvPr id="4" name="ZoneTexte 3">
+            <a:extLst>
+              <a:ext uri="{FF2B5EF4-FFF2-40B4-BE49-F238E27FC236}">
+                <a16:creationId xmlns:a16="http://schemas.microsoft.com/office/drawing/2014/main" id="{933DF5FB-92FB-431C-A4AC-70FED2FE7229}"/>
+              </a:ext>
+            </a:extLst>
+          </p:cNvPr>
+          <p:cNvSpPr txBox="1"/>
+          <p:nvPr/>
+        </p:nvSpPr>
+        <p:spPr>
+          <a:xfrm>
+            <a:off x="1585612" y="2749683"/>
+            <a:ext cx="2479333" cy="369332"/>
+          </a:xfrm>
+          <a:prstGeom prst="rect">
+            <a:avLst/>
+          </a:prstGeom>
+          <a:noFill/>
+        </p:spPr>
+        <p:txBody>
+          <a:bodyPr wrap="none" rtlCol="0">
+            <a:spAutoFit/>
+          </a:bodyPr>
+          <a:lstStyle/>
+          <a:p>
             <a:r>
               <a:rPr lang="fr-FR" dirty="0"/>
-              <a:t>, </a:t>
-            </a:r>
-            <a:r>
-              <a:rPr lang="fr-FR" b="1" dirty="0"/>
-              <a:t>Croix-Rousse</a:t>
-            </a:r>
-            <a:r>
-              <a:rPr lang="fr-FR" dirty="0"/>
-              <a:t>, </a:t>
-            </a:r>
-            <a:r>
-              <a:rPr lang="fr-FR" b="1" dirty="0"/>
-              <a:t>Saint Just</a:t>
-            </a:r>
-            <a:r>
-              <a:rPr lang="fr-FR" dirty="0"/>
-              <a:t>. Sur le Site de Croix-Rousse il y a les services Administratifs, Direction, Comptabilité. Cette école dispenses plusieurs formations , </a:t>
-            </a:r>
-            <a:r>
-              <a:rPr lang="fr-FR" b="1" dirty="0"/>
-              <a:t>BTS SIO</a:t>
-            </a:r>
-            <a:r>
-              <a:rPr lang="fr-FR" dirty="0"/>
-              <a:t>, </a:t>
-            </a:r>
-            <a:r>
-              <a:rPr lang="fr-FR" b="1" dirty="0"/>
-              <a:t>BTS CG</a:t>
-            </a:r>
-            <a:r>
-              <a:rPr lang="fr-FR" dirty="0"/>
-              <a:t>, </a:t>
-            </a:r>
-            <a:r>
-              <a:rPr lang="fr-FR" b="1" dirty="0"/>
-              <a:t>BTS AM </a:t>
-            </a:r>
-            <a:r>
-              <a:rPr lang="fr-FR" dirty="0"/>
-              <a:t>et  </a:t>
-            </a:r>
-            <a:r>
-              <a:rPr lang="fr-FR" b="1" dirty="0"/>
-              <a:t>Terminale</a:t>
-            </a:r>
-            <a:r>
-              <a:rPr lang="fr-FR" dirty="0"/>
-              <a:t> </a:t>
-            </a:r>
-            <a:r>
-              <a:rPr lang="fr-FR" b="1" dirty="0"/>
-              <a:t>STMG</a:t>
-            </a:r>
-            <a:r>
-              <a:rPr lang="fr-FR" dirty="0"/>
-              <a:t>. Il y a </a:t>
-            </a:r>
-            <a:r>
-              <a:rPr lang="fr-FR" b="1" dirty="0"/>
-              <a:t>12</a:t>
-            </a:r>
-            <a:r>
-              <a:rPr lang="fr-FR" dirty="0"/>
-              <a:t> élèves par sections (Cool non ! !) exemple pour  une élève de SIO : </a:t>
-            </a:r>
-            <a:r>
-              <a:rPr lang="fr-FR" b="1" dirty="0"/>
-              <a:t>E_CRO_SIO_01</a:t>
-            </a:r>
-            <a:r>
-              <a:rPr lang="fr-FR" dirty="0"/>
-              <a:t> c’est une élèves de Croix-Rousse en SIO. Le Script doit créer l’arborescence Active Directory pour les trois sites, pour les  services </a:t>
-            </a:r>
-            <a:r>
-              <a:rPr lang="fr-FR" b="1" dirty="0"/>
-              <a:t>Emp_CRO_ADM_01.</a:t>
-            </a:r>
-            <a:r>
-              <a:rPr lang="fr-FR" dirty="0"/>
-              <a:t> Les profs sont mobiles il y aura donc une seule OU pour les profs.</a:t>
+              <a:t>Modules PowerShell</a:t>
             </a:r>
           </a:p>
         </p:txBody>
       </p:sp>
       <p:sp>
         <p:nvSpPr>
-          <p:cNvPr id="12" name="Titre 1">
+          <p:cNvPr id="15" name="ZoneTexte 14">
             <a:extLst>
               <a:ext uri="{FF2B5EF4-FFF2-40B4-BE49-F238E27FC236}">
-                <a16:creationId xmlns:a16="http://schemas.microsoft.com/office/drawing/2014/main" id="{E35B7532-6D0A-4DBE-A135-2E6875FCF1CA}"/>
+                <a16:creationId xmlns:a16="http://schemas.microsoft.com/office/drawing/2014/main" id="{F2C03782-566C-4BF8-8A99-53DA6AEF3163}"/>
               </a:ext>
             </a:extLst>
           </p:cNvPr>
-          <p:cNvSpPr>
-            <a:spLocks noGrp="1"/>
-          </p:cNvSpPr>
-          <p:nvPr>
-            <p:ph type="title"/>
-          </p:nvPr>
+          <p:cNvSpPr txBox="1"/>
+          <p:nvPr/>
         </p:nvSpPr>
         <p:spPr>
+          <a:xfrm>
+            <a:off x="1995735" y="3238896"/>
+            <a:ext cx="2185214" cy="369332"/>
+          </a:xfrm>
+          <a:prstGeom prst="rect">
+            <a:avLst/>
+          </a:prstGeom>
+          <a:noFill/>
+        </p:spPr>
+        <p:txBody>
+          <a:bodyPr wrap="none" rtlCol="0">
+            <a:spAutoFit/>
+          </a:bodyPr>
+          <a:lstStyle/>
+          <a:p>
+            <a:r>
+              <a:rPr lang="fr-FR" dirty="0"/>
+              <a:t>Modules Module1</a:t>
+            </a:r>
+          </a:p>
+        </p:txBody>
+      </p:sp>
+      <p:sp>
+        <p:nvSpPr>
+          <p:cNvPr id="16" name="ZoneTexte 15">
+            <a:extLst>
+              <a:ext uri="{FF2B5EF4-FFF2-40B4-BE49-F238E27FC236}">
+                <a16:creationId xmlns:a16="http://schemas.microsoft.com/office/drawing/2014/main" id="{A7150CEA-5201-40C0-BFBF-5CF6A07E76C7}"/>
+              </a:ext>
+            </a:extLst>
+          </p:cNvPr>
+          <p:cNvSpPr txBox="1"/>
+          <p:nvPr/>
+        </p:nvSpPr>
+        <p:spPr>
+          <a:xfrm>
+            <a:off x="2131470" y="3789765"/>
+            <a:ext cx="2465740" cy="369332"/>
+          </a:xfrm>
+          <a:prstGeom prst="rect">
+            <a:avLst/>
+          </a:prstGeom>
+          <a:noFill/>
+        </p:spPr>
+        <p:txBody>
+          <a:bodyPr wrap="none" rtlCol="0">
+            <a:spAutoFit/>
+          </a:bodyPr>
+          <a:lstStyle/>
+          <a:p>
+            <a:r>
+              <a:rPr lang="fr-FR" dirty="0" err="1"/>
+              <a:t>Cmdlet</a:t>
+            </a:r>
+            <a:r>
+              <a:rPr lang="fr-FR" dirty="0"/>
+              <a:t> Module1.txt</a:t>
+            </a:r>
+          </a:p>
+        </p:txBody>
+      </p:sp>
+      <p:pic>
+        <p:nvPicPr>
+          <p:cNvPr id="17" name="Picture 2" descr="C:\Users\t-dantay\Documents\First24\folder1.png">
+            <a:extLst>
+              <a:ext uri="{FF2B5EF4-FFF2-40B4-BE49-F238E27FC236}">
+                <a16:creationId xmlns:a16="http://schemas.microsoft.com/office/drawing/2014/main" id="{EE54F76B-F7FD-4C80-B3A0-AC3ADA06CA2D}"/>
+              </a:ext>
+            </a:extLst>
+          </p:cNvPr>
+          <p:cNvPicPr>
+            <a:picLocks noChangeAspect="1" noChangeArrowheads="1"/>
+          </p:cNvPicPr>
+          <p:nvPr>
+            <p:custDataLst>
+              <p:custData r:id="rId4"/>
+            </p:custDataLst>
+          </p:nvPr>
+        </p:nvPicPr>
+        <p:blipFill rotWithShape="1">
+          <a:blip r:embed="rId7" cstate="print">
+            <a:extLst>
+              <a:ext uri="{28A0092B-C50C-407E-A947-70E740481C1C}">
+                <a14:useLocalDpi xmlns:a14="http://schemas.microsoft.com/office/drawing/2010/main" val="0"/>
+              </a:ext>
+            </a:extLst>
+          </a:blip>
+          <a:srcRect l="1" t="31579" r="35741"/>
+          <a:stretch/>
+        </p:blipFill>
+        <p:spPr bwMode="auto">
+          <a:xfrm>
+            <a:off x="1585612" y="4302169"/>
+            <a:ext cx="397989" cy="314521"/>
+          </a:xfrm>
+          <a:prstGeom prst="rect">
+            <a:avLst/>
+          </a:prstGeom>
+          <a:noFill/>
+          <a:extLst>
+            <a:ext uri="{909E8E84-426E-40DD-AFC4-6F175D3DCCD1}">
+              <a14:hiddenFill xmlns:a14="http://schemas.microsoft.com/office/drawing/2010/main">
+                <a:solidFill>
+                  <a:srgbClr val="FFFFFF"/>
+                </a:solidFill>
+              </a14:hiddenFill>
+            </a:ext>
+          </a:extLst>
+        </p:spPr>
+      </p:pic>
+      <p:pic>
+        <p:nvPicPr>
+          <p:cNvPr id="18" name="Picture 2" descr="C:\Users\t-dantay\Documents\Placeholders\file.png">
+            <a:extLst>
+              <a:ext uri="{FF2B5EF4-FFF2-40B4-BE49-F238E27FC236}">
+                <a16:creationId xmlns:a16="http://schemas.microsoft.com/office/drawing/2014/main" id="{502044D4-37FF-49C6-A5C1-C1BD69F2D5E3}"/>
+              </a:ext>
+            </a:extLst>
+          </p:cNvPr>
+          <p:cNvPicPr>
+            <a:picLocks noChangeAspect="1" noChangeArrowheads="1"/>
+          </p:cNvPicPr>
+          <p:nvPr>
+            <p:custDataLst>
+              <p:custData r:id="rId5"/>
+            </p:custDataLst>
+          </p:nvPr>
+        </p:nvPicPr>
+        <p:blipFill>
+          <a:blip r:embed="rId8" cstate="print">
+            <a:extLst>
+              <a:ext uri="{28A0092B-C50C-407E-A947-70E740481C1C}">
+                <a14:useLocalDpi xmlns:a14="http://schemas.microsoft.com/office/drawing/2010/main" val="0"/>
+              </a:ext>
+            </a:extLst>
+          </a:blip>
+          <a:srcRect/>
+          <a:stretch>
+            <a:fillRect/>
+          </a:stretch>
+        </p:blipFill>
+        <p:spPr bwMode="auto">
+          <a:xfrm>
+            <a:off x="1835732" y="4769414"/>
+            <a:ext cx="295738" cy="404328"/>
+          </a:xfrm>
+          <a:prstGeom prst="rect">
+            <a:avLst/>
+          </a:prstGeom>
+          <a:noFill/>
+          <a:extLst>
+            <a:ext uri="{909E8E84-426E-40DD-AFC4-6F175D3DCCD1}">
+              <a14:hiddenFill xmlns:a14="http://schemas.microsoft.com/office/drawing/2010/main">
+                <a:solidFill>
+                  <a:srgbClr val="FFFFFF"/>
+                </a:solidFill>
+              </a14:hiddenFill>
+            </a:ext>
+          </a:extLst>
+        </p:spPr>
+      </p:pic>
+      <p:sp>
+        <p:nvSpPr>
+          <p:cNvPr id="19" name="ZoneTexte 18">
+            <a:extLst>
+              <a:ext uri="{FF2B5EF4-FFF2-40B4-BE49-F238E27FC236}">
+                <a16:creationId xmlns:a16="http://schemas.microsoft.com/office/drawing/2014/main" id="{0E8C5962-7D20-4ECA-887C-A81CD54A9EAC}"/>
+              </a:ext>
+            </a:extLst>
+          </p:cNvPr>
+          <p:cNvSpPr txBox="1"/>
+          <p:nvPr/>
+        </p:nvSpPr>
+        <p:spPr>
+          <a:xfrm>
+            <a:off x="1995735" y="4269326"/>
+            <a:ext cx="2185214" cy="369332"/>
+          </a:xfrm>
+          <a:prstGeom prst="rect">
+            <a:avLst/>
+          </a:prstGeom>
+          <a:noFill/>
+        </p:spPr>
+        <p:txBody>
+          <a:bodyPr wrap="none" rtlCol="0">
+            <a:spAutoFit/>
+          </a:bodyPr>
+          <a:lstStyle/>
+          <a:p>
+            <a:r>
+              <a:rPr lang="fr-FR" dirty="0"/>
+              <a:t>Modules Module2</a:t>
+            </a:r>
+          </a:p>
+        </p:txBody>
+      </p:sp>
+      <p:sp>
+        <p:nvSpPr>
+          <p:cNvPr id="20" name="ZoneTexte 19">
+            <a:extLst>
+              <a:ext uri="{FF2B5EF4-FFF2-40B4-BE49-F238E27FC236}">
+                <a16:creationId xmlns:a16="http://schemas.microsoft.com/office/drawing/2014/main" id="{AF0DF999-FCAD-4008-979F-68C4677C7B90}"/>
+              </a:ext>
+            </a:extLst>
+          </p:cNvPr>
+          <p:cNvSpPr txBox="1"/>
+          <p:nvPr/>
+        </p:nvSpPr>
+        <p:spPr>
+          <a:xfrm>
+            <a:off x="2131470" y="4820195"/>
+            <a:ext cx="2465740" cy="369332"/>
+          </a:xfrm>
+          <a:prstGeom prst="rect">
+            <a:avLst/>
+          </a:prstGeom>
+          <a:noFill/>
+        </p:spPr>
+        <p:txBody>
+          <a:bodyPr wrap="none" rtlCol="0">
+            <a:spAutoFit/>
+          </a:bodyPr>
+          <a:lstStyle/>
+          <a:p>
+            <a:r>
+              <a:rPr lang="fr-FR" dirty="0" err="1"/>
+              <a:t>Cmdlet</a:t>
+            </a:r>
+            <a:r>
+              <a:rPr lang="fr-FR" dirty="0"/>
+              <a:t> Module2.txt</a:t>
+            </a:r>
+          </a:p>
+        </p:txBody>
+      </p:sp>
+      <p:sp>
+        <p:nvSpPr>
+          <p:cNvPr id="22" name="Titre 1">
+            <a:extLst>
+              <a:ext uri="{FF2B5EF4-FFF2-40B4-BE49-F238E27FC236}">
+                <a16:creationId xmlns:a16="http://schemas.microsoft.com/office/drawing/2014/main" id="{19876216-AC32-47C4-9A40-B0442DC18532}"/>
+              </a:ext>
+            </a:extLst>
+          </p:cNvPr>
+          <p:cNvSpPr txBox="1">
+            <a:spLocks/>
+          </p:cNvSpPr>
+          <p:nvPr/>
+        </p:nvSpPr>
+        <p:spPr bwMode="auto">
           <a:xfrm>
             <a:off x="418144" y="128569"/>
             <a:ext cx="7773988" cy="740664"/>
           </a:xfrm>
+          <a:prstGeom prst="rect">
+            <a:avLst/>
+          </a:prstGeom>
+          <a:noFill/>
+          <a:ln w="9525">
+            <a:noFill/>
+            <a:miter lim="800000"/>
+            <a:headEnd/>
+            <a:tailEnd/>
+          </a:ln>
         </p:spPr>
         <p:txBody>
-          <a:bodyPr/>
-          <a:lstStyle/>
-          <a:p>
-            <a:r>
-              <a:rPr lang="fr-FR" sz="2800" dirty="0">
+          <a:bodyPr vert="horz" wrap="square" lIns="0" tIns="45720" rIns="91440" bIns="45720" numCol="1" anchor="t" anchorCtr="0" compatLnSpc="1">
+            <a:prstTxWarp prst="textNoShape">
+              <a:avLst/>
+            </a:prstTxWarp>
+          </a:bodyPr>
+          <a:lstStyle>
+            <a:lvl1pPr algn="l" rtl="0" eaLnBrk="1" fontAlgn="base" hangingPunct="1">
+              <a:lnSpc>
+                <a:spcPct val="85000"/>
+              </a:lnSpc>
+              <a:spcBef>
+                <a:spcPct val="0"/>
+              </a:spcBef>
+              <a:spcAft>
+                <a:spcPct val="0"/>
+              </a:spcAft>
+              <a:buClr>
+                <a:srgbClr val="DC0081"/>
+              </a:buClr>
+              <a:buFont typeface="Wingdings" pitchFamily="2" charset="2"/>
+              <a:defRPr sz="4000" b="1" cap="all">
+                <a:solidFill>
+                  <a:schemeClr val="bg1"/>
+                </a:solidFill>
+                <a:latin typeface="Segoe UI" pitchFamily="34" charset="0"/>
+                <a:ea typeface="Segoe UI" pitchFamily="34" charset="0"/>
+                <a:cs typeface="Segoe UI" pitchFamily="34" charset="0"/>
+              </a:defRPr>
+            </a:lvl1pPr>
+            <a:lvl2pPr algn="l" rtl="0" eaLnBrk="1" fontAlgn="base" hangingPunct="1">
+              <a:lnSpc>
+                <a:spcPct val="85000"/>
+              </a:lnSpc>
+              <a:spcBef>
+                <a:spcPct val="0"/>
+              </a:spcBef>
+              <a:spcAft>
+                <a:spcPct val="0"/>
+              </a:spcAft>
+              <a:buClr>
+                <a:srgbClr val="DC0081"/>
+              </a:buClr>
+              <a:buFont typeface="Wingdings" pitchFamily="2" charset="2"/>
+              <a:defRPr sz="2400">
+                <a:solidFill>
+                  <a:schemeClr val="tx1"/>
+                </a:solidFill>
+                <a:latin typeface="Verdana" pitchFamily="34" charset="0"/>
+              </a:defRPr>
+            </a:lvl2pPr>
+            <a:lvl3pPr algn="l" rtl="0" eaLnBrk="1" fontAlgn="base" hangingPunct="1">
+              <a:lnSpc>
+                <a:spcPct val="85000"/>
+              </a:lnSpc>
+              <a:spcBef>
+                <a:spcPct val="0"/>
+              </a:spcBef>
+              <a:spcAft>
+                <a:spcPct val="0"/>
+              </a:spcAft>
+              <a:buClr>
+                <a:srgbClr val="DC0081"/>
+              </a:buClr>
+              <a:buFont typeface="Wingdings" pitchFamily="2" charset="2"/>
+              <a:defRPr sz="2400">
+                <a:solidFill>
+                  <a:schemeClr val="tx1"/>
+                </a:solidFill>
+                <a:latin typeface="Verdana" pitchFamily="34" charset="0"/>
+              </a:defRPr>
+            </a:lvl3pPr>
+            <a:lvl4pPr algn="l" rtl="0" eaLnBrk="1" fontAlgn="base" hangingPunct="1">
+              <a:lnSpc>
+                <a:spcPct val="85000"/>
+              </a:lnSpc>
+              <a:spcBef>
+                <a:spcPct val="0"/>
+              </a:spcBef>
+              <a:spcAft>
+                <a:spcPct val="0"/>
+              </a:spcAft>
+              <a:buClr>
+                <a:srgbClr val="DC0081"/>
+              </a:buClr>
+              <a:buFont typeface="Wingdings" pitchFamily="2" charset="2"/>
+              <a:defRPr sz="2400">
+                <a:solidFill>
+                  <a:schemeClr val="tx1"/>
+                </a:solidFill>
+                <a:latin typeface="Verdana" pitchFamily="34" charset="0"/>
+              </a:defRPr>
+            </a:lvl4pPr>
+            <a:lvl5pPr algn="l" rtl="0" eaLnBrk="1" fontAlgn="base" hangingPunct="1">
+              <a:lnSpc>
+                <a:spcPct val="85000"/>
+              </a:lnSpc>
+              <a:spcBef>
+                <a:spcPct val="0"/>
+              </a:spcBef>
+              <a:spcAft>
+                <a:spcPct val="0"/>
+              </a:spcAft>
+              <a:buClr>
+                <a:srgbClr val="DC0081"/>
+              </a:buClr>
+              <a:buFont typeface="Wingdings" pitchFamily="2" charset="2"/>
+              <a:defRPr sz="2400">
+                <a:solidFill>
+                  <a:schemeClr val="tx1"/>
+                </a:solidFill>
+                <a:latin typeface="Verdana" pitchFamily="34" charset="0"/>
+              </a:defRPr>
+            </a:lvl5pPr>
+            <a:lvl6pPr marL="457200" algn="l" rtl="0" eaLnBrk="1" fontAlgn="base" hangingPunct="1">
+              <a:lnSpc>
+                <a:spcPct val="85000"/>
+              </a:lnSpc>
+              <a:spcBef>
+                <a:spcPct val="0"/>
+              </a:spcBef>
+              <a:spcAft>
+                <a:spcPct val="0"/>
+              </a:spcAft>
+              <a:buClr>
+                <a:srgbClr val="DC0081"/>
+              </a:buClr>
+              <a:buFont typeface="Wingdings" pitchFamily="2" charset="2"/>
+              <a:defRPr sz="2400">
+                <a:solidFill>
+                  <a:schemeClr val="tx1"/>
+                </a:solidFill>
+                <a:latin typeface="Verdana" pitchFamily="34" charset="0"/>
+              </a:defRPr>
+            </a:lvl6pPr>
+            <a:lvl7pPr marL="914400" algn="l" rtl="0" eaLnBrk="1" fontAlgn="base" hangingPunct="1">
+              <a:lnSpc>
+                <a:spcPct val="85000"/>
+              </a:lnSpc>
+              <a:spcBef>
+                <a:spcPct val="0"/>
+              </a:spcBef>
+              <a:spcAft>
+                <a:spcPct val="0"/>
+              </a:spcAft>
+              <a:buClr>
+                <a:srgbClr val="DC0081"/>
+              </a:buClr>
+              <a:buFont typeface="Wingdings" pitchFamily="2" charset="2"/>
+              <a:defRPr sz="2400">
+                <a:solidFill>
+                  <a:schemeClr val="tx1"/>
+                </a:solidFill>
+                <a:latin typeface="Verdana" pitchFamily="34" charset="0"/>
+              </a:defRPr>
+            </a:lvl7pPr>
+            <a:lvl8pPr marL="1371600" algn="l" rtl="0" eaLnBrk="1" fontAlgn="base" hangingPunct="1">
+              <a:lnSpc>
+                <a:spcPct val="85000"/>
+              </a:lnSpc>
+              <a:spcBef>
+                <a:spcPct val="0"/>
+              </a:spcBef>
+              <a:spcAft>
+                <a:spcPct val="0"/>
+              </a:spcAft>
+              <a:buClr>
+                <a:srgbClr val="DC0081"/>
+              </a:buClr>
+              <a:buFont typeface="Wingdings" pitchFamily="2" charset="2"/>
+              <a:defRPr sz="2400">
+                <a:solidFill>
+                  <a:schemeClr val="tx1"/>
+                </a:solidFill>
+                <a:latin typeface="Verdana" pitchFamily="34" charset="0"/>
+              </a:defRPr>
+            </a:lvl8pPr>
+            <a:lvl9pPr marL="1828800" algn="l" rtl="0" eaLnBrk="1" fontAlgn="base" hangingPunct="1">
+              <a:lnSpc>
+                <a:spcPct val="85000"/>
+              </a:lnSpc>
+              <a:spcBef>
+                <a:spcPct val="0"/>
+              </a:spcBef>
+              <a:spcAft>
+                <a:spcPct val="0"/>
+              </a:spcAft>
+              <a:buClr>
+                <a:srgbClr val="DC0081"/>
+              </a:buClr>
+              <a:buFont typeface="Wingdings" pitchFamily="2" charset="2"/>
+              <a:defRPr sz="2400">
+                <a:solidFill>
+                  <a:schemeClr val="tx1"/>
+                </a:solidFill>
+                <a:latin typeface="Verdana" pitchFamily="34" charset="0"/>
+              </a:defRPr>
+            </a:lvl9pPr>
+          </a:lstStyle>
+          <a:p>
+            <a:r>
+              <a:rPr lang="fr-FR" sz="2800" kern="0">
                 <a:latin typeface="Lucida Console" panose="020B0609040504020204" pitchFamily="49" charset="0"/>
               </a:rPr>
               <a:t>Atelier N°2 - Exercices</a:t>
             </a:r>
+            <a:endParaRPr lang="fr-FR" sz="2800" kern="0" dirty="0">
+              <a:latin typeface="Lucida Console" panose="020B0609040504020204" pitchFamily="49" charset="0"/>
+            </a:endParaRPr>
           </a:p>
         </p:txBody>
       </p:sp>
     </p:spTree>
     <p:extLst>
       <p:ext uri="{BB962C8B-B14F-4D97-AF65-F5344CB8AC3E}">
-        <p14:creationId xmlns:p14="http://schemas.microsoft.com/office/powerpoint/2010/main" val="3919523319"/>
+        <p14:creationId xmlns:p14="http://schemas.microsoft.com/office/powerpoint/2010/main" val="3345408410"/>
       </p:ext>
     </p:extLst>
   </p:cSld>
@@ -14861,6 +15371,481 @@
               <a:rPr lang="fr-FR" sz="3200" b="1" kern="0" dirty="0">
                 <a:latin typeface="Lucida Console" panose="020B0609040504020204" pitchFamily="49" charset="0"/>
               </a:rPr>
+              <a:t>Exercices N°2</a:t>
+            </a:r>
+            <a:endParaRPr lang="fr-FR" sz="1100" b="1" kern="0" dirty="0">
+              <a:latin typeface="Lucida Console" panose="020B0609040504020204" pitchFamily="49" charset="0"/>
+            </a:endParaRPr>
+          </a:p>
+        </p:txBody>
+      </p:sp>
+      <p:sp>
+        <p:nvSpPr>
+          <p:cNvPr id="9" name="ZoneTexte 8">
+            <a:extLst>
+              <a:ext uri="{FF2B5EF4-FFF2-40B4-BE49-F238E27FC236}">
+                <a16:creationId xmlns:a16="http://schemas.microsoft.com/office/drawing/2014/main" id="{7DD1B9C4-2379-4C83-A194-DC7267348A93}"/>
+              </a:ext>
+            </a:extLst>
+          </p:cNvPr>
+          <p:cNvSpPr txBox="1"/>
+          <p:nvPr/>
+        </p:nvSpPr>
+        <p:spPr>
+          <a:xfrm>
+            <a:off x="76446" y="1740295"/>
+            <a:ext cx="8991107" cy="3139321"/>
+          </a:xfrm>
+          <a:prstGeom prst="rect">
+            <a:avLst/>
+          </a:prstGeom>
+          <a:noFill/>
+        </p:spPr>
+        <p:txBody>
+          <a:bodyPr wrap="square" rtlCol="0">
+            <a:spAutoFit/>
+          </a:bodyPr>
+          <a:lstStyle/>
+          <a:p>
+            <a:pPr marL="285750" indent="-285750" algn="just">
+              <a:buFont typeface="Arial" panose="020B0604020202020204" pitchFamily="34" charset="0"/>
+              <a:buChar char="•"/>
+            </a:pPr>
+            <a:r>
+              <a:rPr lang="fr-FR" dirty="0"/>
+              <a:t>Création d’une arborescence Active Directory avec des utilisateurs</a:t>
+            </a:r>
+          </a:p>
+          <a:p>
+            <a:pPr algn="just"/>
+            <a:r>
+              <a:rPr lang="fr-FR" dirty="0"/>
+              <a:t>qui possèdent des noms génériques. </a:t>
+            </a:r>
+          </a:p>
+          <a:p>
+            <a:pPr algn="just"/>
+            <a:endParaRPr lang="fr-FR" dirty="0"/>
+          </a:p>
+          <a:p>
+            <a:pPr algn="just"/>
+            <a:r>
+              <a:rPr lang="fr-FR" dirty="0"/>
+              <a:t>Une école est répartie sur trois sites </a:t>
+            </a:r>
+            <a:r>
+              <a:rPr lang="fr-FR" b="1" dirty="0" err="1"/>
+              <a:t>Debrousse</a:t>
+            </a:r>
+            <a:r>
+              <a:rPr lang="fr-FR" dirty="0"/>
+              <a:t>, </a:t>
+            </a:r>
+            <a:r>
+              <a:rPr lang="fr-FR" b="1" dirty="0"/>
+              <a:t>Croix-Rousse</a:t>
+            </a:r>
+            <a:r>
+              <a:rPr lang="fr-FR" dirty="0"/>
+              <a:t>, </a:t>
+            </a:r>
+            <a:r>
+              <a:rPr lang="fr-FR" b="1" dirty="0"/>
+              <a:t>Saint Just</a:t>
+            </a:r>
+            <a:r>
+              <a:rPr lang="fr-FR" dirty="0"/>
+              <a:t>. Sur le Site de Croix-Rousse il y a les services Administratifs, Direction, Comptabilité. Cette école dispenses plusieurs formations , </a:t>
+            </a:r>
+            <a:r>
+              <a:rPr lang="fr-FR" b="1" dirty="0"/>
+              <a:t>BTS SIO</a:t>
+            </a:r>
+            <a:r>
+              <a:rPr lang="fr-FR" dirty="0"/>
+              <a:t>, </a:t>
+            </a:r>
+            <a:r>
+              <a:rPr lang="fr-FR" b="1" dirty="0"/>
+              <a:t>BTS CG</a:t>
+            </a:r>
+            <a:r>
+              <a:rPr lang="fr-FR" dirty="0"/>
+              <a:t>, </a:t>
+            </a:r>
+            <a:r>
+              <a:rPr lang="fr-FR" b="1" dirty="0"/>
+              <a:t>BTS AM </a:t>
+            </a:r>
+            <a:r>
+              <a:rPr lang="fr-FR" dirty="0"/>
+              <a:t>et  </a:t>
+            </a:r>
+            <a:r>
+              <a:rPr lang="fr-FR" b="1" dirty="0"/>
+              <a:t>Terminale</a:t>
+            </a:r>
+            <a:r>
+              <a:rPr lang="fr-FR" dirty="0"/>
+              <a:t> </a:t>
+            </a:r>
+            <a:r>
+              <a:rPr lang="fr-FR" b="1" dirty="0"/>
+              <a:t>STMG</a:t>
+            </a:r>
+            <a:r>
+              <a:rPr lang="fr-FR" dirty="0"/>
+              <a:t>. Il y a </a:t>
+            </a:r>
+            <a:r>
+              <a:rPr lang="fr-FR" b="1" dirty="0"/>
+              <a:t>12</a:t>
+            </a:r>
+            <a:r>
+              <a:rPr lang="fr-FR" dirty="0"/>
+              <a:t> élèves par sections (Cool non ! !) exemple pour  une élève de SIO : </a:t>
+            </a:r>
+            <a:r>
+              <a:rPr lang="fr-FR" b="1" dirty="0"/>
+              <a:t>E_CRO_SIO_01</a:t>
+            </a:r>
+            <a:r>
+              <a:rPr lang="fr-FR" dirty="0"/>
+              <a:t> c’est une élèves de Croix-Rousse en SIO. Le Script doit créer l’arborescence Active Directory pour les trois sites, pour les  services </a:t>
+            </a:r>
+            <a:r>
+              <a:rPr lang="fr-FR" b="1" dirty="0"/>
+              <a:t>Emp_CRO_ADM_01.</a:t>
+            </a:r>
+            <a:r>
+              <a:rPr lang="fr-FR" dirty="0"/>
+              <a:t> Les profs sont mobiles il y aura donc une seule OU pour les profs.</a:t>
+            </a:r>
+          </a:p>
+        </p:txBody>
+      </p:sp>
+      <p:sp>
+        <p:nvSpPr>
+          <p:cNvPr id="12" name="Titre 1">
+            <a:extLst>
+              <a:ext uri="{FF2B5EF4-FFF2-40B4-BE49-F238E27FC236}">
+                <a16:creationId xmlns:a16="http://schemas.microsoft.com/office/drawing/2014/main" id="{E35B7532-6D0A-4DBE-A135-2E6875FCF1CA}"/>
+              </a:ext>
+            </a:extLst>
+          </p:cNvPr>
+          <p:cNvSpPr>
+            <a:spLocks noGrp="1"/>
+          </p:cNvSpPr>
+          <p:nvPr>
+            <p:ph type="title"/>
+          </p:nvPr>
+        </p:nvSpPr>
+        <p:spPr>
+          <a:xfrm>
+            <a:off x="418144" y="128569"/>
+            <a:ext cx="7773988" cy="740664"/>
+          </a:xfrm>
+        </p:spPr>
+        <p:txBody>
+          <a:bodyPr/>
+          <a:lstStyle/>
+          <a:p>
+            <a:r>
+              <a:rPr lang="fr-FR" sz="2800" dirty="0">
+                <a:latin typeface="Lucida Console" panose="020B0609040504020204" pitchFamily="49" charset="0"/>
+              </a:rPr>
+              <a:t>Atelier N°2 - Exercices</a:t>
+            </a:r>
+          </a:p>
+        </p:txBody>
+      </p:sp>
+    </p:spTree>
+    <p:extLst>
+      <p:ext uri="{BB962C8B-B14F-4D97-AF65-F5344CB8AC3E}">
+        <p14:creationId xmlns:p14="http://schemas.microsoft.com/office/powerpoint/2010/main" val="3919523319"/>
+      </p:ext>
+    </p:extLst>
+  </p:cSld>
+  <p:clrMapOvr>
+    <a:masterClrMapping/>
+  </p:clrMapOvr>
+</p:sld>
+</file>
+
+<file path=ppt/slides/slide22.xml><?xml version="1.0" encoding="utf-8"?>
+<p:sld xmlns:a="http://schemas.openxmlformats.org/drawingml/2006/main" xmlns:r="http://schemas.openxmlformats.org/officeDocument/2006/relationships" xmlns:p="http://schemas.openxmlformats.org/presentationml/2006/main">
+  <p:cSld>
+    <p:spTree>
+      <p:nvGrpSpPr>
+        <p:cNvPr id="1" name=""/>
+        <p:cNvGrpSpPr/>
+        <p:nvPr/>
+      </p:nvGrpSpPr>
+      <p:grpSpPr>
+        <a:xfrm>
+          <a:off x="0" y="0"/>
+          <a:ext cx="0" cy="0"/>
+          <a:chOff x="0" y="0"/>
+          <a:chExt cx="0" cy="0"/>
+        </a:xfrm>
+      </p:grpSpPr>
+      <p:sp>
+        <p:nvSpPr>
+          <p:cNvPr id="7" name="Espace réservé du texte 4">
+            <a:extLst>
+              <a:ext uri="{FF2B5EF4-FFF2-40B4-BE49-F238E27FC236}">
+                <a16:creationId xmlns:a16="http://schemas.microsoft.com/office/drawing/2014/main" id="{E9AA3234-8156-42BC-AB48-1D2AEF87447F}"/>
+              </a:ext>
+            </a:extLst>
+          </p:cNvPr>
+          <p:cNvSpPr txBox="1">
+            <a:spLocks/>
+          </p:cNvSpPr>
+          <p:nvPr/>
+        </p:nvSpPr>
+        <p:spPr bwMode="auto">
+          <a:xfrm>
+            <a:off x="179512" y="1052736"/>
+            <a:ext cx="3456384" cy="504056"/>
+          </a:xfrm>
+          <a:prstGeom prst="rect">
+            <a:avLst/>
+          </a:prstGeom>
+          <a:noFill/>
+          <a:ln w="9525">
+            <a:noFill/>
+            <a:miter lim="800000"/>
+            <a:headEnd/>
+            <a:tailEnd/>
+          </a:ln>
+        </p:spPr>
+        <p:txBody>
+          <a:bodyPr vert="horz" wrap="square" lIns="0" tIns="0" rIns="0" bIns="0" numCol="1" anchor="b" anchorCtr="0" compatLnSpc="1">
+            <a:prstTxWarp prst="textNoShape">
+              <a:avLst/>
+            </a:prstTxWarp>
+          </a:bodyPr>
+          <a:lstStyle>
+            <a:lvl1pPr marL="0" indent="0" algn="l" rtl="0" eaLnBrk="1" fontAlgn="base" hangingPunct="1">
+              <a:lnSpc>
+                <a:spcPct val="100000"/>
+              </a:lnSpc>
+              <a:spcBef>
+                <a:spcPts val="600"/>
+              </a:spcBef>
+              <a:spcAft>
+                <a:spcPct val="0"/>
+              </a:spcAft>
+              <a:buClr>
+                <a:srgbClr val="0070C0"/>
+              </a:buClr>
+              <a:buSzPct val="90000"/>
+              <a:buFont typeface="Arial" pitchFamily="34" charset="0"/>
+              <a:buNone/>
+              <a:defRPr sz="2000">
+                <a:solidFill>
+                  <a:schemeClr val="tx1"/>
+                </a:solidFill>
+                <a:latin typeface="Segoe UI" pitchFamily="34" charset="0"/>
+                <a:ea typeface="Segoe UI" pitchFamily="34" charset="0"/>
+                <a:cs typeface="Segoe UI" pitchFamily="34" charset="0"/>
+              </a:defRPr>
+            </a:lvl1pPr>
+            <a:lvl2pPr marL="457200" indent="0" algn="l" rtl="0" eaLnBrk="1" fontAlgn="base" hangingPunct="1">
+              <a:lnSpc>
+                <a:spcPct val="100000"/>
+              </a:lnSpc>
+              <a:spcBef>
+                <a:spcPts val="600"/>
+              </a:spcBef>
+              <a:spcAft>
+                <a:spcPct val="0"/>
+              </a:spcAft>
+              <a:buClr>
+                <a:srgbClr val="0070C0"/>
+              </a:buClr>
+              <a:buSzPct val="80000"/>
+              <a:buFont typeface="Arial" pitchFamily="34" charset="0"/>
+              <a:buNone/>
+              <a:defRPr sz="1800">
+                <a:solidFill>
+                  <a:schemeClr val="tx1"/>
+                </a:solidFill>
+                <a:latin typeface="Segoe UI" pitchFamily="34" charset="0"/>
+                <a:ea typeface="Segoe UI" pitchFamily="34" charset="0"/>
+                <a:cs typeface="Segoe UI" pitchFamily="34" charset="0"/>
+              </a:defRPr>
+            </a:lvl2pPr>
+            <a:lvl3pPr marL="914400" indent="0" algn="l" rtl="0" eaLnBrk="1" fontAlgn="base" hangingPunct="1">
+              <a:lnSpc>
+                <a:spcPct val="100000"/>
+              </a:lnSpc>
+              <a:spcBef>
+                <a:spcPts val="600"/>
+              </a:spcBef>
+              <a:spcAft>
+                <a:spcPct val="0"/>
+              </a:spcAft>
+              <a:buClr>
+                <a:srgbClr val="0070C0"/>
+              </a:buClr>
+              <a:buSzPct val="80000"/>
+              <a:buFont typeface="Arial" pitchFamily="34" charset="0"/>
+              <a:buNone/>
+              <a:defRPr sz="1600">
+                <a:solidFill>
+                  <a:schemeClr val="tx1"/>
+                </a:solidFill>
+                <a:latin typeface="Segoe UI" pitchFamily="34" charset="0"/>
+                <a:ea typeface="Segoe UI" pitchFamily="34" charset="0"/>
+                <a:cs typeface="Segoe UI" pitchFamily="34" charset="0"/>
+              </a:defRPr>
+            </a:lvl3pPr>
+            <a:lvl4pPr marL="1371600" indent="0" algn="l" rtl="0" eaLnBrk="1" fontAlgn="base" hangingPunct="1">
+              <a:lnSpc>
+                <a:spcPct val="100000"/>
+              </a:lnSpc>
+              <a:spcBef>
+                <a:spcPts val="600"/>
+              </a:spcBef>
+              <a:spcAft>
+                <a:spcPct val="0"/>
+              </a:spcAft>
+              <a:buClr>
+                <a:srgbClr val="0070C0"/>
+              </a:buClr>
+              <a:buSzPct val="90000"/>
+              <a:buFont typeface="Arial" pitchFamily="34" charset="0"/>
+              <a:buNone/>
+              <a:defRPr sz="1400">
+                <a:solidFill>
+                  <a:schemeClr val="tx1"/>
+                </a:solidFill>
+                <a:latin typeface="Segoe UI" pitchFamily="34" charset="0"/>
+                <a:ea typeface="Segoe UI" pitchFamily="34" charset="0"/>
+                <a:cs typeface="Segoe UI" pitchFamily="34" charset="0"/>
+              </a:defRPr>
+            </a:lvl4pPr>
+            <a:lvl5pPr marL="1828800" indent="0" algn="l" rtl="0" eaLnBrk="1" fontAlgn="base" hangingPunct="1">
+              <a:lnSpc>
+                <a:spcPct val="100000"/>
+              </a:lnSpc>
+              <a:spcBef>
+                <a:spcPts val="600"/>
+              </a:spcBef>
+              <a:spcAft>
+                <a:spcPct val="0"/>
+              </a:spcAft>
+              <a:buClr>
+                <a:srgbClr val="0070C0"/>
+              </a:buClr>
+              <a:buSzPct val="90000"/>
+              <a:buFont typeface="Arial" pitchFamily="34" charset="0"/>
+              <a:buNone/>
+              <a:defRPr sz="1400">
+                <a:solidFill>
+                  <a:schemeClr val="tx1"/>
+                </a:solidFill>
+                <a:latin typeface="Segoe UI" pitchFamily="34" charset="0"/>
+                <a:ea typeface="Segoe UI" pitchFamily="34" charset="0"/>
+                <a:cs typeface="Segoe UI" pitchFamily="34" charset="0"/>
+              </a:defRPr>
+            </a:lvl5pPr>
+            <a:lvl6pPr marL="2286000" indent="0" algn="l" rtl="0" eaLnBrk="1" fontAlgn="base" hangingPunct="1">
+              <a:lnSpc>
+                <a:spcPct val="90000"/>
+              </a:lnSpc>
+              <a:spcBef>
+                <a:spcPct val="70000"/>
+              </a:spcBef>
+              <a:spcAft>
+                <a:spcPct val="0"/>
+              </a:spcAft>
+              <a:buClr>
+                <a:srgbClr val="2D4A6D"/>
+              </a:buClr>
+              <a:buSzPct val="90000"/>
+              <a:buNone/>
+              <a:defRPr sz="1400">
+                <a:solidFill>
+                  <a:schemeClr val="tx1"/>
+                </a:solidFill>
+                <a:latin typeface="+mn-lt"/>
+              </a:defRPr>
+            </a:lvl6pPr>
+            <a:lvl7pPr marL="2743200" indent="0" algn="l" rtl="0" eaLnBrk="1" fontAlgn="base" hangingPunct="1">
+              <a:lnSpc>
+                <a:spcPct val="90000"/>
+              </a:lnSpc>
+              <a:spcBef>
+                <a:spcPct val="70000"/>
+              </a:spcBef>
+              <a:spcAft>
+                <a:spcPct val="0"/>
+              </a:spcAft>
+              <a:buClr>
+                <a:srgbClr val="2D4A6D"/>
+              </a:buClr>
+              <a:buSzPct val="90000"/>
+              <a:buNone/>
+              <a:defRPr sz="1400">
+                <a:solidFill>
+                  <a:schemeClr val="tx1"/>
+                </a:solidFill>
+                <a:latin typeface="+mn-lt"/>
+              </a:defRPr>
+            </a:lvl7pPr>
+            <a:lvl8pPr marL="3200400" indent="0" algn="l" rtl="0" eaLnBrk="1" fontAlgn="base" hangingPunct="1">
+              <a:lnSpc>
+                <a:spcPct val="90000"/>
+              </a:lnSpc>
+              <a:spcBef>
+                <a:spcPct val="70000"/>
+              </a:spcBef>
+              <a:spcAft>
+                <a:spcPct val="0"/>
+              </a:spcAft>
+              <a:buClr>
+                <a:srgbClr val="2D4A6D"/>
+              </a:buClr>
+              <a:buSzPct val="90000"/>
+              <a:buNone/>
+              <a:defRPr sz="1400">
+                <a:solidFill>
+                  <a:schemeClr val="tx1"/>
+                </a:solidFill>
+                <a:latin typeface="+mn-lt"/>
+              </a:defRPr>
+            </a:lvl8pPr>
+            <a:lvl9pPr marL="3657600" indent="0" algn="l" rtl="0" eaLnBrk="1" fontAlgn="base" hangingPunct="1">
+              <a:lnSpc>
+                <a:spcPct val="90000"/>
+              </a:lnSpc>
+              <a:spcBef>
+                <a:spcPct val="70000"/>
+              </a:spcBef>
+              <a:spcAft>
+                <a:spcPct val="0"/>
+              </a:spcAft>
+              <a:buClr>
+                <a:srgbClr val="2D4A6D"/>
+              </a:buClr>
+              <a:buSzPct val="90000"/>
+              <a:buNone/>
+              <a:defRPr sz="1400">
+                <a:solidFill>
+                  <a:schemeClr val="tx1"/>
+                </a:solidFill>
+                <a:latin typeface="+mn-lt"/>
+              </a:defRPr>
+            </a:lvl9pPr>
+          </a:lstStyle>
+          <a:p>
+            <a:pPr algn="ctr"/>
+            <a:r>
+              <a:rPr lang="fr-FR" sz="3200" b="1" kern="0" dirty="0">
+                <a:latin typeface="Lucida Console" panose="020B0609040504020204" pitchFamily="49" charset="0"/>
+              </a:rPr>
               <a:t>Exercices N°3</a:t>
             </a:r>
             <a:endParaRPr lang="fr-FR" sz="1100" b="1" kern="0" dirty="0">
@@ -14994,142 +15979,6 @@
     <p:extLst>
       <p:ext uri="{BB962C8B-B14F-4D97-AF65-F5344CB8AC3E}">
         <p14:creationId xmlns:p14="http://schemas.microsoft.com/office/powerpoint/2010/main" val="2223975806"/>
-      </p:ext>
-    </p:extLst>
-  </p:cSld>
-  <p:clrMapOvr>
-    <a:masterClrMapping/>
-  </p:clrMapOvr>
-</p:sld>
-</file>
-
-<file path=ppt/slides/slide22.xml><?xml version="1.0" encoding="utf-8"?>
-<p:sld xmlns:a="http://schemas.openxmlformats.org/drawingml/2006/main" xmlns:r="http://schemas.openxmlformats.org/officeDocument/2006/relationships" xmlns:p="http://schemas.openxmlformats.org/presentationml/2006/main">
-  <p:cSld>
-    <p:spTree>
-      <p:nvGrpSpPr>
-        <p:cNvPr id="1" name=""/>
-        <p:cNvGrpSpPr/>
-        <p:nvPr/>
-      </p:nvGrpSpPr>
-      <p:grpSpPr>
-        <a:xfrm>
-          <a:off x="0" y="0"/>
-          <a:ext cx="0" cy="0"/>
-          <a:chOff x="0" y="0"/>
-          <a:chExt cx="0" cy="0"/>
-        </a:xfrm>
-      </p:grpSpPr>
-      <p:sp>
-        <p:nvSpPr>
-          <p:cNvPr id="5" name="Espace réservé du texte 4">
-            <a:extLst>
-              <a:ext uri="{FF2B5EF4-FFF2-40B4-BE49-F238E27FC236}">
-                <a16:creationId xmlns:a16="http://schemas.microsoft.com/office/drawing/2014/main" id="{B04B57D7-6C5B-437B-950E-CAB0AFD2EF72}"/>
-              </a:ext>
-            </a:extLst>
-          </p:cNvPr>
-          <p:cNvSpPr>
-            <a:spLocks noGrp="1"/>
-          </p:cNvSpPr>
-          <p:nvPr>
-            <p:ph type="body" idx="1"/>
-          </p:nvPr>
-        </p:nvSpPr>
-        <p:spPr>
-          <a:xfrm>
-            <a:off x="685800" y="1700808"/>
-            <a:ext cx="7772400" cy="894109"/>
-          </a:xfrm>
-        </p:spPr>
-        <p:txBody>
-          <a:bodyPr/>
-          <a:lstStyle/>
-          <a:p>
-            <a:pPr algn="ctr"/>
-            <a:r>
-              <a:rPr lang="fr-FR" sz="5400" b="1" dirty="0">
-                <a:solidFill>
-                  <a:srgbClr val="FF9900"/>
-                </a:solidFill>
-                <a:latin typeface="Lucida Console" panose="020B0609040504020204" pitchFamily="49" charset="0"/>
-              </a:rPr>
-              <a:t>Atelier N°3</a:t>
-            </a:r>
-          </a:p>
-          <a:p>
-            <a:pPr algn="ctr"/>
-            <a:r>
-              <a:rPr lang="fr-FR" sz="3600" b="1" dirty="0">
-                <a:solidFill>
-                  <a:srgbClr val="FF9900"/>
-                </a:solidFill>
-                <a:latin typeface="Lucida Console" panose="020B0609040504020204" pitchFamily="49" charset="0"/>
-              </a:rPr>
-              <a:t>Windows PowerShell et VMware</a:t>
-            </a:r>
-            <a:r>
-              <a:rPr lang="fr-FR" sz="4400" b="1" dirty="0">
-                <a:latin typeface="Lucida Console" panose="020B0609040504020204" pitchFamily="49" charset="0"/>
-              </a:rPr>
-              <a:t> </a:t>
-            </a:r>
-            <a:endParaRPr lang="fr-FR" sz="1600" b="1" dirty="0">
-              <a:latin typeface="Lucida Console" panose="020B0609040504020204" pitchFamily="49" charset="0"/>
-            </a:endParaRPr>
-          </a:p>
-        </p:txBody>
-      </p:sp>
-      <p:pic>
-        <p:nvPicPr>
-          <p:cNvPr id="4" name="Image 3" descr="Une image contenant moniteur&#10;&#10;Description générée avec un niveau de confiance élevé">
-            <a:extLst>
-              <a:ext uri="{FF2B5EF4-FFF2-40B4-BE49-F238E27FC236}">
-                <a16:creationId xmlns:a16="http://schemas.microsoft.com/office/drawing/2014/main" id="{23BF1124-0CB2-40B7-AC26-F09EDC207037}"/>
-              </a:ext>
-            </a:extLst>
-          </p:cNvPr>
-          <p:cNvPicPr>
-            <a:picLocks noChangeAspect="1"/>
-          </p:cNvPicPr>
-          <p:nvPr/>
-        </p:nvPicPr>
-        <p:blipFill>
-          <a:blip r:embed="rId2">
-            <a:clrChange>
-              <a:clrFrom>
-                <a:srgbClr val="FFFFFF"/>
-              </a:clrFrom>
-              <a:clrTo>
-                <a:srgbClr val="FFFFFF">
-                  <a:alpha val="0"/>
-                </a:srgbClr>
-              </a:clrTo>
-            </a:clrChange>
-            <a:extLst>
-              <a:ext uri="{28A0092B-C50C-407E-A947-70E740481C1C}">
-                <a14:useLocalDpi xmlns:a14="http://schemas.microsoft.com/office/drawing/2010/main" val="0"/>
-              </a:ext>
-            </a:extLst>
-          </a:blip>
-          <a:stretch>
-            <a:fillRect/>
-          </a:stretch>
-        </p:blipFill>
-        <p:spPr>
-          <a:xfrm>
-            <a:off x="3597125" y="3292322"/>
-            <a:ext cx="1949750" cy="1941523"/>
-          </a:xfrm>
-          <a:prstGeom prst="rect">
-            <a:avLst/>
-          </a:prstGeom>
-        </p:spPr>
-      </p:pic>
-    </p:spTree>
-    <p:extLst>
-      <p:ext uri="{BB962C8B-B14F-4D97-AF65-F5344CB8AC3E}">
-        <p14:creationId xmlns:p14="http://schemas.microsoft.com/office/powerpoint/2010/main" val="3194070816"/>
       </p:ext>
     </p:extLst>
   </p:cSld>
@@ -15174,6 +16023,1084 @@
         </p:nvSpPr>
         <p:spPr>
           <a:xfrm>
+            <a:off x="685800" y="1700808"/>
+            <a:ext cx="7772400" cy="894109"/>
+          </a:xfrm>
+        </p:spPr>
+        <p:txBody>
+          <a:bodyPr/>
+          <a:lstStyle/>
+          <a:p>
+            <a:pPr algn="ctr"/>
+            <a:r>
+              <a:rPr lang="fr-FR" sz="5400" b="1" dirty="0">
+                <a:solidFill>
+                  <a:srgbClr val="FF9900"/>
+                </a:solidFill>
+                <a:latin typeface="Lucida Console" panose="020B0609040504020204" pitchFamily="49" charset="0"/>
+              </a:rPr>
+              <a:t>Atelier N°3</a:t>
+            </a:r>
+          </a:p>
+          <a:p>
+            <a:pPr algn="ctr"/>
+            <a:r>
+              <a:rPr lang="fr-FR" sz="3600" b="1" dirty="0">
+                <a:solidFill>
+                  <a:srgbClr val="FF9900"/>
+                </a:solidFill>
+                <a:latin typeface="Lucida Console" panose="020B0609040504020204" pitchFamily="49" charset="0"/>
+              </a:rPr>
+              <a:t>Windows PowerShell et VMware</a:t>
+            </a:r>
+            <a:r>
+              <a:rPr lang="fr-FR" sz="4400" b="1" dirty="0">
+                <a:latin typeface="Lucida Console" panose="020B0609040504020204" pitchFamily="49" charset="0"/>
+              </a:rPr>
+              <a:t> </a:t>
+            </a:r>
+            <a:endParaRPr lang="fr-FR" sz="1600" b="1" dirty="0">
+              <a:latin typeface="Lucida Console" panose="020B0609040504020204" pitchFamily="49" charset="0"/>
+            </a:endParaRPr>
+          </a:p>
+        </p:txBody>
+      </p:sp>
+      <p:pic>
+        <p:nvPicPr>
+          <p:cNvPr id="4" name="Image 3" descr="Une image contenant moniteur&#10;&#10;Description générée avec un niveau de confiance élevé">
+            <a:extLst>
+              <a:ext uri="{FF2B5EF4-FFF2-40B4-BE49-F238E27FC236}">
+                <a16:creationId xmlns:a16="http://schemas.microsoft.com/office/drawing/2014/main" id="{23BF1124-0CB2-40B7-AC26-F09EDC207037}"/>
+              </a:ext>
+            </a:extLst>
+          </p:cNvPr>
+          <p:cNvPicPr>
+            <a:picLocks noChangeAspect="1"/>
+          </p:cNvPicPr>
+          <p:nvPr/>
+        </p:nvPicPr>
+        <p:blipFill>
+          <a:blip r:embed="rId2">
+            <a:clrChange>
+              <a:clrFrom>
+                <a:srgbClr val="FFFFFF"/>
+              </a:clrFrom>
+              <a:clrTo>
+                <a:srgbClr val="FFFFFF">
+                  <a:alpha val="0"/>
+                </a:srgbClr>
+              </a:clrTo>
+            </a:clrChange>
+            <a:extLst>
+              <a:ext uri="{28A0092B-C50C-407E-A947-70E740481C1C}">
+                <a14:useLocalDpi xmlns:a14="http://schemas.microsoft.com/office/drawing/2010/main" val="0"/>
+              </a:ext>
+            </a:extLst>
+          </a:blip>
+          <a:stretch>
+            <a:fillRect/>
+          </a:stretch>
+        </p:blipFill>
+        <p:spPr>
+          <a:xfrm>
+            <a:off x="1697883" y="3102040"/>
+            <a:ext cx="1949750" cy="1941523"/>
+          </a:xfrm>
+          <a:prstGeom prst="rect">
+            <a:avLst/>
+          </a:prstGeom>
+        </p:spPr>
+      </p:pic>
+      <p:sp>
+        <p:nvSpPr>
+          <p:cNvPr id="2" name="Rectangle 1">
+            <a:extLst>
+              <a:ext uri="{FF2B5EF4-FFF2-40B4-BE49-F238E27FC236}">
+                <a16:creationId xmlns:a16="http://schemas.microsoft.com/office/drawing/2014/main" id="{DCEC092F-409D-45D9-AA50-F3FDDE32BBE6}"/>
+              </a:ext>
+            </a:extLst>
+          </p:cNvPr>
+          <p:cNvSpPr/>
+          <p:nvPr/>
+        </p:nvSpPr>
+        <p:spPr>
+          <a:xfrm>
+            <a:off x="1670399" y="6348716"/>
+            <a:ext cx="3078856" cy="369332"/>
+          </a:xfrm>
+          <a:prstGeom prst="rect">
+            <a:avLst/>
+          </a:prstGeom>
+        </p:spPr>
+        <p:txBody>
+          <a:bodyPr wrap="none">
+            <a:spAutoFit/>
+          </a:bodyPr>
+          <a:lstStyle/>
+          <a:p>
+            <a:r>
+              <a:rPr lang="fr-FR" dirty="0"/>
+              <a:t>https://t.co/0Q9va99xLV</a:t>
+            </a:r>
+          </a:p>
+        </p:txBody>
+      </p:sp>
+      <p:sp>
+        <p:nvSpPr>
+          <p:cNvPr id="6" name="Espace réservé du texte 4">
+            <a:extLst>
+              <a:ext uri="{FF2B5EF4-FFF2-40B4-BE49-F238E27FC236}">
+                <a16:creationId xmlns:a16="http://schemas.microsoft.com/office/drawing/2014/main" id="{4A7E7EF3-4530-470A-B49E-8A34A4EE8433}"/>
+              </a:ext>
+            </a:extLst>
+          </p:cNvPr>
+          <p:cNvSpPr txBox="1">
+            <a:spLocks/>
+          </p:cNvSpPr>
+          <p:nvPr/>
+        </p:nvSpPr>
+        <p:spPr bwMode="auto">
+          <a:xfrm>
+            <a:off x="827584" y="5733256"/>
+            <a:ext cx="7772400" cy="485381"/>
+          </a:xfrm>
+          <a:prstGeom prst="rect">
+            <a:avLst/>
+          </a:prstGeom>
+          <a:noFill/>
+          <a:ln w="9525">
+            <a:noFill/>
+            <a:miter lim="800000"/>
+            <a:headEnd/>
+            <a:tailEnd/>
+          </a:ln>
+        </p:spPr>
+        <p:txBody>
+          <a:bodyPr vert="horz" wrap="square" lIns="0" tIns="0" rIns="0" bIns="0" numCol="1" anchor="b" anchorCtr="0" compatLnSpc="1">
+            <a:prstTxWarp prst="textNoShape">
+              <a:avLst/>
+            </a:prstTxWarp>
+          </a:bodyPr>
+          <a:lstStyle>
+            <a:lvl1pPr marL="0" indent="0" algn="l" rtl="0" eaLnBrk="1" fontAlgn="base" hangingPunct="1">
+              <a:lnSpc>
+                <a:spcPct val="100000"/>
+              </a:lnSpc>
+              <a:spcBef>
+                <a:spcPts val="600"/>
+              </a:spcBef>
+              <a:spcAft>
+                <a:spcPct val="0"/>
+              </a:spcAft>
+              <a:buClr>
+                <a:srgbClr val="0070C0"/>
+              </a:buClr>
+              <a:buSzPct val="90000"/>
+              <a:buFont typeface="Arial" pitchFamily="34" charset="0"/>
+              <a:buNone/>
+              <a:defRPr sz="2000">
+                <a:solidFill>
+                  <a:schemeClr val="tx1"/>
+                </a:solidFill>
+                <a:latin typeface="Segoe UI" pitchFamily="34" charset="0"/>
+                <a:ea typeface="Segoe UI" pitchFamily="34" charset="0"/>
+                <a:cs typeface="Segoe UI" pitchFamily="34" charset="0"/>
+              </a:defRPr>
+            </a:lvl1pPr>
+            <a:lvl2pPr marL="457200" indent="0" algn="l" rtl="0" eaLnBrk="1" fontAlgn="base" hangingPunct="1">
+              <a:lnSpc>
+                <a:spcPct val="100000"/>
+              </a:lnSpc>
+              <a:spcBef>
+                <a:spcPts val="600"/>
+              </a:spcBef>
+              <a:spcAft>
+                <a:spcPct val="0"/>
+              </a:spcAft>
+              <a:buClr>
+                <a:srgbClr val="0070C0"/>
+              </a:buClr>
+              <a:buSzPct val="80000"/>
+              <a:buFont typeface="Arial" pitchFamily="34" charset="0"/>
+              <a:buNone/>
+              <a:defRPr sz="1800">
+                <a:solidFill>
+                  <a:schemeClr val="tx1"/>
+                </a:solidFill>
+                <a:latin typeface="Segoe UI" pitchFamily="34" charset="0"/>
+                <a:ea typeface="Segoe UI" pitchFamily="34" charset="0"/>
+                <a:cs typeface="Segoe UI" pitchFamily="34" charset="0"/>
+              </a:defRPr>
+            </a:lvl2pPr>
+            <a:lvl3pPr marL="914400" indent="0" algn="l" rtl="0" eaLnBrk="1" fontAlgn="base" hangingPunct="1">
+              <a:lnSpc>
+                <a:spcPct val="100000"/>
+              </a:lnSpc>
+              <a:spcBef>
+                <a:spcPts val="600"/>
+              </a:spcBef>
+              <a:spcAft>
+                <a:spcPct val="0"/>
+              </a:spcAft>
+              <a:buClr>
+                <a:srgbClr val="0070C0"/>
+              </a:buClr>
+              <a:buSzPct val="80000"/>
+              <a:buFont typeface="Arial" pitchFamily="34" charset="0"/>
+              <a:buNone/>
+              <a:defRPr sz="1600">
+                <a:solidFill>
+                  <a:schemeClr val="tx1"/>
+                </a:solidFill>
+                <a:latin typeface="Segoe UI" pitchFamily="34" charset="0"/>
+                <a:ea typeface="Segoe UI" pitchFamily="34" charset="0"/>
+                <a:cs typeface="Segoe UI" pitchFamily="34" charset="0"/>
+              </a:defRPr>
+            </a:lvl3pPr>
+            <a:lvl4pPr marL="1371600" indent="0" algn="l" rtl="0" eaLnBrk="1" fontAlgn="base" hangingPunct="1">
+              <a:lnSpc>
+                <a:spcPct val="100000"/>
+              </a:lnSpc>
+              <a:spcBef>
+                <a:spcPts val="600"/>
+              </a:spcBef>
+              <a:spcAft>
+                <a:spcPct val="0"/>
+              </a:spcAft>
+              <a:buClr>
+                <a:srgbClr val="0070C0"/>
+              </a:buClr>
+              <a:buSzPct val="90000"/>
+              <a:buFont typeface="Arial" pitchFamily="34" charset="0"/>
+              <a:buNone/>
+              <a:defRPr sz="1400">
+                <a:solidFill>
+                  <a:schemeClr val="tx1"/>
+                </a:solidFill>
+                <a:latin typeface="Segoe UI" pitchFamily="34" charset="0"/>
+                <a:ea typeface="Segoe UI" pitchFamily="34" charset="0"/>
+                <a:cs typeface="Segoe UI" pitchFamily="34" charset="0"/>
+              </a:defRPr>
+            </a:lvl4pPr>
+            <a:lvl5pPr marL="1828800" indent="0" algn="l" rtl="0" eaLnBrk="1" fontAlgn="base" hangingPunct="1">
+              <a:lnSpc>
+                <a:spcPct val="100000"/>
+              </a:lnSpc>
+              <a:spcBef>
+                <a:spcPts val="600"/>
+              </a:spcBef>
+              <a:spcAft>
+                <a:spcPct val="0"/>
+              </a:spcAft>
+              <a:buClr>
+                <a:srgbClr val="0070C0"/>
+              </a:buClr>
+              <a:buSzPct val="90000"/>
+              <a:buFont typeface="Arial" pitchFamily="34" charset="0"/>
+              <a:buNone/>
+              <a:defRPr sz="1400">
+                <a:solidFill>
+                  <a:schemeClr val="tx1"/>
+                </a:solidFill>
+                <a:latin typeface="Segoe UI" pitchFamily="34" charset="0"/>
+                <a:ea typeface="Segoe UI" pitchFamily="34" charset="0"/>
+                <a:cs typeface="Segoe UI" pitchFamily="34" charset="0"/>
+              </a:defRPr>
+            </a:lvl5pPr>
+            <a:lvl6pPr marL="2286000" indent="0" algn="l" rtl="0" eaLnBrk="1" fontAlgn="base" hangingPunct="1">
+              <a:lnSpc>
+                <a:spcPct val="90000"/>
+              </a:lnSpc>
+              <a:spcBef>
+                <a:spcPct val="70000"/>
+              </a:spcBef>
+              <a:spcAft>
+                <a:spcPct val="0"/>
+              </a:spcAft>
+              <a:buClr>
+                <a:srgbClr val="2D4A6D"/>
+              </a:buClr>
+              <a:buSzPct val="90000"/>
+              <a:buNone/>
+              <a:defRPr sz="1400">
+                <a:solidFill>
+                  <a:schemeClr val="tx1"/>
+                </a:solidFill>
+                <a:latin typeface="+mn-lt"/>
+              </a:defRPr>
+            </a:lvl6pPr>
+            <a:lvl7pPr marL="2743200" indent="0" algn="l" rtl="0" eaLnBrk="1" fontAlgn="base" hangingPunct="1">
+              <a:lnSpc>
+                <a:spcPct val="90000"/>
+              </a:lnSpc>
+              <a:spcBef>
+                <a:spcPct val="70000"/>
+              </a:spcBef>
+              <a:spcAft>
+                <a:spcPct val="0"/>
+              </a:spcAft>
+              <a:buClr>
+                <a:srgbClr val="2D4A6D"/>
+              </a:buClr>
+              <a:buSzPct val="90000"/>
+              <a:buNone/>
+              <a:defRPr sz="1400">
+                <a:solidFill>
+                  <a:schemeClr val="tx1"/>
+                </a:solidFill>
+                <a:latin typeface="+mn-lt"/>
+              </a:defRPr>
+            </a:lvl7pPr>
+            <a:lvl8pPr marL="3200400" indent="0" algn="l" rtl="0" eaLnBrk="1" fontAlgn="base" hangingPunct="1">
+              <a:lnSpc>
+                <a:spcPct val="90000"/>
+              </a:lnSpc>
+              <a:spcBef>
+                <a:spcPct val="70000"/>
+              </a:spcBef>
+              <a:spcAft>
+                <a:spcPct val="0"/>
+              </a:spcAft>
+              <a:buClr>
+                <a:srgbClr val="2D4A6D"/>
+              </a:buClr>
+              <a:buSzPct val="90000"/>
+              <a:buNone/>
+              <a:defRPr sz="1400">
+                <a:solidFill>
+                  <a:schemeClr val="tx1"/>
+                </a:solidFill>
+                <a:latin typeface="+mn-lt"/>
+              </a:defRPr>
+            </a:lvl8pPr>
+            <a:lvl9pPr marL="3657600" indent="0" algn="l" rtl="0" eaLnBrk="1" fontAlgn="base" hangingPunct="1">
+              <a:lnSpc>
+                <a:spcPct val="90000"/>
+              </a:lnSpc>
+              <a:spcBef>
+                <a:spcPct val="70000"/>
+              </a:spcBef>
+              <a:spcAft>
+                <a:spcPct val="0"/>
+              </a:spcAft>
+              <a:buClr>
+                <a:srgbClr val="2D4A6D"/>
+              </a:buClr>
+              <a:buSzPct val="90000"/>
+              <a:buNone/>
+              <a:defRPr sz="1400">
+                <a:solidFill>
+                  <a:schemeClr val="tx1"/>
+                </a:solidFill>
+                <a:latin typeface="+mn-lt"/>
+              </a:defRPr>
+            </a:lvl9pPr>
+          </a:lstStyle>
+          <a:p>
+            <a:pPr algn="ctr"/>
+            <a:r>
+              <a:rPr lang="fr-FR" sz="2400" kern="0" dirty="0" err="1">
+                <a:solidFill>
+                  <a:schemeClr val="tx2"/>
+                </a:solidFill>
+                <a:latin typeface="Lucida Console" panose="020B0609040504020204" pitchFamily="49" charset="0"/>
+              </a:rPr>
+              <a:t>Webcast</a:t>
+            </a:r>
+            <a:r>
+              <a:rPr lang="fr-FR" sz="2400" kern="0" dirty="0">
+                <a:solidFill>
+                  <a:schemeClr val="tx2"/>
+                </a:solidFill>
+                <a:latin typeface="Lucida Console" panose="020B0609040504020204" pitchFamily="49" charset="0"/>
+              </a:rPr>
+              <a:t> French </a:t>
+            </a:r>
+            <a:r>
+              <a:rPr lang="fr-FR" sz="2400" kern="0" dirty="0" err="1">
+                <a:solidFill>
+                  <a:schemeClr val="tx2"/>
+                </a:solidFill>
+                <a:latin typeface="Lucida Console" panose="020B0609040504020204" pitchFamily="49" charset="0"/>
+              </a:rPr>
+              <a:t>Powershell</a:t>
+            </a:r>
+            <a:r>
+              <a:rPr lang="fr-FR" sz="2400" kern="0" dirty="0">
+                <a:solidFill>
+                  <a:schemeClr val="tx2"/>
+                </a:solidFill>
+                <a:latin typeface="Lucida Console" panose="020B0609040504020204" pitchFamily="49" charset="0"/>
+              </a:rPr>
+              <a:t> </a:t>
+            </a:r>
+            <a:r>
+              <a:rPr lang="fr-FR" sz="2400" kern="0" dirty="0" err="1">
+                <a:solidFill>
+                  <a:schemeClr val="tx2"/>
+                </a:solidFill>
+                <a:latin typeface="Lucida Console" panose="020B0609040504020204" pitchFamily="49" charset="0"/>
+              </a:rPr>
+              <a:t>UserGroup</a:t>
+            </a:r>
+            <a:endParaRPr lang="fr-FR" sz="800" kern="0" dirty="0">
+              <a:solidFill>
+                <a:schemeClr val="tx2"/>
+              </a:solidFill>
+              <a:latin typeface="Lucida Console" panose="020B0609040504020204" pitchFamily="49" charset="0"/>
+            </a:endParaRPr>
+          </a:p>
+        </p:txBody>
+      </p:sp>
+      <p:pic>
+        <p:nvPicPr>
+          <p:cNvPr id="7" name="Image 6">
+            <a:extLst>
+              <a:ext uri="{FF2B5EF4-FFF2-40B4-BE49-F238E27FC236}">
+                <a16:creationId xmlns:a16="http://schemas.microsoft.com/office/drawing/2014/main" id="{019CEFCE-231F-494C-9E10-54BEA7A79A24}"/>
+              </a:ext>
+            </a:extLst>
+          </p:cNvPr>
+          <p:cNvPicPr>
+            <a:picLocks noChangeAspect="1"/>
+          </p:cNvPicPr>
+          <p:nvPr/>
+        </p:nvPicPr>
+        <p:blipFill>
+          <a:blip r:embed="rId3" cstate="print">
+            <a:clrChange>
+              <a:clrFrom>
+                <a:srgbClr val="FFFFFF"/>
+              </a:clrFrom>
+              <a:clrTo>
+                <a:srgbClr val="FFFFFF">
+                  <a:alpha val="0"/>
+                </a:srgbClr>
+              </a:clrTo>
+            </a:clrChange>
+            <a:extLst>
+              <a:ext uri="{28A0092B-C50C-407E-A947-70E740481C1C}">
+                <a14:useLocalDpi xmlns:a14="http://schemas.microsoft.com/office/drawing/2010/main" val="0"/>
+              </a:ext>
+              <a:ext uri="{837473B0-CC2E-450A-ABE3-18F120FF3D39}">
+                <a1611:picAttrSrcUrl xmlns:a1611="http://schemas.microsoft.com/office/drawing/2016/11/main" r:id="rId4"/>
+              </a:ext>
+            </a:extLst>
+          </a:blip>
+          <a:stretch>
+            <a:fillRect/>
+          </a:stretch>
+        </p:blipFill>
+        <p:spPr>
+          <a:xfrm>
+            <a:off x="977703" y="6187034"/>
+            <a:ext cx="692696" cy="692696"/>
+          </a:xfrm>
+          <a:prstGeom prst="rect">
+            <a:avLst/>
+          </a:prstGeom>
+        </p:spPr>
+      </p:pic>
+      <p:pic>
+        <p:nvPicPr>
+          <p:cNvPr id="10" name="Image 9">
+            <a:extLst>
+              <a:ext uri="{FF2B5EF4-FFF2-40B4-BE49-F238E27FC236}">
+                <a16:creationId xmlns:a16="http://schemas.microsoft.com/office/drawing/2014/main" id="{9DF25DE8-EBD2-40CB-B0D0-66C4D75389B6}"/>
+              </a:ext>
+            </a:extLst>
+          </p:cNvPr>
+          <p:cNvPicPr>
+            <a:picLocks noChangeAspect="1"/>
+          </p:cNvPicPr>
+          <p:nvPr/>
+        </p:nvPicPr>
+        <p:blipFill rotWithShape="1">
+          <a:blip r:embed="rId5" cstate="print">
+            <a:clrChange>
+              <a:clrFrom>
+                <a:srgbClr val="FFFFFF"/>
+              </a:clrFrom>
+              <a:clrTo>
+                <a:srgbClr val="FFFFFF">
+                  <a:alpha val="0"/>
+                </a:srgbClr>
+              </a:clrTo>
+            </a:clrChange>
+            <a:extLst>
+              <a:ext uri="{28A0092B-C50C-407E-A947-70E740481C1C}">
+                <a14:useLocalDpi xmlns:a14="http://schemas.microsoft.com/office/drawing/2010/main" val="0"/>
+              </a:ext>
+              <a:ext uri="{837473B0-CC2E-450A-ABE3-18F120FF3D39}">
+                <a1611:picAttrSrcUrl xmlns:a1611="http://schemas.microsoft.com/office/drawing/2016/11/main" r:id="rId6"/>
+              </a:ext>
+            </a:extLst>
+          </a:blip>
+          <a:srcRect r="62406"/>
+          <a:stretch/>
+        </p:blipFill>
+        <p:spPr>
+          <a:xfrm>
+            <a:off x="4946227" y="6250455"/>
+            <a:ext cx="501429" cy="565853"/>
+          </a:xfrm>
+          <a:prstGeom prst="rect">
+            <a:avLst/>
+          </a:prstGeom>
+        </p:spPr>
+      </p:pic>
+      <p:sp>
+        <p:nvSpPr>
+          <p:cNvPr id="12" name="Rectangle 11">
+            <a:extLst>
+              <a:ext uri="{FF2B5EF4-FFF2-40B4-BE49-F238E27FC236}">
+                <a16:creationId xmlns:a16="http://schemas.microsoft.com/office/drawing/2014/main" id="{6669BA94-51B9-473C-BE9C-4372DAAEB449}"/>
+              </a:ext>
+            </a:extLst>
+          </p:cNvPr>
+          <p:cNvSpPr/>
+          <p:nvPr/>
+        </p:nvSpPr>
+        <p:spPr>
+          <a:xfrm>
+            <a:off x="5576515" y="6348715"/>
+            <a:ext cx="3072957" cy="369332"/>
+          </a:xfrm>
+          <a:prstGeom prst="rect">
+            <a:avLst/>
+          </a:prstGeom>
+        </p:spPr>
+        <p:txBody>
+          <a:bodyPr wrap="none">
+            <a:spAutoFit/>
+          </a:bodyPr>
+          <a:lstStyle/>
+          <a:p>
+            <a:r>
+              <a:rPr lang="fr-FR" dirty="0"/>
+              <a:t>https://t.co/Fr591NnSBT</a:t>
+            </a:r>
+          </a:p>
+        </p:txBody>
+      </p:sp>
+      <p:pic>
+        <p:nvPicPr>
+          <p:cNvPr id="14" name="Image 13">
+            <a:extLst>
+              <a:ext uri="{FF2B5EF4-FFF2-40B4-BE49-F238E27FC236}">
+                <a16:creationId xmlns:a16="http://schemas.microsoft.com/office/drawing/2014/main" id="{ADD92B62-BE18-4C55-B92F-112B761D1EBB}"/>
+              </a:ext>
+            </a:extLst>
+          </p:cNvPr>
+          <p:cNvPicPr>
+            <a:picLocks noChangeAspect="1"/>
+          </p:cNvPicPr>
+          <p:nvPr/>
+        </p:nvPicPr>
+        <p:blipFill>
+          <a:blip r:embed="rId7" cstate="print">
+            <a:extLst>
+              <a:ext uri="{28A0092B-C50C-407E-A947-70E740481C1C}">
+                <a14:useLocalDpi xmlns:a14="http://schemas.microsoft.com/office/drawing/2010/main" val="0"/>
+              </a:ext>
+            </a:extLst>
+          </a:blip>
+          <a:stretch>
+            <a:fillRect/>
+          </a:stretch>
+        </p:blipFill>
+        <p:spPr>
+          <a:xfrm>
+            <a:off x="5907810" y="3102040"/>
+            <a:ext cx="1538307" cy="1538307"/>
+          </a:xfrm>
+          <a:prstGeom prst="rect">
+            <a:avLst/>
+          </a:prstGeom>
+        </p:spPr>
+      </p:pic>
+      <p:sp>
+        <p:nvSpPr>
+          <p:cNvPr id="15" name="Rectangle 14">
+            <a:extLst>
+              <a:ext uri="{FF2B5EF4-FFF2-40B4-BE49-F238E27FC236}">
+                <a16:creationId xmlns:a16="http://schemas.microsoft.com/office/drawing/2014/main" id="{9DF28C8C-4B5A-460A-8AB4-F43B7B25AC89}"/>
+              </a:ext>
+            </a:extLst>
+          </p:cNvPr>
+          <p:cNvSpPr/>
+          <p:nvPr/>
+        </p:nvSpPr>
+        <p:spPr>
+          <a:xfrm>
+            <a:off x="5160682" y="4770425"/>
+            <a:ext cx="3032561" cy="369332"/>
+          </a:xfrm>
+          <a:prstGeom prst="rect">
+            <a:avLst/>
+          </a:prstGeom>
+        </p:spPr>
+        <p:txBody>
+          <a:bodyPr wrap="none">
+            <a:spAutoFit/>
+          </a:bodyPr>
+          <a:lstStyle/>
+          <a:p>
+            <a:r>
+              <a:rPr lang="fr-FR" dirty="0"/>
+              <a:t>https://frpsug.github.io/</a:t>
+            </a:r>
+          </a:p>
+        </p:txBody>
+      </p:sp>
+    </p:spTree>
+    <p:extLst>
+      <p:ext uri="{BB962C8B-B14F-4D97-AF65-F5344CB8AC3E}">
+        <p14:creationId xmlns:p14="http://schemas.microsoft.com/office/powerpoint/2010/main" val="3194070816"/>
+      </p:ext>
+    </p:extLst>
+  </p:cSld>
+  <p:clrMapOvr>
+    <a:masterClrMapping/>
+  </p:clrMapOvr>
+</p:sld>
+</file>
+
+<file path=ppt/slides/slide24.xml><?xml version="1.0" encoding="utf-8"?>
+<p:sld xmlns:a="http://schemas.openxmlformats.org/drawingml/2006/main" xmlns:r="http://schemas.openxmlformats.org/officeDocument/2006/relationships" xmlns:p="http://schemas.openxmlformats.org/presentationml/2006/main">
+  <p:cSld>
+    <p:spTree>
+      <p:nvGrpSpPr>
+        <p:cNvPr id="1" name=""/>
+        <p:cNvGrpSpPr/>
+        <p:nvPr/>
+      </p:nvGrpSpPr>
+      <p:grpSpPr>
+        <a:xfrm>
+          <a:off x="0" y="0"/>
+          <a:ext cx="0" cy="0"/>
+          <a:chOff x="0" y="0"/>
+          <a:chExt cx="0" cy="0"/>
+        </a:xfrm>
+      </p:grpSpPr>
+      <p:sp>
+        <p:nvSpPr>
+          <p:cNvPr id="7" name="Espace réservé du texte 4">
+            <a:extLst>
+              <a:ext uri="{FF2B5EF4-FFF2-40B4-BE49-F238E27FC236}">
+                <a16:creationId xmlns:a16="http://schemas.microsoft.com/office/drawing/2014/main" id="{E9AA3234-8156-42BC-AB48-1D2AEF87447F}"/>
+              </a:ext>
+            </a:extLst>
+          </p:cNvPr>
+          <p:cNvSpPr txBox="1">
+            <a:spLocks/>
+          </p:cNvSpPr>
+          <p:nvPr/>
+        </p:nvSpPr>
+        <p:spPr bwMode="auto">
+          <a:xfrm>
+            <a:off x="179512" y="1052736"/>
+            <a:ext cx="3456384" cy="504056"/>
+          </a:xfrm>
+          <a:prstGeom prst="rect">
+            <a:avLst/>
+          </a:prstGeom>
+          <a:noFill/>
+          <a:ln w="9525">
+            <a:noFill/>
+            <a:miter lim="800000"/>
+            <a:headEnd/>
+            <a:tailEnd/>
+          </a:ln>
+        </p:spPr>
+        <p:txBody>
+          <a:bodyPr vert="horz" wrap="square" lIns="0" tIns="0" rIns="0" bIns="0" numCol="1" anchor="b" anchorCtr="0" compatLnSpc="1">
+            <a:prstTxWarp prst="textNoShape">
+              <a:avLst/>
+            </a:prstTxWarp>
+          </a:bodyPr>
+          <a:lstStyle>
+            <a:lvl1pPr marL="0" indent="0" algn="l" rtl="0" eaLnBrk="1" fontAlgn="base" hangingPunct="1">
+              <a:lnSpc>
+                <a:spcPct val="100000"/>
+              </a:lnSpc>
+              <a:spcBef>
+                <a:spcPts val="600"/>
+              </a:spcBef>
+              <a:spcAft>
+                <a:spcPct val="0"/>
+              </a:spcAft>
+              <a:buClr>
+                <a:srgbClr val="0070C0"/>
+              </a:buClr>
+              <a:buSzPct val="90000"/>
+              <a:buFont typeface="Arial" pitchFamily="34" charset="0"/>
+              <a:buNone/>
+              <a:defRPr sz="2000">
+                <a:solidFill>
+                  <a:schemeClr val="tx1"/>
+                </a:solidFill>
+                <a:latin typeface="Segoe UI" pitchFamily="34" charset="0"/>
+                <a:ea typeface="Segoe UI" pitchFamily="34" charset="0"/>
+                <a:cs typeface="Segoe UI" pitchFamily="34" charset="0"/>
+              </a:defRPr>
+            </a:lvl1pPr>
+            <a:lvl2pPr marL="457200" indent="0" algn="l" rtl="0" eaLnBrk="1" fontAlgn="base" hangingPunct="1">
+              <a:lnSpc>
+                <a:spcPct val="100000"/>
+              </a:lnSpc>
+              <a:spcBef>
+                <a:spcPts val="600"/>
+              </a:spcBef>
+              <a:spcAft>
+                <a:spcPct val="0"/>
+              </a:spcAft>
+              <a:buClr>
+                <a:srgbClr val="0070C0"/>
+              </a:buClr>
+              <a:buSzPct val="80000"/>
+              <a:buFont typeface="Arial" pitchFamily="34" charset="0"/>
+              <a:buNone/>
+              <a:defRPr sz="1800">
+                <a:solidFill>
+                  <a:schemeClr val="tx1"/>
+                </a:solidFill>
+                <a:latin typeface="Segoe UI" pitchFamily="34" charset="0"/>
+                <a:ea typeface="Segoe UI" pitchFamily="34" charset="0"/>
+                <a:cs typeface="Segoe UI" pitchFamily="34" charset="0"/>
+              </a:defRPr>
+            </a:lvl2pPr>
+            <a:lvl3pPr marL="914400" indent="0" algn="l" rtl="0" eaLnBrk="1" fontAlgn="base" hangingPunct="1">
+              <a:lnSpc>
+                <a:spcPct val="100000"/>
+              </a:lnSpc>
+              <a:spcBef>
+                <a:spcPts val="600"/>
+              </a:spcBef>
+              <a:spcAft>
+                <a:spcPct val="0"/>
+              </a:spcAft>
+              <a:buClr>
+                <a:srgbClr val="0070C0"/>
+              </a:buClr>
+              <a:buSzPct val="80000"/>
+              <a:buFont typeface="Arial" pitchFamily="34" charset="0"/>
+              <a:buNone/>
+              <a:defRPr sz="1600">
+                <a:solidFill>
+                  <a:schemeClr val="tx1"/>
+                </a:solidFill>
+                <a:latin typeface="Segoe UI" pitchFamily="34" charset="0"/>
+                <a:ea typeface="Segoe UI" pitchFamily="34" charset="0"/>
+                <a:cs typeface="Segoe UI" pitchFamily="34" charset="0"/>
+              </a:defRPr>
+            </a:lvl3pPr>
+            <a:lvl4pPr marL="1371600" indent="0" algn="l" rtl="0" eaLnBrk="1" fontAlgn="base" hangingPunct="1">
+              <a:lnSpc>
+                <a:spcPct val="100000"/>
+              </a:lnSpc>
+              <a:spcBef>
+                <a:spcPts val="600"/>
+              </a:spcBef>
+              <a:spcAft>
+                <a:spcPct val="0"/>
+              </a:spcAft>
+              <a:buClr>
+                <a:srgbClr val="0070C0"/>
+              </a:buClr>
+              <a:buSzPct val="90000"/>
+              <a:buFont typeface="Arial" pitchFamily="34" charset="0"/>
+              <a:buNone/>
+              <a:defRPr sz="1400">
+                <a:solidFill>
+                  <a:schemeClr val="tx1"/>
+                </a:solidFill>
+                <a:latin typeface="Segoe UI" pitchFamily="34" charset="0"/>
+                <a:ea typeface="Segoe UI" pitchFamily="34" charset="0"/>
+                <a:cs typeface="Segoe UI" pitchFamily="34" charset="0"/>
+              </a:defRPr>
+            </a:lvl4pPr>
+            <a:lvl5pPr marL="1828800" indent="0" algn="l" rtl="0" eaLnBrk="1" fontAlgn="base" hangingPunct="1">
+              <a:lnSpc>
+                <a:spcPct val="100000"/>
+              </a:lnSpc>
+              <a:spcBef>
+                <a:spcPts val="600"/>
+              </a:spcBef>
+              <a:spcAft>
+                <a:spcPct val="0"/>
+              </a:spcAft>
+              <a:buClr>
+                <a:srgbClr val="0070C0"/>
+              </a:buClr>
+              <a:buSzPct val="90000"/>
+              <a:buFont typeface="Arial" pitchFamily="34" charset="0"/>
+              <a:buNone/>
+              <a:defRPr sz="1400">
+                <a:solidFill>
+                  <a:schemeClr val="tx1"/>
+                </a:solidFill>
+                <a:latin typeface="Segoe UI" pitchFamily="34" charset="0"/>
+                <a:ea typeface="Segoe UI" pitchFamily="34" charset="0"/>
+                <a:cs typeface="Segoe UI" pitchFamily="34" charset="0"/>
+              </a:defRPr>
+            </a:lvl5pPr>
+            <a:lvl6pPr marL="2286000" indent="0" algn="l" rtl="0" eaLnBrk="1" fontAlgn="base" hangingPunct="1">
+              <a:lnSpc>
+                <a:spcPct val="90000"/>
+              </a:lnSpc>
+              <a:spcBef>
+                <a:spcPct val="70000"/>
+              </a:spcBef>
+              <a:spcAft>
+                <a:spcPct val="0"/>
+              </a:spcAft>
+              <a:buClr>
+                <a:srgbClr val="2D4A6D"/>
+              </a:buClr>
+              <a:buSzPct val="90000"/>
+              <a:buNone/>
+              <a:defRPr sz="1400">
+                <a:solidFill>
+                  <a:schemeClr val="tx1"/>
+                </a:solidFill>
+                <a:latin typeface="+mn-lt"/>
+              </a:defRPr>
+            </a:lvl6pPr>
+            <a:lvl7pPr marL="2743200" indent="0" algn="l" rtl="0" eaLnBrk="1" fontAlgn="base" hangingPunct="1">
+              <a:lnSpc>
+                <a:spcPct val="90000"/>
+              </a:lnSpc>
+              <a:spcBef>
+                <a:spcPct val="70000"/>
+              </a:spcBef>
+              <a:spcAft>
+                <a:spcPct val="0"/>
+              </a:spcAft>
+              <a:buClr>
+                <a:srgbClr val="2D4A6D"/>
+              </a:buClr>
+              <a:buSzPct val="90000"/>
+              <a:buNone/>
+              <a:defRPr sz="1400">
+                <a:solidFill>
+                  <a:schemeClr val="tx1"/>
+                </a:solidFill>
+                <a:latin typeface="+mn-lt"/>
+              </a:defRPr>
+            </a:lvl7pPr>
+            <a:lvl8pPr marL="3200400" indent="0" algn="l" rtl="0" eaLnBrk="1" fontAlgn="base" hangingPunct="1">
+              <a:lnSpc>
+                <a:spcPct val="90000"/>
+              </a:lnSpc>
+              <a:spcBef>
+                <a:spcPct val="70000"/>
+              </a:spcBef>
+              <a:spcAft>
+                <a:spcPct val="0"/>
+              </a:spcAft>
+              <a:buClr>
+                <a:srgbClr val="2D4A6D"/>
+              </a:buClr>
+              <a:buSzPct val="90000"/>
+              <a:buNone/>
+              <a:defRPr sz="1400">
+                <a:solidFill>
+                  <a:schemeClr val="tx1"/>
+                </a:solidFill>
+                <a:latin typeface="+mn-lt"/>
+              </a:defRPr>
+            </a:lvl8pPr>
+            <a:lvl9pPr marL="3657600" indent="0" algn="l" rtl="0" eaLnBrk="1" fontAlgn="base" hangingPunct="1">
+              <a:lnSpc>
+                <a:spcPct val="90000"/>
+              </a:lnSpc>
+              <a:spcBef>
+                <a:spcPct val="70000"/>
+              </a:spcBef>
+              <a:spcAft>
+                <a:spcPct val="0"/>
+              </a:spcAft>
+              <a:buClr>
+                <a:srgbClr val="2D4A6D"/>
+              </a:buClr>
+              <a:buSzPct val="90000"/>
+              <a:buNone/>
+              <a:defRPr sz="1400">
+                <a:solidFill>
+                  <a:schemeClr val="tx1"/>
+                </a:solidFill>
+                <a:latin typeface="+mn-lt"/>
+              </a:defRPr>
+            </a:lvl9pPr>
+          </a:lstStyle>
+          <a:p>
+            <a:pPr algn="ctr"/>
+            <a:r>
+              <a:rPr lang="fr-FR" sz="3200" b="1" kern="0" dirty="0">
+                <a:latin typeface="Lucida Console" panose="020B0609040504020204" pitchFamily="49" charset="0"/>
+              </a:rPr>
+              <a:t>Exercices N°1</a:t>
+            </a:r>
+            <a:endParaRPr lang="fr-FR" sz="1100" b="1" kern="0" dirty="0">
+              <a:latin typeface="Lucida Console" panose="020B0609040504020204" pitchFamily="49" charset="0"/>
+            </a:endParaRPr>
+          </a:p>
+        </p:txBody>
+      </p:sp>
+      <p:sp>
+        <p:nvSpPr>
+          <p:cNvPr id="9" name="ZoneTexte 8">
+            <a:extLst>
+              <a:ext uri="{FF2B5EF4-FFF2-40B4-BE49-F238E27FC236}">
+                <a16:creationId xmlns:a16="http://schemas.microsoft.com/office/drawing/2014/main" id="{7DD1B9C4-2379-4C83-A194-DC7267348A93}"/>
+              </a:ext>
+            </a:extLst>
+          </p:cNvPr>
+          <p:cNvSpPr txBox="1"/>
+          <p:nvPr/>
+        </p:nvSpPr>
+        <p:spPr>
+          <a:xfrm>
+            <a:off x="76446" y="1988840"/>
+            <a:ext cx="8991107" cy="1477328"/>
+          </a:xfrm>
+          <a:prstGeom prst="rect">
+            <a:avLst/>
+          </a:prstGeom>
+          <a:noFill/>
+        </p:spPr>
+        <p:txBody>
+          <a:bodyPr wrap="square" rtlCol="0">
+            <a:spAutoFit/>
+          </a:bodyPr>
+          <a:lstStyle/>
+          <a:p>
+            <a:pPr marL="285750" indent="-285750" algn="just">
+              <a:buFont typeface="Arial" panose="020B0604020202020204" pitchFamily="34" charset="0"/>
+              <a:buChar char="•"/>
+            </a:pPr>
+            <a:r>
+              <a:rPr lang="fr-FR" dirty="0"/>
+              <a:t>Création d’une Machine Virtuelle =&gt; Template</a:t>
+            </a:r>
+          </a:p>
+          <a:p>
+            <a:pPr marL="285750" indent="-285750" algn="just">
+              <a:buFont typeface="Arial" panose="020B0604020202020204" pitchFamily="34" charset="0"/>
+              <a:buChar char="•"/>
+            </a:pPr>
+            <a:r>
+              <a:rPr lang="fr-FR" dirty="0"/>
+              <a:t>Clonage de VM </a:t>
+            </a:r>
+          </a:p>
+          <a:p>
+            <a:pPr marL="742950" lvl="1" indent="-285750" algn="just">
+              <a:buFont typeface="Arial" panose="020B0604020202020204" pitchFamily="34" charset="0"/>
+              <a:buChar char="•"/>
+            </a:pPr>
+            <a:r>
+              <a:rPr lang="fr-FR" dirty="0"/>
+              <a:t>Configuration Réseau des VM</a:t>
+            </a:r>
+          </a:p>
+          <a:p>
+            <a:pPr marL="742950" lvl="1" indent="-285750" algn="just">
+              <a:buFont typeface="Arial" panose="020B0604020202020204" pitchFamily="34" charset="0"/>
+              <a:buChar char="•"/>
+            </a:pPr>
+            <a:endParaRPr lang="fr-FR" dirty="0"/>
+          </a:p>
+          <a:p>
+            <a:pPr algn="just"/>
+            <a:endParaRPr lang="fr-FR" dirty="0"/>
+          </a:p>
+        </p:txBody>
+      </p:sp>
+      <p:sp>
+        <p:nvSpPr>
+          <p:cNvPr id="12" name="Titre 1">
+            <a:extLst>
+              <a:ext uri="{FF2B5EF4-FFF2-40B4-BE49-F238E27FC236}">
+                <a16:creationId xmlns:a16="http://schemas.microsoft.com/office/drawing/2014/main" id="{E35B7532-6D0A-4DBE-A135-2E6875FCF1CA}"/>
+              </a:ext>
+            </a:extLst>
+          </p:cNvPr>
+          <p:cNvSpPr>
+            <a:spLocks noGrp="1"/>
+          </p:cNvSpPr>
+          <p:nvPr>
+            <p:ph type="title"/>
+          </p:nvPr>
+        </p:nvSpPr>
+        <p:spPr>
+          <a:xfrm>
+            <a:off x="418144" y="128569"/>
+            <a:ext cx="7773988" cy="740664"/>
+          </a:xfrm>
+        </p:spPr>
+        <p:txBody>
+          <a:bodyPr/>
+          <a:lstStyle/>
+          <a:p>
+            <a:r>
+              <a:rPr lang="fr-FR" sz="2800" dirty="0">
+                <a:latin typeface="Lucida Console" panose="020B0609040504020204" pitchFamily="49" charset="0"/>
+              </a:rPr>
+              <a:t>Atelier N°3 - Exercices</a:t>
+            </a:r>
+          </a:p>
+        </p:txBody>
+      </p:sp>
+    </p:spTree>
+    <p:extLst>
+      <p:ext uri="{BB962C8B-B14F-4D97-AF65-F5344CB8AC3E}">
+        <p14:creationId xmlns:p14="http://schemas.microsoft.com/office/powerpoint/2010/main" val="2118545257"/>
+      </p:ext>
+    </p:extLst>
+  </p:cSld>
+  <p:clrMapOvr>
+    <a:masterClrMapping/>
+  </p:clrMapOvr>
+</p:sld>
+</file>
+
+<file path=ppt/slides/slide25.xml><?xml version="1.0" encoding="utf-8"?>
+<p:sld xmlns:a="http://schemas.openxmlformats.org/drawingml/2006/main" xmlns:r="http://schemas.openxmlformats.org/officeDocument/2006/relationships" xmlns:p="http://schemas.openxmlformats.org/presentationml/2006/main">
+  <p:cSld>
+    <p:spTree>
+      <p:nvGrpSpPr>
+        <p:cNvPr id="1" name=""/>
+        <p:cNvGrpSpPr/>
+        <p:nvPr/>
+      </p:nvGrpSpPr>
+      <p:grpSpPr>
+        <a:xfrm>
+          <a:off x="0" y="0"/>
+          <a:ext cx="0" cy="0"/>
+          <a:chOff x="0" y="0"/>
+          <a:chExt cx="0" cy="0"/>
+        </a:xfrm>
+      </p:grpSpPr>
+      <p:sp>
+        <p:nvSpPr>
+          <p:cNvPr id="5" name="Espace réservé du texte 4">
+            <a:extLst>
+              <a:ext uri="{FF2B5EF4-FFF2-40B4-BE49-F238E27FC236}">
+                <a16:creationId xmlns:a16="http://schemas.microsoft.com/office/drawing/2014/main" id="{B04B57D7-6C5B-437B-950E-CAB0AFD2EF72}"/>
+              </a:ext>
+            </a:extLst>
+          </p:cNvPr>
+          <p:cNvSpPr>
+            <a:spLocks noGrp="1"/>
+          </p:cNvSpPr>
+          <p:nvPr>
+            <p:ph type="body" idx="1"/>
+          </p:nvPr>
+        </p:nvSpPr>
+        <p:spPr>
+          <a:xfrm>
             <a:off x="685800" y="1628800"/>
             <a:ext cx="7772400" cy="894109"/>
           </a:xfrm>
@@ -15249,6 +17176,36 @@
           </a:prstGeom>
         </p:spPr>
       </p:pic>
+      <p:pic>
+        <p:nvPicPr>
+          <p:cNvPr id="2" name="Image 1">
+            <a:extLst>
+              <a:ext uri="{FF2B5EF4-FFF2-40B4-BE49-F238E27FC236}">
+                <a16:creationId xmlns:a16="http://schemas.microsoft.com/office/drawing/2014/main" id="{E7EE49A1-9A54-42F1-8EC9-2CE77913C2CA}"/>
+              </a:ext>
+            </a:extLst>
+          </p:cNvPr>
+          <p:cNvPicPr>
+            <a:picLocks noChangeAspect="1"/>
+          </p:cNvPicPr>
+          <p:nvPr/>
+        </p:nvPicPr>
+        <p:blipFill>
+          <a:blip r:embed="rId3"/>
+          <a:stretch>
+            <a:fillRect/>
+          </a:stretch>
+        </p:blipFill>
+        <p:spPr>
+          <a:xfrm>
+            <a:off x="1306488" y="2708920"/>
+            <a:ext cx="6876256" cy="3523146"/>
+          </a:xfrm>
+          <a:prstGeom prst="rect">
+            <a:avLst/>
+          </a:prstGeom>
+        </p:spPr>
+      </p:pic>
     </p:spTree>
     <p:extLst>
       <p:ext uri="{BB962C8B-B14F-4D97-AF65-F5344CB8AC3E}">
@@ -15259,10 +17216,199 @@
   <p:clrMapOvr>
     <a:masterClrMapping/>
   </p:clrMapOvr>
+  <p:timing>
+    <p:tnLst>
+      <p:par>
+        <p:cTn id="1" dur="indefinite" restart="never" nodeType="tmRoot">
+          <p:childTnLst>
+            <p:seq concurrent="1" nextAc="seek">
+              <p:cTn id="2" dur="indefinite" nodeType="mainSeq">
+                <p:childTnLst>
+                  <p:par>
+                    <p:cTn id="3" fill="hold">
+                      <p:stCondLst>
+                        <p:cond delay="indefinite"/>
+                      </p:stCondLst>
+                      <p:childTnLst>
+                        <p:par>
+                          <p:cTn id="4" fill="hold">
+                            <p:stCondLst>
+                              <p:cond delay="0"/>
+                            </p:stCondLst>
+                            <p:childTnLst>
+                              <p:par>
+                                <p:cTn id="5" presetID="10" presetClass="entr" presetSubtype="0" fill="hold" nodeType="clickEffect">
+                                  <p:stCondLst>
+                                    <p:cond delay="0"/>
+                                  </p:stCondLst>
+                                  <p:childTnLst>
+                                    <p:set>
+                                      <p:cBhvr>
+                                        <p:cTn id="6" dur="1" fill="hold">
+                                          <p:stCondLst>
+                                            <p:cond delay="0"/>
+                                          </p:stCondLst>
+                                        </p:cTn>
+                                        <p:tgtEl>
+                                          <p:spTgt spid="2"/>
+                                        </p:tgtEl>
+                                        <p:attrNameLst>
+                                          <p:attrName>style.visibility</p:attrName>
+                                        </p:attrNameLst>
+                                      </p:cBhvr>
+                                      <p:to>
+                                        <p:strVal val="visible"/>
+                                      </p:to>
+                                    </p:set>
+                                    <p:animEffect transition="in" filter="fade">
+                                      <p:cBhvr>
+                                        <p:cTn id="7" dur="500"/>
+                                        <p:tgtEl>
+                                          <p:spTgt spid="2"/>
+                                        </p:tgtEl>
+                                      </p:cBhvr>
+                                    </p:animEffect>
+                                  </p:childTnLst>
+                                </p:cTn>
+                              </p:par>
+                            </p:childTnLst>
+                          </p:cTn>
+                        </p:par>
+                      </p:childTnLst>
+                    </p:cTn>
+                  </p:par>
+                  <p:par>
+                    <p:cTn id="8" fill="hold">
+                      <p:stCondLst>
+                        <p:cond delay="indefinite"/>
+                      </p:stCondLst>
+                      <p:childTnLst>
+                        <p:par>
+                          <p:cTn id="9" fill="hold">
+                            <p:stCondLst>
+                              <p:cond delay="0"/>
+                            </p:stCondLst>
+                            <p:childTnLst>
+                              <p:par>
+                                <p:cTn id="10" presetID="16" presetClass="exit" presetSubtype="21" fill="hold" nodeType="clickEffect">
+                                  <p:stCondLst>
+                                    <p:cond delay="0"/>
+                                  </p:stCondLst>
+                                  <p:childTnLst>
+                                    <p:animEffect transition="out" filter="barn(inVertical)">
+                                      <p:cBhvr>
+                                        <p:cTn id="11" dur="500"/>
+                                        <p:tgtEl>
+                                          <p:spTgt spid="2"/>
+                                        </p:tgtEl>
+                                      </p:cBhvr>
+                                    </p:animEffect>
+                                    <p:set>
+                                      <p:cBhvr>
+                                        <p:cTn id="12" dur="1" fill="hold">
+                                          <p:stCondLst>
+                                            <p:cond delay="499"/>
+                                          </p:stCondLst>
+                                        </p:cTn>
+                                        <p:tgtEl>
+                                          <p:spTgt spid="2"/>
+                                        </p:tgtEl>
+                                        <p:attrNameLst>
+                                          <p:attrName>style.visibility</p:attrName>
+                                        </p:attrNameLst>
+                                      </p:cBhvr>
+                                      <p:to>
+                                        <p:strVal val="hidden"/>
+                                      </p:to>
+                                    </p:set>
+                                  </p:childTnLst>
+                                </p:cTn>
+                              </p:par>
+                            </p:childTnLst>
+                          </p:cTn>
+                        </p:par>
+                      </p:childTnLst>
+                    </p:cTn>
+                  </p:par>
+                  <p:par>
+                    <p:cTn id="13" fill="hold">
+                      <p:stCondLst>
+                        <p:cond delay="indefinite"/>
+                      </p:stCondLst>
+                      <p:childTnLst>
+                        <p:par>
+                          <p:cTn id="14" fill="hold">
+                            <p:stCondLst>
+                              <p:cond delay="0"/>
+                            </p:stCondLst>
+                            <p:childTnLst>
+                              <p:par>
+                                <p:cTn id="15" presetID="10" presetClass="entr" presetSubtype="0" fill="hold" nodeType="clickEffect">
+                                  <p:stCondLst>
+                                    <p:cond delay="0"/>
+                                  </p:stCondLst>
+                                  <p:childTnLst>
+                                    <p:set>
+                                      <p:cBhvr>
+                                        <p:cTn id="16" dur="1" fill="hold">
+                                          <p:stCondLst>
+                                            <p:cond delay="0"/>
+                                          </p:stCondLst>
+                                        </p:cTn>
+                                        <p:tgtEl>
+                                          <p:spTgt spid="4"/>
+                                        </p:tgtEl>
+                                        <p:attrNameLst>
+                                          <p:attrName>style.visibility</p:attrName>
+                                        </p:attrNameLst>
+                                      </p:cBhvr>
+                                      <p:to>
+                                        <p:strVal val="visible"/>
+                                      </p:to>
+                                    </p:set>
+                                    <p:animEffect transition="in" filter="fade">
+                                      <p:cBhvr>
+                                        <p:cTn id="17" dur="500"/>
+                                        <p:tgtEl>
+                                          <p:spTgt spid="4"/>
+                                        </p:tgtEl>
+                                      </p:cBhvr>
+                                    </p:animEffect>
+                                  </p:childTnLst>
+                                </p:cTn>
+                              </p:par>
+                            </p:childTnLst>
+                          </p:cTn>
+                        </p:par>
+                      </p:childTnLst>
+                    </p:cTn>
+                  </p:par>
+                </p:childTnLst>
+              </p:cTn>
+              <p:prevCondLst>
+                <p:cond evt="onPrev" delay="0">
+                  <p:tgtEl>
+                    <p:sldTgt/>
+                  </p:tgtEl>
+                </p:cond>
+              </p:prevCondLst>
+              <p:nextCondLst>
+                <p:cond evt="onNext" delay="0">
+                  <p:tgtEl>
+                    <p:sldTgt/>
+                  </p:tgtEl>
+                </p:cond>
+              </p:nextCondLst>
+            </p:seq>
+          </p:childTnLst>
+        </p:cTn>
+      </p:par>
+    </p:tnLst>
+  </p:timing>
 </p:sld>
 </file>
 
-<file path=ppt/slides/slide24.xml><?xml version="1.0" encoding="utf-8"?>
+<file path=ppt/slides/slide26.xml><?xml version="1.0" encoding="utf-8"?>
 <p:sld xmlns:a="http://schemas.openxmlformats.org/drawingml/2006/main" xmlns:r="http://schemas.openxmlformats.org/officeDocument/2006/relationships" xmlns:p="http://schemas.openxmlformats.org/presentationml/2006/main">
   <p:cSld>
     <p:spTree>
@@ -15309,6 +17455,71 @@
           </a:prstGeom>
         </p:spPr>
       </p:pic>
+      <p:pic>
+        <p:nvPicPr>
+          <p:cNvPr id="2" name="Image 1">
+            <a:extLst>
+              <a:ext uri="{FF2B5EF4-FFF2-40B4-BE49-F238E27FC236}">
+                <a16:creationId xmlns:a16="http://schemas.microsoft.com/office/drawing/2014/main" id="{F250094A-872C-4BA1-99A2-30402C40FC60}"/>
+              </a:ext>
+            </a:extLst>
+          </p:cNvPr>
+          <p:cNvPicPr>
+            <a:picLocks noChangeAspect="1"/>
+          </p:cNvPicPr>
+          <p:nvPr/>
+        </p:nvPicPr>
+        <p:blipFill>
+          <a:blip r:embed="rId3"/>
+          <a:stretch>
+            <a:fillRect/>
+          </a:stretch>
+        </p:blipFill>
+        <p:spPr>
+          <a:xfrm>
+            <a:off x="676275" y="1081087"/>
+            <a:ext cx="7800975" cy="4695825"/>
+          </a:xfrm>
+          <a:prstGeom prst="rect">
+            <a:avLst/>
+          </a:prstGeom>
+        </p:spPr>
+      </p:pic>
+      <p:sp>
+        <p:nvSpPr>
+          <p:cNvPr id="5" name="Titre 1">
+            <a:extLst>
+              <a:ext uri="{FF2B5EF4-FFF2-40B4-BE49-F238E27FC236}">
+                <a16:creationId xmlns:a16="http://schemas.microsoft.com/office/drawing/2014/main" id="{44C783DF-0C86-40FE-9FA0-69E203465FD1}"/>
+              </a:ext>
+            </a:extLst>
+          </p:cNvPr>
+          <p:cNvSpPr>
+            <a:spLocks noGrp="1"/>
+          </p:cNvSpPr>
+          <p:nvPr>
+            <p:ph type="title"/>
+          </p:nvPr>
+        </p:nvSpPr>
+        <p:spPr>
+          <a:xfrm>
+            <a:off x="418144" y="128569"/>
+            <a:ext cx="7773988" cy="740664"/>
+          </a:xfrm>
+        </p:spPr>
+        <p:txBody>
+          <a:bodyPr/>
+          <a:lstStyle/>
+          <a:p>
+            <a:r>
+              <a:rPr lang="fr-FR" sz="2800" dirty="0">
+                <a:latin typeface="Lucida Console" panose="020B0609040504020204" pitchFamily="49" charset="0"/>
+              </a:rPr>
+              <a:t>Atelier N°4 - Exercices</a:t>
+            </a:r>
+          </a:p>
+        </p:txBody>
+      </p:sp>
     </p:spTree>
     <p:extLst>
       <p:ext uri="{BB962C8B-B14F-4D97-AF65-F5344CB8AC3E}">
@@ -15319,10 +17530,634 @@
   <p:clrMapOvr>
     <a:masterClrMapping/>
   </p:clrMapOvr>
+  <p:timing>
+    <p:tnLst>
+      <p:par>
+        <p:cTn id="1" dur="indefinite" restart="never" nodeType="tmRoot">
+          <p:childTnLst>
+            <p:seq concurrent="1" nextAc="seek">
+              <p:cTn id="2" dur="indefinite" nodeType="mainSeq">
+                <p:childTnLst>
+                  <p:par>
+                    <p:cTn id="3" fill="hold">
+                      <p:stCondLst>
+                        <p:cond delay="indefinite"/>
+                      </p:stCondLst>
+                      <p:childTnLst>
+                        <p:par>
+                          <p:cTn id="4" fill="hold">
+                            <p:stCondLst>
+                              <p:cond delay="0"/>
+                            </p:stCondLst>
+                            <p:childTnLst>
+                              <p:par>
+                                <p:cTn id="5" presetID="16" presetClass="entr" presetSubtype="21" fill="hold" nodeType="clickEffect">
+                                  <p:stCondLst>
+                                    <p:cond delay="0"/>
+                                  </p:stCondLst>
+                                  <p:childTnLst>
+                                    <p:set>
+                                      <p:cBhvr>
+                                        <p:cTn id="6" dur="1" fill="hold">
+                                          <p:stCondLst>
+                                            <p:cond delay="0"/>
+                                          </p:stCondLst>
+                                        </p:cTn>
+                                        <p:tgtEl>
+                                          <p:spTgt spid="4"/>
+                                        </p:tgtEl>
+                                        <p:attrNameLst>
+                                          <p:attrName>style.visibility</p:attrName>
+                                        </p:attrNameLst>
+                                      </p:cBhvr>
+                                      <p:to>
+                                        <p:strVal val="visible"/>
+                                      </p:to>
+                                    </p:set>
+                                    <p:animEffect transition="in" filter="barn(inVertical)">
+                                      <p:cBhvr>
+                                        <p:cTn id="7" dur="500"/>
+                                        <p:tgtEl>
+                                          <p:spTgt spid="4"/>
+                                        </p:tgtEl>
+                                      </p:cBhvr>
+                                    </p:animEffect>
+                                  </p:childTnLst>
+                                </p:cTn>
+                              </p:par>
+                            </p:childTnLst>
+                          </p:cTn>
+                        </p:par>
+                      </p:childTnLst>
+                    </p:cTn>
+                  </p:par>
+                  <p:par>
+                    <p:cTn id="8" fill="hold">
+                      <p:stCondLst>
+                        <p:cond delay="indefinite"/>
+                      </p:stCondLst>
+                      <p:childTnLst>
+                        <p:par>
+                          <p:cTn id="9" fill="hold">
+                            <p:stCondLst>
+                              <p:cond delay="0"/>
+                            </p:stCondLst>
+                            <p:childTnLst>
+                              <p:par>
+                                <p:cTn id="10" presetID="5" presetClass="exit" presetSubtype="10" fill="hold" nodeType="clickEffect">
+                                  <p:stCondLst>
+                                    <p:cond delay="0"/>
+                                  </p:stCondLst>
+                                  <p:childTnLst>
+                                    <p:animEffect transition="out" filter="checkerboard(across)">
+                                      <p:cBhvr>
+                                        <p:cTn id="11" dur="500"/>
+                                        <p:tgtEl>
+                                          <p:spTgt spid="4"/>
+                                        </p:tgtEl>
+                                      </p:cBhvr>
+                                    </p:animEffect>
+                                    <p:set>
+                                      <p:cBhvr>
+                                        <p:cTn id="12" dur="1" fill="hold">
+                                          <p:stCondLst>
+                                            <p:cond delay="499"/>
+                                          </p:stCondLst>
+                                        </p:cTn>
+                                        <p:tgtEl>
+                                          <p:spTgt spid="4"/>
+                                        </p:tgtEl>
+                                        <p:attrNameLst>
+                                          <p:attrName>style.visibility</p:attrName>
+                                        </p:attrNameLst>
+                                      </p:cBhvr>
+                                      <p:to>
+                                        <p:strVal val="hidden"/>
+                                      </p:to>
+                                    </p:set>
+                                  </p:childTnLst>
+                                </p:cTn>
+                              </p:par>
+                            </p:childTnLst>
+                          </p:cTn>
+                        </p:par>
+                      </p:childTnLst>
+                    </p:cTn>
+                  </p:par>
+                  <p:par>
+                    <p:cTn id="13" fill="hold">
+                      <p:stCondLst>
+                        <p:cond delay="indefinite"/>
+                      </p:stCondLst>
+                      <p:childTnLst>
+                        <p:par>
+                          <p:cTn id="14" fill="hold">
+                            <p:stCondLst>
+                              <p:cond delay="0"/>
+                            </p:stCondLst>
+                            <p:childTnLst>
+                              <p:par>
+                                <p:cTn id="15" presetID="22" presetClass="entr" presetSubtype="4" fill="hold" nodeType="clickEffect">
+                                  <p:stCondLst>
+                                    <p:cond delay="0"/>
+                                  </p:stCondLst>
+                                  <p:childTnLst>
+                                    <p:set>
+                                      <p:cBhvr>
+                                        <p:cTn id="16" dur="1" fill="hold">
+                                          <p:stCondLst>
+                                            <p:cond delay="0"/>
+                                          </p:stCondLst>
+                                        </p:cTn>
+                                        <p:tgtEl>
+                                          <p:spTgt spid="2"/>
+                                        </p:tgtEl>
+                                        <p:attrNameLst>
+                                          <p:attrName>style.visibility</p:attrName>
+                                        </p:attrNameLst>
+                                      </p:cBhvr>
+                                      <p:to>
+                                        <p:strVal val="visible"/>
+                                      </p:to>
+                                    </p:set>
+                                    <p:animEffect transition="in" filter="wipe(down)">
+                                      <p:cBhvr>
+                                        <p:cTn id="17" dur="500"/>
+                                        <p:tgtEl>
+                                          <p:spTgt spid="2"/>
+                                        </p:tgtEl>
+                                      </p:cBhvr>
+                                    </p:animEffect>
+                                  </p:childTnLst>
+                                </p:cTn>
+                              </p:par>
+                            </p:childTnLst>
+                          </p:cTn>
+                        </p:par>
+                      </p:childTnLst>
+                    </p:cTn>
+                  </p:par>
+                </p:childTnLst>
+              </p:cTn>
+              <p:prevCondLst>
+                <p:cond evt="onPrev" delay="0">
+                  <p:tgtEl>
+                    <p:sldTgt/>
+                  </p:tgtEl>
+                </p:cond>
+              </p:prevCondLst>
+              <p:nextCondLst>
+                <p:cond evt="onNext" delay="0">
+                  <p:tgtEl>
+                    <p:sldTgt/>
+                  </p:tgtEl>
+                </p:cond>
+              </p:nextCondLst>
+            </p:seq>
+          </p:childTnLst>
+        </p:cTn>
+      </p:par>
+    </p:tnLst>
+  </p:timing>
+</p:sld>
+</file>
+
+<file path=ppt/slides/slide27.xml><?xml version="1.0" encoding="utf-8"?>
+<p:sld xmlns:a="http://schemas.openxmlformats.org/drawingml/2006/main" xmlns:r="http://schemas.openxmlformats.org/officeDocument/2006/relationships" xmlns:p="http://schemas.openxmlformats.org/presentationml/2006/main">
+  <p:cSld>
+    <p:spTree>
+      <p:nvGrpSpPr>
+        <p:cNvPr id="1" name=""/>
+        <p:cNvGrpSpPr/>
+        <p:nvPr/>
+      </p:nvGrpSpPr>
+      <p:grpSpPr>
+        <a:xfrm>
+          <a:off x="0" y="0"/>
+          <a:ext cx="0" cy="0"/>
+          <a:chOff x="0" y="0"/>
+          <a:chExt cx="0" cy="0"/>
+        </a:xfrm>
+      </p:grpSpPr>
+      <p:sp>
+        <p:nvSpPr>
+          <p:cNvPr id="5" name="Titre 1">
+            <a:extLst>
+              <a:ext uri="{FF2B5EF4-FFF2-40B4-BE49-F238E27FC236}">
+                <a16:creationId xmlns:a16="http://schemas.microsoft.com/office/drawing/2014/main" id="{44C783DF-0C86-40FE-9FA0-69E203465FD1}"/>
+              </a:ext>
+            </a:extLst>
+          </p:cNvPr>
+          <p:cNvSpPr>
+            <a:spLocks noGrp="1"/>
+          </p:cNvSpPr>
+          <p:nvPr>
+            <p:ph type="title"/>
+          </p:nvPr>
+        </p:nvSpPr>
+        <p:spPr>
+          <a:xfrm>
+            <a:off x="418144" y="128569"/>
+            <a:ext cx="7773988" cy="740664"/>
+          </a:xfrm>
+        </p:spPr>
+        <p:txBody>
+          <a:bodyPr/>
+          <a:lstStyle/>
+          <a:p>
+            <a:r>
+              <a:rPr lang="fr-FR" sz="2800" dirty="0">
+                <a:latin typeface="Lucida Console" panose="020B0609040504020204" pitchFamily="49" charset="0"/>
+              </a:rPr>
+              <a:t>Atelier N°4 - Exercices</a:t>
+            </a:r>
+          </a:p>
+        </p:txBody>
+      </p:sp>
+      <p:pic>
+        <p:nvPicPr>
+          <p:cNvPr id="3" name="Image 2">
+            <a:extLst>
+              <a:ext uri="{FF2B5EF4-FFF2-40B4-BE49-F238E27FC236}">
+                <a16:creationId xmlns:a16="http://schemas.microsoft.com/office/drawing/2014/main" id="{CB7B0BEB-BAEA-4EEA-A3F9-27DFAFC864CE}"/>
+              </a:ext>
+            </a:extLst>
+          </p:cNvPr>
+          <p:cNvPicPr>
+            <a:picLocks noChangeAspect="1"/>
+          </p:cNvPicPr>
+          <p:nvPr/>
+        </p:nvPicPr>
+        <p:blipFill>
+          <a:blip r:embed="rId2"/>
+          <a:stretch>
+            <a:fillRect/>
+          </a:stretch>
+        </p:blipFill>
+        <p:spPr>
+          <a:xfrm>
+            <a:off x="681037" y="1066800"/>
+            <a:ext cx="7781925" cy="4724400"/>
+          </a:xfrm>
+          <a:prstGeom prst="rect">
+            <a:avLst/>
+          </a:prstGeom>
+        </p:spPr>
+      </p:pic>
+      <p:pic>
+        <p:nvPicPr>
+          <p:cNvPr id="6" name="Image 5">
+            <a:extLst>
+              <a:ext uri="{FF2B5EF4-FFF2-40B4-BE49-F238E27FC236}">
+                <a16:creationId xmlns:a16="http://schemas.microsoft.com/office/drawing/2014/main" id="{C235B255-90AF-4FF6-88F0-DFD7A454C451}"/>
+              </a:ext>
+            </a:extLst>
+          </p:cNvPr>
+          <p:cNvPicPr>
+            <a:picLocks noChangeAspect="1"/>
+          </p:cNvPicPr>
+          <p:nvPr/>
+        </p:nvPicPr>
+        <p:blipFill>
+          <a:blip r:embed="rId3"/>
+          <a:stretch>
+            <a:fillRect/>
+          </a:stretch>
+        </p:blipFill>
+        <p:spPr>
+          <a:xfrm>
+            <a:off x="711919" y="1076325"/>
+            <a:ext cx="7781925" cy="4714875"/>
+          </a:xfrm>
+          <a:prstGeom prst="rect">
+            <a:avLst/>
+          </a:prstGeom>
+        </p:spPr>
+      </p:pic>
+    </p:spTree>
+    <p:extLst>
+      <p:ext uri="{BB962C8B-B14F-4D97-AF65-F5344CB8AC3E}">
+        <p14:creationId xmlns:p14="http://schemas.microsoft.com/office/powerpoint/2010/main" val="2162391998"/>
+      </p:ext>
+    </p:extLst>
+  </p:cSld>
+  <p:clrMapOvr>
+    <a:masterClrMapping/>
+  </p:clrMapOvr>
+  <p:timing>
+    <p:tnLst>
+      <p:par>
+        <p:cTn id="1" dur="indefinite" restart="never" nodeType="tmRoot">
+          <p:childTnLst>
+            <p:seq concurrent="1" nextAc="seek">
+              <p:cTn id="2" dur="indefinite" nodeType="mainSeq">
+                <p:childTnLst>
+                  <p:par>
+                    <p:cTn id="3" fill="hold">
+                      <p:stCondLst>
+                        <p:cond delay="indefinite"/>
+                      </p:stCondLst>
+                      <p:childTnLst>
+                        <p:par>
+                          <p:cTn id="4" fill="hold">
+                            <p:stCondLst>
+                              <p:cond delay="0"/>
+                            </p:stCondLst>
+                            <p:childTnLst>
+                              <p:par>
+                                <p:cTn id="5" presetID="10" presetClass="entr" presetSubtype="0" fill="hold" nodeType="clickEffect">
+                                  <p:stCondLst>
+                                    <p:cond delay="0"/>
+                                  </p:stCondLst>
+                                  <p:childTnLst>
+                                    <p:set>
+                                      <p:cBhvr>
+                                        <p:cTn id="6" dur="1" fill="hold">
+                                          <p:stCondLst>
+                                            <p:cond delay="0"/>
+                                          </p:stCondLst>
+                                        </p:cTn>
+                                        <p:tgtEl>
+                                          <p:spTgt spid="3"/>
+                                        </p:tgtEl>
+                                        <p:attrNameLst>
+                                          <p:attrName>style.visibility</p:attrName>
+                                        </p:attrNameLst>
+                                      </p:cBhvr>
+                                      <p:to>
+                                        <p:strVal val="visible"/>
+                                      </p:to>
+                                    </p:set>
+                                    <p:animEffect transition="in" filter="fade">
+                                      <p:cBhvr>
+                                        <p:cTn id="7" dur="500"/>
+                                        <p:tgtEl>
+                                          <p:spTgt spid="3"/>
+                                        </p:tgtEl>
+                                      </p:cBhvr>
+                                    </p:animEffect>
+                                  </p:childTnLst>
+                                </p:cTn>
+                              </p:par>
+                            </p:childTnLst>
+                          </p:cTn>
+                        </p:par>
+                      </p:childTnLst>
+                    </p:cTn>
+                  </p:par>
+                  <p:par>
+                    <p:cTn id="8" fill="hold">
+                      <p:stCondLst>
+                        <p:cond delay="indefinite"/>
+                      </p:stCondLst>
+                      <p:childTnLst>
+                        <p:par>
+                          <p:cTn id="9" fill="hold">
+                            <p:stCondLst>
+                              <p:cond delay="0"/>
+                            </p:stCondLst>
+                            <p:childTnLst>
+                              <p:par>
+                                <p:cTn id="10" presetID="13" presetClass="exit" presetSubtype="32" fill="hold" nodeType="clickEffect">
+                                  <p:stCondLst>
+                                    <p:cond delay="0"/>
+                                  </p:stCondLst>
+                                  <p:childTnLst>
+                                    <p:animEffect transition="out" filter="plus(out)">
+                                      <p:cBhvr>
+                                        <p:cTn id="11" dur="2000"/>
+                                        <p:tgtEl>
+                                          <p:spTgt spid="3"/>
+                                        </p:tgtEl>
+                                      </p:cBhvr>
+                                    </p:animEffect>
+                                    <p:set>
+                                      <p:cBhvr>
+                                        <p:cTn id="12" dur="1" fill="hold">
+                                          <p:stCondLst>
+                                            <p:cond delay="1999"/>
+                                          </p:stCondLst>
+                                        </p:cTn>
+                                        <p:tgtEl>
+                                          <p:spTgt spid="3"/>
+                                        </p:tgtEl>
+                                        <p:attrNameLst>
+                                          <p:attrName>style.visibility</p:attrName>
+                                        </p:attrNameLst>
+                                      </p:cBhvr>
+                                      <p:to>
+                                        <p:strVal val="hidden"/>
+                                      </p:to>
+                                    </p:set>
+                                  </p:childTnLst>
+                                </p:cTn>
+                              </p:par>
+                            </p:childTnLst>
+                          </p:cTn>
+                        </p:par>
+                      </p:childTnLst>
+                    </p:cTn>
+                  </p:par>
+                  <p:par>
+                    <p:cTn id="13" fill="hold">
+                      <p:stCondLst>
+                        <p:cond delay="indefinite"/>
+                      </p:stCondLst>
+                      <p:childTnLst>
+                        <p:par>
+                          <p:cTn id="14" fill="hold">
+                            <p:stCondLst>
+                              <p:cond delay="0"/>
+                            </p:stCondLst>
+                            <p:childTnLst>
+                              <p:par>
+                                <p:cTn id="15" presetID="14" presetClass="entr" presetSubtype="10" fill="hold" nodeType="clickEffect">
+                                  <p:stCondLst>
+                                    <p:cond delay="0"/>
+                                  </p:stCondLst>
+                                  <p:childTnLst>
+                                    <p:set>
+                                      <p:cBhvr>
+                                        <p:cTn id="16" dur="1" fill="hold">
+                                          <p:stCondLst>
+                                            <p:cond delay="0"/>
+                                          </p:stCondLst>
+                                        </p:cTn>
+                                        <p:tgtEl>
+                                          <p:spTgt spid="6"/>
+                                        </p:tgtEl>
+                                        <p:attrNameLst>
+                                          <p:attrName>style.visibility</p:attrName>
+                                        </p:attrNameLst>
+                                      </p:cBhvr>
+                                      <p:to>
+                                        <p:strVal val="visible"/>
+                                      </p:to>
+                                    </p:set>
+                                    <p:animEffect transition="in" filter="randombar(horizontal)">
+                                      <p:cBhvr>
+                                        <p:cTn id="17" dur="500"/>
+                                        <p:tgtEl>
+                                          <p:spTgt spid="6"/>
+                                        </p:tgtEl>
+                                      </p:cBhvr>
+                                    </p:animEffect>
+                                  </p:childTnLst>
+                                </p:cTn>
+                              </p:par>
+                            </p:childTnLst>
+                          </p:cTn>
+                        </p:par>
+                      </p:childTnLst>
+                    </p:cTn>
+                  </p:par>
+                </p:childTnLst>
+              </p:cTn>
+              <p:prevCondLst>
+                <p:cond evt="onPrev" delay="0">
+                  <p:tgtEl>
+                    <p:sldTgt/>
+                  </p:tgtEl>
+                </p:cond>
+              </p:prevCondLst>
+              <p:nextCondLst>
+                <p:cond evt="onNext" delay="0">
+                  <p:tgtEl>
+                    <p:sldTgt/>
+                  </p:tgtEl>
+                </p:cond>
+              </p:nextCondLst>
+            </p:seq>
+          </p:childTnLst>
+        </p:cTn>
+      </p:par>
+    </p:tnLst>
+  </p:timing>
 </p:sld>
 </file>
 
 <file path=ppt/slides/slide3.xml><?xml version="1.0" encoding="utf-8"?>
+<p:sld xmlns:a="http://schemas.openxmlformats.org/drawingml/2006/main" xmlns:r="http://schemas.openxmlformats.org/officeDocument/2006/relationships" xmlns:p="http://schemas.openxmlformats.org/presentationml/2006/main">
+  <p:cSld>
+    <p:spTree>
+      <p:nvGrpSpPr>
+        <p:cNvPr id="1" name=""/>
+        <p:cNvGrpSpPr/>
+        <p:nvPr/>
+      </p:nvGrpSpPr>
+      <p:grpSpPr>
+        <a:xfrm>
+          <a:off x="0" y="0"/>
+          <a:ext cx="0" cy="0"/>
+          <a:chOff x="0" y="0"/>
+          <a:chExt cx="0" cy="0"/>
+        </a:xfrm>
+      </p:grpSpPr>
+      <p:sp>
+        <p:nvSpPr>
+          <p:cNvPr id="2" name="Titre 1">
+            <a:extLst>
+              <a:ext uri="{FF2B5EF4-FFF2-40B4-BE49-F238E27FC236}">
+                <a16:creationId xmlns:a16="http://schemas.microsoft.com/office/drawing/2014/main" id="{69954918-7DDF-4CDB-A899-9378EDAD869F}"/>
+              </a:ext>
+            </a:extLst>
+          </p:cNvPr>
+          <p:cNvSpPr>
+            <a:spLocks noGrp="1"/>
+          </p:cNvSpPr>
+          <p:nvPr>
+            <p:ph type="title"/>
+          </p:nvPr>
+        </p:nvSpPr>
+        <p:spPr/>
+        <p:txBody>
+          <a:bodyPr/>
+          <a:lstStyle/>
+          <a:p>
+            <a:r>
+              <a:rPr lang="fr-FR" dirty="0"/>
+              <a:t>Sommaire</a:t>
+            </a:r>
+          </a:p>
+        </p:txBody>
+      </p:sp>
+      <p:sp>
+        <p:nvSpPr>
+          <p:cNvPr id="3" name="Espace réservé du contenu 2">
+            <a:extLst>
+              <a:ext uri="{FF2B5EF4-FFF2-40B4-BE49-F238E27FC236}">
+                <a16:creationId xmlns:a16="http://schemas.microsoft.com/office/drawing/2014/main" id="{752B3E80-5A5B-4530-A66D-5E4CF8A1A266}"/>
+              </a:ext>
+            </a:extLst>
+          </p:cNvPr>
+          <p:cNvSpPr>
+            <a:spLocks noGrp="1"/>
+          </p:cNvSpPr>
+          <p:nvPr>
+            <p:ph idx="1"/>
+          </p:nvPr>
+        </p:nvSpPr>
+        <p:spPr>
+          <a:xfrm>
+            <a:off x="460375" y="1761879"/>
+            <a:ext cx="8119156" cy="3127865"/>
+          </a:xfrm>
+        </p:spPr>
+        <p:txBody>
+          <a:bodyPr/>
+          <a:lstStyle/>
+          <a:p>
+            <a:r>
+              <a:rPr lang="fr-FR" dirty="0"/>
+              <a:t>Introduction à PowerShell</a:t>
+            </a:r>
+          </a:p>
+          <a:p>
+            <a:r>
+              <a:rPr lang="fr-FR" dirty="0"/>
+              <a:t>Atelier N°1 : Configuration de Base</a:t>
+            </a:r>
+          </a:p>
+          <a:p>
+            <a:r>
+              <a:rPr lang="fr-FR" dirty="0"/>
+              <a:t>Atelier N°2 : Active Directory – DNS –DHCP</a:t>
+            </a:r>
+          </a:p>
+          <a:p>
+            <a:r>
+              <a:rPr lang="fr-FR" dirty="0"/>
+              <a:t>Atelier N°3 : Windows PowerShell et VMware</a:t>
+            </a:r>
+          </a:p>
+          <a:p>
+            <a:r>
+              <a:rPr lang="fr-FR" dirty="0"/>
+              <a:t>Atelier N°4 : Introduction WPF XAML</a:t>
+            </a:r>
+          </a:p>
+          <a:p>
+            <a:r>
+              <a:rPr lang="fr-FR" dirty="0"/>
+              <a:t>Questions échanges</a:t>
+            </a:r>
+          </a:p>
+        </p:txBody>
+      </p:sp>
+    </p:spTree>
+    <p:extLst>
+      <p:ext uri="{BB962C8B-B14F-4D97-AF65-F5344CB8AC3E}">
+        <p14:creationId xmlns:p14="http://schemas.microsoft.com/office/powerpoint/2010/main" val="2494271264"/>
+      </p:ext>
+    </p:extLst>
+  </p:cSld>
+  <p:clrMapOvr>
+    <a:masterClrMapping/>
+  </p:clrMapOvr>
+</p:sld>
+</file>
+
+<file path=ppt/slides/slide4.xml><?xml version="1.0" encoding="utf-8"?>
 <p:sld xmlns:a="http://schemas.openxmlformats.org/drawingml/2006/main" xmlns:r="http://schemas.openxmlformats.org/officeDocument/2006/relationships" xmlns:p="http://schemas.openxmlformats.org/presentationml/2006/main">
   <p:cSld>
     <p:spTree>
@@ -15397,7 +18232,7 @@
 </p:sld>
 </file>
 
-<file path=ppt/slides/slide4.xml><?xml version="1.0" encoding="utf-8"?>
+<file path=ppt/slides/slide5.xml><?xml version="1.0" encoding="utf-8"?>
 <p:sld xmlns:a="http://schemas.openxmlformats.org/drawingml/2006/main" xmlns:r="http://schemas.openxmlformats.org/officeDocument/2006/relationships" xmlns:p="http://schemas.openxmlformats.org/presentationml/2006/main">
   <p:cSld>
     <p:spTree>
@@ -15483,7 +18318,7 @@
 </p:sld>
 </file>
 
-<file path=ppt/slides/slide5.xml><?xml version="1.0" encoding="utf-8"?>
+<file path=ppt/slides/slide6.xml><?xml version="1.0" encoding="utf-8"?>
 <p:sld xmlns:a="http://schemas.openxmlformats.org/drawingml/2006/main" xmlns:r="http://schemas.openxmlformats.org/officeDocument/2006/relationships" xmlns:p="http://schemas.openxmlformats.org/presentationml/2006/main">
   <p:cSld>
     <p:spTree>
@@ -16061,7 +18896,7 @@
 </p:sld>
 </file>
 
-<file path=ppt/slides/slide6.xml><?xml version="1.0" encoding="utf-8"?>
+<file path=ppt/slides/slide7.xml><?xml version="1.0" encoding="utf-8"?>
 <p:sld xmlns:a="http://schemas.openxmlformats.org/drawingml/2006/main" xmlns:r="http://schemas.openxmlformats.org/officeDocument/2006/relationships" xmlns:p="http://schemas.openxmlformats.org/presentationml/2006/main">
   <p:cSld>
     <p:spTree>
@@ -16409,7 +19244,7 @@
 </p:sld>
 </file>
 
-<file path=ppt/slides/slide7.xml><?xml version="1.0" encoding="utf-8"?>
+<file path=ppt/slides/slide8.xml><?xml version="1.0" encoding="utf-8"?>
 <p:sld xmlns:a="http://schemas.openxmlformats.org/drawingml/2006/main" xmlns:r="http://schemas.openxmlformats.org/officeDocument/2006/relationships" xmlns:p="http://schemas.openxmlformats.org/presentationml/2006/main">
   <p:cSld>
     <p:spTree>
@@ -16919,7 +19754,7 @@
 </p:sld>
 </file>
 
-<file path=ppt/slides/slide8.xml><?xml version="1.0" encoding="utf-8"?>
+<file path=ppt/slides/slide9.xml><?xml version="1.0" encoding="utf-8"?>
 <p:sld xmlns:a="http://schemas.openxmlformats.org/drawingml/2006/main" xmlns:r="http://schemas.openxmlformats.org/officeDocument/2006/relationships" xmlns:p="http://schemas.openxmlformats.org/presentationml/2006/main">
   <p:cSld>
     <p:spTree>
@@ -17556,400 +20391,6 @@
     <p:extLst>
       <p:ext uri="{BB962C8B-B14F-4D97-AF65-F5344CB8AC3E}">
         <p14:creationId xmlns:p14="http://schemas.microsoft.com/office/powerpoint/2010/main" val="1214078971"/>
-      </p:ext>
-    </p:extLst>
-  </p:cSld>
-  <p:clrMapOvr>
-    <a:masterClrMapping/>
-  </p:clrMapOvr>
-</p:sld>
-</file>
-
-<file path=ppt/slides/slide9.xml><?xml version="1.0" encoding="utf-8"?>
-<p:sld xmlns:a="http://schemas.openxmlformats.org/drawingml/2006/main" xmlns:r="http://schemas.openxmlformats.org/officeDocument/2006/relationships" xmlns:p="http://schemas.openxmlformats.org/presentationml/2006/main">
-  <p:cSld>
-    <p:spTree>
-      <p:nvGrpSpPr>
-        <p:cNvPr id="1" name=""/>
-        <p:cNvGrpSpPr/>
-        <p:nvPr/>
-      </p:nvGrpSpPr>
-      <p:grpSpPr>
-        <a:xfrm>
-          <a:off x="0" y="0"/>
-          <a:ext cx="0" cy="0"/>
-          <a:chOff x="0" y="0"/>
-          <a:chExt cx="0" cy="0"/>
-        </a:xfrm>
-      </p:grpSpPr>
-      <p:sp>
-        <p:nvSpPr>
-          <p:cNvPr id="2" name="Titre 1">
-            <a:extLst>
-              <a:ext uri="{FF2B5EF4-FFF2-40B4-BE49-F238E27FC236}">
-                <a16:creationId xmlns:a16="http://schemas.microsoft.com/office/drawing/2014/main" id="{D8100903-D6B3-47F4-BE33-25071FB991FA}"/>
-              </a:ext>
-            </a:extLst>
-          </p:cNvPr>
-          <p:cNvSpPr>
-            <a:spLocks noGrp="1"/>
-          </p:cNvSpPr>
-          <p:nvPr>
-            <p:ph type="title"/>
-          </p:nvPr>
-        </p:nvSpPr>
-        <p:spPr/>
-        <p:txBody>
-          <a:bodyPr/>
-          <a:lstStyle/>
-          <a:p>
-            <a:r>
-              <a:rPr lang="fr-FR" dirty="0"/>
-              <a:t>Introduction</a:t>
-            </a:r>
-          </a:p>
-        </p:txBody>
-      </p:sp>
-      <p:pic>
-        <p:nvPicPr>
-          <p:cNvPr id="8" name="Image 7">
-            <a:extLst>
-              <a:ext uri="{FF2B5EF4-FFF2-40B4-BE49-F238E27FC236}">
-                <a16:creationId xmlns:a16="http://schemas.microsoft.com/office/drawing/2014/main" id="{BCFFB347-9888-44E3-8A09-6EEF5DBF3A41}"/>
-              </a:ext>
-            </a:extLst>
-          </p:cNvPr>
-          <p:cNvPicPr>
-            <a:picLocks noChangeAspect="1"/>
-          </p:cNvPicPr>
-          <p:nvPr/>
-        </p:nvPicPr>
-        <p:blipFill>
-          <a:blip r:embed="rId3">
-            <a:clrChange>
-              <a:clrFrom>
-                <a:srgbClr val="FFFFFF"/>
-              </a:clrFrom>
-              <a:clrTo>
-                <a:srgbClr val="FFFFFF">
-                  <a:alpha val="0"/>
-                </a:srgbClr>
-              </a:clrTo>
-            </a:clrChange>
-            <a:extLst>
-              <a:ext uri="{28A0092B-C50C-407E-A947-70E740481C1C}">
-                <a14:useLocalDpi xmlns:a14="http://schemas.microsoft.com/office/drawing/2010/main" val="0"/>
-              </a:ext>
-            </a:extLst>
-          </a:blip>
-          <a:stretch>
-            <a:fillRect/>
-          </a:stretch>
-        </p:blipFill>
-        <p:spPr>
-          <a:xfrm>
-            <a:off x="7000875" y="4402204"/>
-            <a:ext cx="2143125" cy="2143125"/>
-          </a:xfrm>
-          <a:prstGeom prst="rect">
-            <a:avLst/>
-          </a:prstGeom>
-        </p:spPr>
-      </p:pic>
-      <p:sp>
-        <p:nvSpPr>
-          <p:cNvPr id="10" name="Rectangle 9">
-            <a:extLst>
-              <a:ext uri="{FF2B5EF4-FFF2-40B4-BE49-F238E27FC236}">
-                <a16:creationId xmlns:a16="http://schemas.microsoft.com/office/drawing/2014/main" id="{64C0DDB2-FCCF-4C23-B450-4B1FC4688375}"/>
-              </a:ext>
-            </a:extLst>
-          </p:cNvPr>
-          <p:cNvSpPr/>
-          <p:nvPr/>
-        </p:nvSpPr>
-        <p:spPr>
-          <a:xfrm>
-            <a:off x="444959" y="980728"/>
-            <a:ext cx="6983288" cy="5324535"/>
-          </a:xfrm>
-          <a:prstGeom prst="rect">
-            <a:avLst/>
-          </a:prstGeom>
-        </p:spPr>
-        <p:txBody>
-          <a:bodyPr wrap="square">
-            <a:spAutoFit/>
-          </a:bodyPr>
-          <a:lstStyle/>
-          <a:p>
-            <a:pPr algn="just"/>
-            <a:r>
-              <a:rPr lang="fr-FR" sz="1700" b="1" dirty="0">
-                <a:latin typeface="Verdana" panose="020B0604030504040204" pitchFamily="34" charset="0"/>
-              </a:rPr>
-              <a:t>Visual Studio Code</a:t>
-            </a:r>
-            <a:r>
-              <a:rPr lang="fr-FR" sz="1700" dirty="0">
-                <a:latin typeface="Verdana" panose="020B0604030504040204" pitchFamily="34" charset="0"/>
-              </a:rPr>
-              <a:t>, développé par Microsoft, est l’éditeur qui a le vent en poupe en ce moment dans la communauté des scripteurs et développeurs de tous horizons. En effet, celui-ci, en plus d’être gratuit et d’être multiplateforme (excusez du peu), a la particularité de supporter non seulement PowerShell, mais aussi de très nombreux autres langages. On peut compter parmi eux : </a:t>
-            </a:r>
-            <a:r>
-              <a:rPr lang="fr-FR" sz="1700" b="1" dirty="0">
-                <a:latin typeface="Verdana" panose="020B0604030504040204" pitchFamily="34" charset="0"/>
-              </a:rPr>
-              <a:t>C++</a:t>
-            </a:r>
-            <a:r>
-              <a:rPr lang="fr-FR" sz="1700" dirty="0">
-                <a:latin typeface="Verdana" panose="020B0604030504040204" pitchFamily="34" charset="0"/>
-              </a:rPr>
-              <a:t>, </a:t>
-            </a:r>
-            <a:r>
-              <a:rPr lang="fr-FR" sz="1700" b="1" dirty="0">
-                <a:latin typeface="Verdana" panose="020B0604030504040204" pitchFamily="34" charset="0"/>
-              </a:rPr>
-              <a:t>C#</a:t>
-            </a:r>
-            <a:r>
-              <a:rPr lang="fr-FR" sz="1700" dirty="0">
-                <a:latin typeface="Verdana" panose="020B0604030504040204" pitchFamily="34" charset="0"/>
-              </a:rPr>
-              <a:t>, </a:t>
-            </a:r>
-            <a:r>
-              <a:rPr lang="fr-FR" sz="1700" b="1" dirty="0">
-                <a:latin typeface="Verdana" panose="020B0604030504040204" pitchFamily="34" charset="0"/>
-              </a:rPr>
-              <a:t>CSS</a:t>
-            </a:r>
-            <a:r>
-              <a:rPr lang="fr-FR" sz="1700" dirty="0">
-                <a:latin typeface="Verdana" panose="020B0604030504040204" pitchFamily="34" charset="0"/>
-              </a:rPr>
-              <a:t>, </a:t>
-            </a:r>
-            <a:r>
-              <a:rPr lang="fr-FR" sz="1700" b="1" dirty="0" err="1">
-                <a:latin typeface="Verdana" panose="020B0604030504040204" pitchFamily="34" charset="0"/>
-              </a:rPr>
-              <a:t>DockerFile</a:t>
-            </a:r>
-            <a:r>
-              <a:rPr lang="fr-FR" sz="1700" dirty="0">
-                <a:latin typeface="Verdana" panose="020B0604030504040204" pitchFamily="34" charset="0"/>
-              </a:rPr>
-              <a:t>, </a:t>
-            </a:r>
-            <a:r>
-              <a:rPr lang="fr-FR" sz="1700" b="1" dirty="0">
-                <a:latin typeface="Verdana" panose="020B0604030504040204" pitchFamily="34" charset="0"/>
-              </a:rPr>
-              <a:t>Go</a:t>
-            </a:r>
-            <a:r>
-              <a:rPr lang="fr-FR" sz="1700" dirty="0">
-                <a:latin typeface="Verdana" panose="020B0604030504040204" pitchFamily="34" charset="0"/>
-              </a:rPr>
-              <a:t>, </a:t>
-            </a:r>
-            <a:r>
-              <a:rPr lang="fr-FR" sz="1700" b="1" dirty="0">
-                <a:latin typeface="Verdana" panose="020B0604030504040204" pitchFamily="34" charset="0"/>
-              </a:rPr>
-              <a:t>HTML</a:t>
-            </a:r>
-            <a:r>
-              <a:rPr lang="fr-FR" sz="1700" dirty="0">
-                <a:latin typeface="Verdana" panose="020B0604030504040204" pitchFamily="34" charset="0"/>
-              </a:rPr>
-              <a:t>, </a:t>
-            </a:r>
-            <a:r>
-              <a:rPr lang="fr-FR" sz="1700" b="1" dirty="0">
-                <a:latin typeface="Verdana" panose="020B0604030504040204" pitchFamily="34" charset="0"/>
-              </a:rPr>
-              <a:t>Java</a:t>
-            </a:r>
-            <a:r>
-              <a:rPr lang="fr-FR" sz="1700" dirty="0">
-                <a:latin typeface="Verdana" panose="020B0604030504040204" pitchFamily="34" charset="0"/>
-              </a:rPr>
-              <a:t>, </a:t>
-            </a:r>
-            <a:r>
-              <a:rPr lang="fr-FR" sz="1700" b="1" dirty="0">
-                <a:latin typeface="Verdana" panose="020B0604030504040204" pitchFamily="34" charset="0"/>
-              </a:rPr>
-              <a:t>JavaScript</a:t>
-            </a:r>
-            <a:r>
-              <a:rPr lang="fr-FR" sz="1700" dirty="0">
-                <a:latin typeface="Verdana" panose="020B0604030504040204" pitchFamily="34" charset="0"/>
-              </a:rPr>
-              <a:t>, </a:t>
-            </a:r>
-            <a:r>
-              <a:rPr lang="fr-FR" sz="1700" b="1" dirty="0">
-                <a:latin typeface="Verdana" panose="020B0604030504040204" pitchFamily="34" charset="0"/>
-              </a:rPr>
-              <a:t>JSON</a:t>
-            </a:r>
-            <a:r>
-              <a:rPr lang="fr-FR" sz="1700" dirty="0">
-                <a:latin typeface="Verdana" panose="020B0604030504040204" pitchFamily="34" charset="0"/>
-              </a:rPr>
-              <a:t>, </a:t>
-            </a:r>
-            <a:r>
-              <a:rPr lang="fr-FR" sz="1700" b="1" dirty="0" err="1">
-                <a:latin typeface="Verdana" panose="020B0604030504040204" pitchFamily="34" charset="0"/>
-              </a:rPr>
-              <a:t>Less</a:t>
-            </a:r>
-            <a:r>
-              <a:rPr lang="fr-FR" sz="1700" dirty="0">
-                <a:latin typeface="Verdana" panose="020B0604030504040204" pitchFamily="34" charset="0"/>
-              </a:rPr>
-              <a:t>, </a:t>
-            </a:r>
-            <a:r>
-              <a:rPr lang="fr-FR" sz="1700" b="1" dirty="0" err="1">
-                <a:latin typeface="Verdana" panose="020B0604030504040204" pitchFamily="34" charset="0"/>
-              </a:rPr>
-              <a:t>Markdown</a:t>
-            </a:r>
-            <a:r>
-              <a:rPr lang="fr-FR" sz="1700" dirty="0">
-                <a:latin typeface="Verdana" panose="020B0604030504040204" pitchFamily="34" charset="0"/>
-              </a:rPr>
-              <a:t>, </a:t>
-            </a:r>
-            <a:r>
-              <a:rPr lang="fr-FR" sz="1700" b="1" dirty="0">
-                <a:latin typeface="Verdana" panose="020B0604030504040204" pitchFamily="34" charset="0"/>
-              </a:rPr>
-              <a:t>PHP</a:t>
-            </a:r>
-            <a:r>
-              <a:rPr lang="fr-FR" sz="1700" dirty="0">
-                <a:latin typeface="Verdana" panose="020B0604030504040204" pitchFamily="34" charset="0"/>
-              </a:rPr>
-              <a:t>, </a:t>
-            </a:r>
-            <a:r>
-              <a:rPr lang="fr-FR" sz="1700" b="1" dirty="0">
-                <a:latin typeface="Verdana" panose="020B0604030504040204" pitchFamily="34" charset="0"/>
-              </a:rPr>
-              <a:t>Python</a:t>
-            </a:r>
-            <a:r>
-              <a:rPr lang="fr-FR" sz="1700" dirty="0">
-                <a:latin typeface="Verdana" panose="020B0604030504040204" pitchFamily="34" charset="0"/>
-              </a:rPr>
-              <a:t>, </a:t>
-            </a:r>
-            <a:r>
-              <a:rPr lang="fr-FR" sz="1700" b="1" dirty="0" err="1">
-                <a:latin typeface="Verdana" panose="020B0604030504040204" pitchFamily="34" charset="0"/>
-              </a:rPr>
-              <a:t>Sass</a:t>
-            </a:r>
-            <a:r>
-              <a:rPr lang="fr-FR" sz="1700" dirty="0">
-                <a:latin typeface="Verdana" panose="020B0604030504040204" pitchFamily="34" charset="0"/>
-              </a:rPr>
-              <a:t>, </a:t>
-            </a:r>
-            <a:r>
-              <a:rPr lang="fr-FR" sz="1700" b="1" dirty="0">
-                <a:latin typeface="Verdana" panose="020B0604030504040204" pitchFamily="34" charset="0"/>
-              </a:rPr>
-              <a:t>T-SQL</a:t>
-            </a:r>
-            <a:r>
-              <a:rPr lang="fr-FR" sz="1700" dirty="0">
-                <a:latin typeface="Verdana" panose="020B0604030504040204" pitchFamily="34" charset="0"/>
-              </a:rPr>
-              <a:t>, </a:t>
-            </a:r>
-            <a:r>
-              <a:rPr lang="fr-FR" sz="1700" b="1" dirty="0" err="1">
-                <a:latin typeface="Verdana" panose="020B0604030504040204" pitchFamily="34" charset="0"/>
-              </a:rPr>
-              <a:t>TypeScript</a:t>
-            </a:r>
-            <a:r>
-              <a:rPr lang="fr-FR" sz="1700" dirty="0">
-                <a:latin typeface="Verdana" panose="020B0604030504040204" pitchFamily="34" charset="0"/>
-              </a:rPr>
-              <a:t>, etc.</a:t>
-            </a:r>
-          </a:p>
-          <a:p>
-            <a:r>
-              <a:rPr lang="fr-FR" sz="1700" dirty="0">
-                <a:latin typeface="Verdana" panose="020B0604030504040204" pitchFamily="34" charset="0"/>
-              </a:rPr>
-              <a:t>De plus, sa forte intégration avec le gestionnaire de codes sources </a:t>
-            </a:r>
-            <a:r>
-              <a:rPr lang="fr-FR" sz="1700" b="1" dirty="0">
-                <a:latin typeface="Verdana" panose="020B0604030504040204" pitchFamily="34" charset="0"/>
-              </a:rPr>
-              <a:t>Git </a:t>
-            </a:r>
-            <a:r>
-              <a:rPr lang="fr-FR" sz="1700" dirty="0">
-                <a:latin typeface="Verdana" panose="020B0604030504040204" pitchFamily="34" charset="0"/>
-              </a:rPr>
-              <a:t>fait de lui un incontournable. Il est loin d’être aussi puissant qu’un </a:t>
-            </a:r>
-            <a:r>
-              <a:rPr lang="fr-FR" sz="1700" b="1" dirty="0">
-                <a:latin typeface="Verdana" panose="020B0604030504040204" pitchFamily="34" charset="0"/>
-              </a:rPr>
-              <a:t>Visual Studio </a:t>
-            </a:r>
-            <a:r>
-              <a:rPr lang="fr-FR" sz="1700" dirty="0">
-                <a:latin typeface="Verdana" panose="020B0604030504040204" pitchFamily="34" charset="0"/>
-              </a:rPr>
-              <a:t>classique, mais pour des besoins modestes, il suffit amplement. En tout cas, pour nous, scripteurs PowerShell, il sera parfait. Et ce, d’autant plus qu’il reprend l’ensemble des fonctionnalités de</a:t>
-            </a:r>
-          </a:p>
-          <a:p>
-            <a:r>
-              <a:rPr lang="fr-FR" sz="1700" b="1" dirty="0">
-                <a:latin typeface="Verdana" panose="020B0604030504040204" pitchFamily="34" charset="0"/>
-              </a:rPr>
-              <a:t>PowerShell ISE</a:t>
-            </a:r>
-            <a:r>
-              <a:rPr lang="fr-FR" sz="1700" dirty="0">
-                <a:latin typeface="Verdana" panose="020B0604030504040204" pitchFamily="34" charset="0"/>
-              </a:rPr>
-              <a:t>. Nous ne pouvons donc que vous encourager à utiliser Visual Studio Code au profit d’ISE. Surtout</a:t>
-            </a:r>
-          </a:p>
-          <a:p>
-            <a:r>
-              <a:rPr lang="fr-FR" sz="1700" dirty="0">
-                <a:latin typeface="Verdana" panose="020B0604030504040204" pitchFamily="34" charset="0"/>
-              </a:rPr>
-              <a:t>que, comme nous vous le disions lors de la présentation d’ISE, celui-ci n’évoluera plus.</a:t>
-            </a:r>
-            <a:endParaRPr lang="fr-FR" sz="1700" dirty="0"/>
-          </a:p>
-        </p:txBody>
-      </p:sp>
-    </p:spTree>
-    <p:extLst>
-      <p:ext uri="{BB962C8B-B14F-4D97-AF65-F5344CB8AC3E}">
-        <p14:creationId xmlns:p14="http://schemas.microsoft.com/office/powerpoint/2010/main" val="1140467304"/>
       </p:ext>
     </p:extLst>
   </p:cSld>
@@ -19278,13 +21719,13 @@
 
 <file path=customXml/item1.xml><?xml version="1.0" encoding="utf-8"?>
 <Control xmlns="http://schemas.microsoft.com/VisualStudio/2011/storyboarding/control">
-  <Id Name="System.Storyboarding.Common.Button" Revision="1" Stencil="System.Storyboarding.Common" StencilVersion="0.1"/>
+  <Id Name="System.Storyboarding.Icons.Folder" Revision="1" Stencil="System.Storyboarding.Icons" StencilVersion="0.1"/>
 </Control>
 </file>
 
 <file path=customXml/item10.xml><?xml version="1.0" encoding="utf-8"?>
 <Control xmlns="http://schemas.microsoft.com/VisualStudio/2011/storyboarding/control">
-  <Id Name="System.Storyboarding.Common.Button" Revision="1" Stencil="System.Storyboarding.Common" StencilVersion="0.1"/>
+  <Id Name="System.Storyboarding.Icons.Folder" Revision="1" Stencil="System.Storyboarding.Icons" StencilVersion="0.1"/>
 </Control>
 </file>
 
@@ -19308,7 +21749,7 @@
 
 <file path=customXml/item3.xml><?xml version="1.0" encoding="utf-8"?>
 <Control xmlns="http://schemas.microsoft.com/VisualStudio/2011/storyboarding/control">
-  <Id Name="System.Storyboarding.Icons.Folder" Revision="1" Stencil="System.Storyboarding.Icons" StencilVersion="0.1"/>
+  <Id Name="System.Storyboarding.Common.Button" Revision="1" Stencil="System.Storyboarding.Common" StencilVersion="0.1"/>
 </Control>
 </file>
 
@@ -19326,13 +21767,13 @@
 
 <file path=customXml/item6.xml><?xml version="1.0" encoding="utf-8"?>
 <Control xmlns="http://schemas.microsoft.com/VisualStudio/2011/storyboarding/control">
-  <Id Name="System.Storyboarding.Icons.File" Revision="1" Stencil="System.Storyboarding.Icons" StencilVersion="0.1"/>
+  <Id Name="System.Storyboarding.Icons.Folder" Revision="1" Stencil="System.Storyboarding.Icons" StencilVersion="0.1"/>
 </Control>
 </file>
 
 <file path=customXml/item7.xml><?xml version="1.0" encoding="utf-8"?>
 <Control xmlns="http://schemas.microsoft.com/VisualStudio/2011/storyboarding/control">
-  <Id Name="System.Storyboarding.Icons.Folder" Revision="1" Stencil="System.Storyboarding.Icons" StencilVersion="0.1"/>
+  <Id Name="System.Storyboarding.Common.Button" Revision="1" Stencil="System.Storyboarding.Common" StencilVersion="0.1"/>
 </Control>
 </file>
 
@@ -19344,12 +21785,12 @@
 
 <file path=customXml/item9.xml><?xml version="1.0" encoding="utf-8"?>
 <Control xmlns="http://schemas.microsoft.com/VisualStudio/2011/storyboarding/control">
-  <Id Name="System.Storyboarding.Icons.Folder" Revision="1" Stencil="System.Storyboarding.Icons" StencilVersion="0.1"/>
+  <Id Name="System.Storyboarding.Icons.File" Revision="1" Stencil="System.Storyboarding.Icons" StencilVersion="0.1"/>
 </Control>
 </file>
 
 <file path=customXml/itemProps1.xml><?xml version="1.0" encoding="utf-8"?>
-<ds:datastoreItem xmlns:ds="http://schemas.openxmlformats.org/officeDocument/2006/customXml" ds:itemID="{B53B40A1-188B-43A4-981F-6B03ED12B991}">
+<ds:datastoreItem xmlns:ds="http://schemas.openxmlformats.org/officeDocument/2006/customXml" ds:itemID="{F7471D8B-D85A-4BDB-8329-A328F53AB1A8}">
   <ds:schemaRefs>
     <ds:schemaRef ds:uri="http://schemas.microsoft.com/VisualStudio/2011/storyboarding/control"/>
   </ds:schemaRefs>
@@ -19357,7 +21798,7 @@
 </file>
 
 <file path=customXml/itemProps10.xml><?xml version="1.0" encoding="utf-8"?>
-<ds:datastoreItem xmlns:ds="http://schemas.openxmlformats.org/officeDocument/2006/customXml" ds:itemID="{5C25B755-F279-4F61-857A-2D8BBAEF9663}">
+<ds:datastoreItem xmlns:ds="http://schemas.openxmlformats.org/officeDocument/2006/customXml" ds:itemID="{2F1B5ED6-BEC6-4D0A-9D7F-9D8BD15EDECF}">
   <ds:schemaRefs>
     <ds:schemaRef ds:uri="http://schemas.microsoft.com/VisualStudio/2011/storyboarding/control"/>
   </ds:schemaRefs>
@@ -19365,7 +21806,7 @@
 </file>
 
 <file path=customXml/itemProps11.xml><?xml version="1.0" encoding="utf-8"?>
-<ds:datastoreItem xmlns:ds="http://schemas.openxmlformats.org/officeDocument/2006/customXml" ds:itemID="{048E7D49-12D0-44A3-A4B3-7754C9DFB936}">
+<ds:datastoreItem xmlns:ds="http://schemas.openxmlformats.org/officeDocument/2006/customXml" ds:itemID="{9B202378-5050-4277-B652-0150A1A8EDEA}">
   <ds:schemaRefs>
     <ds:schemaRef ds:uri="http://schemas.microsoft.com/VisualStudio/2011/storyboarding/control"/>
   </ds:schemaRefs>
@@ -19389,7 +21830,7 @@
 </file>
 
 <file path=customXml/itemProps3.xml><?xml version="1.0" encoding="utf-8"?>
-<ds:datastoreItem xmlns:ds="http://schemas.openxmlformats.org/officeDocument/2006/customXml" ds:itemID="{191399BD-30E0-43BE-9CE0-A0A2C0384676}">
+<ds:datastoreItem xmlns:ds="http://schemas.openxmlformats.org/officeDocument/2006/customXml" ds:itemID="{B53B40A1-188B-43A4-981F-6B03ED12B991}">
   <ds:schemaRefs>
     <ds:schemaRef ds:uri="http://schemas.microsoft.com/VisualStudio/2011/storyboarding/control"/>
   </ds:schemaRefs>
@@ -19397,7 +21838,7 @@
 </file>
 
 <file path=customXml/itemProps4.xml><?xml version="1.0" encoding="utf-8"?>
-<ds:datastoreItem xmlns:ds="http://schemas.openxmlformats.org/officeDocument/2006/customXml" ds:itemID="{9B202378-5050-4277-B652-0150A1A8EDEA}">
+<ds:datastoreItem xmlns:ds="http://schemas.openxmlformats.org/officeDocument/2006/customXml" ds:itemID="{5C25B755-F279-4F61-857A-2D8BBAEF9663}">
   <ds:schemaRefs>
     <ds:schemaRef ds:uri="http://schemas.microsoft.com/VisualStudio/2011/storyboarding/control"/>
   </ds:schemaRefs>
@@ -19413,7 +21854,7 @@
 </file>
 
 <file path=customXml/itemProps6.xml><?xml version="1.0" encoding="utf-8"?>
-<ds:datastoreItem xmlns:ds="http://schemas.openxmlformats.org/officeDocument/2006/customXml" ds:itemID="{30D3EEA6-7777-4417-A0E8-5A168AD10FE7}">
+<ds:datastoreItem xmlns:ds="http://schemas.openxmlformats.org/officeDocument/2006/customXml" ds:itemID="{191399BD-30E0-43BE-9CE0-A0A2C0384676}">
   <ds:schemaRefs>
     <ds:schemaRef ds:uri="http://schemas.microsoft.com/VisualStudio/2011/storyboarding/control"/>
   </ds:schemaRefs>
@@ -19421,7 +21862,7 @@
 </file>
 
 <file path=customXml/itemProps7.xml><?xml version="1.0" encoding="utf-8"?>
-<ds:datastoreItem xmlns:ds="http://schemas.openxmlformats.org/officeDocument/2006/customXml" ds:itemID="{2F1B5ED6-BEC6-4D0A-9D7F-9D8BD15EDECF}">
+<ds:datastoreItem xmlns:ds="http://schemas.openxmlformats.org/officeDocument/2006/customXml" ds:itemID="{6A299629-7A5C-4926-9B7B-9CC702CBD736}">
   <ds:schemaRefs>
     <ds:schemaRef ds:uri="http://schemas.microsoft.com/VisualStudio/2011/storyboarding/control"/>
   </ds:schemaRefs>
@@ -19429,7 +21870,7 @@
 </file>
 
 <file path=customXml/itemProps8.xml><?xml version="1.0" encoding="utf-8"?>
-<ds:datastoreItem xmlns:ds="http://schemas.openxmlformats.org/officeDocument/2006/customXml" ds:itemID="{6A299629-7A5C-4926-9B7B-9CC702CBD736}">
+<ds:datastoreItem xmlns:ds="http://schemas.openxmlformats.org/officeDocument/2006/customXml" ds:itemID="{048E7D49-12D0-44A3-A4B3-7754C9DFB936}">
   <ds:schemaRefs>
     <ds:schemaRef ds:uri="http://schemas.microsoft.com/VisualStudio/2011/storyboarding/control"/>
   </ds:schemaRefs>
@@ -19437,7 +21878,7 @@
 </file>
 
 <file path=customXml/itemProps9.xml><?xml version="1.0" encoding="utf-8"?>
-<ds:datastoreItem xmlns:ds="http://schemas.openxmlformats.org/officeDocument/2006/customXml" ds:itemID="{F7471D8B-D85A-4BDB-8329-A328F53AB1A8}">
+<ds:datastoreItem xmlns:ds="http://schemas.openxmlformats.org/officeDocument/2006/customXml" ds:itemID="{30D3EEA6-7777-4417-A0E8-5A168AD10FE7}">
   <ds:schemaRefs>
     <ds:schemaRef ds:uri="http://schemas.microsoft.com/VisualStudio/2011/storyboarding/control"/>
   </ds:schemaRefs>
